--- a/Day 4/slide/Spring JDBC.pptx
+++ b/Day 4/slide/Spring JDBC.pptx
@@ -238,7 +238,7 @@
           <a:p>
             <a:fld id="{30C1B767-D354-CE40-BAF4-5FEDFB9DB6C7}" type="datetimeFigureOut">
               <a:rPr lang="en-US" smtClean="0"/>
-              <a:t>2/20/23</a:t>
+              <a:t>7/11/23</a:t>
             </a:fld>
             <a:endParaRPr lang="en-US"/>
           </a:p>
@@ -655,7 +655,7 @@
           <a:p>
             <a:fld id="{ADED5D2E-4786-244E-8232-A173CA74B8F6}" type="datetimeFigureOut">
               <a:rPr lang="en-US" smtClean="0"/>
-              <a:t>2/20/23</a:t>
+              <a:t>7/11/23</a:t>
             </a:fld>
             <a:endParaRPr lang="en-US"/>
           </a:p>
@@ -855,7 +855,7 @@
           <a:p>
             <a:fld id="{ADED5D2E-4786-244E-8232-A173CA74B8F6}" type="datetimeFigureOut">
               <a:rPr lang="en-US" smtClean="0"/>
-              <a:t>2/20/23</a:t>
+              <a:t>7/11/23</a:t>
             </a:fld>
             <a:endParaRPr lang="en-US"/>
           </a:p>
@@ -1065,7 +1065,7 @@
           <a:p>
             <a:fld id="{ADED5D2E-4786-244E-8232-A173CA74B8F6}" type="datetimeFigureOut">
               <a:rPr lang="en-US" smtClean="0"/>
-              <a:t>2/20/23</a:t>
+              <a:t>7/11/23</a:t>
             </a:fld>
             <a:endParaRPr lang="en-US"/>
           </a:p>
@@ -1265,7 +1265,7 @@
           <a:p>
             <a:fld id="{ADED5D2E-4786-244E-8232-A173CA74B8F6}" type="datetimeFigureOut">
               <a:rPr lang="en-US" smtClean="0"/>
-              <a:t>2/20/23</a:t>
+              <a:t>7/11/23</a:t>
             </a:fld>
             <a:endParaRPr lang="en-US"/>
           </a:p>
@@ -1541,7 +1541,7 @@
           <a:p>
             <a:fld id="{ADED5D2E-4786-244E-8232-A173CA74B8F6}" type="datetimeFigureOut">
               <a:rPr lang="en-US" smtClean="0"/>
-              <a:t>2/20/23</a:t>
+              <a:t>7/11/23</a:t>
             </a:fld>
             <a:endParaRPr lang="en-US"/>
           </a:p>
@@ -1809,7 +1809,7 @@
           <a:p>
             <a:fld id="{ADED5D2E-4786-244E-8232-A173CA74B8F6}" type="datetimeFigureOut">
               <a:rPr lang="en-US" smtClean="0"/>
-              <a:t>2/20/23</a:t>
+              <a:t>7/11/23</a:t>
             </a:fld>
             <a:endParaRPr lang="en-US"/>
           </a:p>
@@ -2224,7 +2224,7 @@
           <a:p>
             <a:fld id="{ADED5D2E-4786-244E-8232-A173CA74B8F6}" type="datetimeFigureOut">
               <a:rPr lang="en-US" smtClean="0"/>
-              <a:t>2/20/23</a:t>
+              <a:t>7/11/23</a:t>
             </a:fld>
             <a:endParaRPr lang="en-US"/>
           </a:p>
@@ -2366,7 +2366,7 @@
           <a:p>
             <a:fld id="{ADED5D2E-4786-244E-8232-A173CA74B8F6}" type="datetimeFigureOut">
               <a:rPr lang="en-US" smtClean="0"/>
-              <a:t>2/20/23</a:t>
+              <a:t>7/11/23</a:t>
             </a:fld>
             <a:endParaRPr lang="en-US"/>
           </a:p>
@@ -2479,7 +2479,7 @@
           <a:p>
             <a:fld id="{ADED5D2E-4786-244E-8232-A173CA74B8F6}" type="datetimeFigureOut">
               <a:rPr lang="en-US" smtClean="0"/>
-              <a:t>2/20/23</a:t>
+              <a:t>7/11/23</a:t>
             </a:fld>
             <a:endParaRPr lang="en-US"/>
           </a:p>
@@ -2792,7 +2792,7 @@
           <a:p>
             <a:fld id="{ADED5D2E-4786-244E-8232-A173CA74B8F6}" type="datetimeFigureOut">
               <a:rPr lang="en-US" smtClean="0"/>
-              <a:t>2/20/23</a:t>
+              <a:t>7/11/23</a:t>
             </a:fld>
             <a:endParaRPr lang="en-US"/>
           </a:p>
@@ -3081,7 +3081,7 @@
           <a:p>
             <a:fld id="{ADED5D2E-4786-244E-8232-A173CA74B8F6}" type="datetimeFigureOut">
               <a:rPr lang="en-US" smtClean="0"/>
-              <a:t>2/20/23</a:t>
+              <a:t>7/11/23</a:t>
             </a:fld>
             <a:endParaRPr lang="en-US"/>
           </a:p>
@@ -3336,7 +3336,7 @@
           <a:p>
             <a:fld id="{ADED5D2E-4786-244E-8232-A173CA74B8F6}" type="datetimeFigureOut">
               <a:rPr lang="en-US" smtClean="0"/>
-              <a:t>2/20/23</a:t>
+              <a:t>7/11/23</a:t>
             </a:fld>
             <a:endParaRPr lang="en-US"/>
           </a:p>
@@ -3801,15 +3801,9 @@
         <p:spPr/>
         <p:txBody>
           <a:bodyPr>
-            <a:normAutofit fontScale="70000" lnSpcReduction="20000"/>
+            <a:normAutofit fontScale="92500" lnSpcReduction="20000"/>
           </a:bodyPr>
           <a:lstStyle/>
-          <a:p>
-            <a:r>
-              <a:rPr lang="en-US" dirty="0"/>
-              <a:t>Click the SQL tab at the top of the window. Type in the following:</a:t>
-            </a:r>
-          </a:p>
           <a:p>
             <a:pPr marL="0" indent="0">
               <a:buNone/>
@@ -4090,12 +4084,6 @@
               <a:buNone/>
             </a:pPr>
             <a:endParaRPr lang="en-US" dirty="0"/>
-          </a:p>
-          <a:p>
-            <a:r>
-              <a:rPr lang="en-US" dirty="0"/>
-              <a:t>Click Go.</a:t>
-            </a:r>
           </a:p>
         </p:txBody>
       </p:sp>

--- a/Day 4/slide/Spring JDBC.pptx
+++ b/Day 4/slide/Spring JDBC.pptx
@@ -238,7 +238,7 @@
           <a:p>
             <a:fld id="{30C1B767-D354-CE40-BAF4-5FEDFB9DB6C7}" type="datetimeFigureOut">
               <a:rPr lang="en-US" smtClean="0"/>
-              <a:t>7/11/23</a:t>
+              <a:t>8/22/23</a:t>
             </a:fld>
             <a:endParaRPr lang="en-US"/>
           </a:p>
@@ -655,7 +655,7 @@
           <a:p>
             <a:fld id="{ADED5D2E-4786-244E-8232-A173CA74B8F6}" type="datetimeFigureOut">
               <a:rPr lang="en-US" smtClean="0"/>
-              <a:t>7/11/23</a:t>
+              <a:t>8/22/23</a:t>
             </a:fld>
             <a:endParaRPr lang="en-US"/>
           </a:p>
@@ -855,7 +855,7 @@
           <a:p>
             <a:fld id="{ADED5D2E-4786-244E-8232-A173CA74B8F6}" type="datetimeFigureOut">
               <a:rPr lang="en-US" smtClean="0"/>
-              <a:t>7/11/23</a:t>
+              <a:t>8/22/23</a:t>
             </a:fld>
             <a:endParaRPr lang="en-US"/>
           </a:p>
@@ -1065,7 +1065,7 @@
           <a:p>
             <a:fld id="{ADED5D2E-4786-244E-8232-A173CA74B8F6}" type="datetimeFigureOut">
               <a:rPr lang="en-US" smtClean="0"/>
-              <a:t>7/11/23</a:t>
+              <a:t>8/22/23</a:t>
             </a:fld>
             <a:endParaRPr lang="en-US"/>
           </a:p>
@@ -1265,7 +1265,7 @@
           <a:p>
             <a:fld id="{ADED5D2E-4786-244E-8232-A173CA74B8F6}" type="datetimeFigureOut">
               <a:rPr lang="en-US" smtClean="0"/>
-              <a:t>7/11/23</a:t>
+              <a:t>8/22/23</a:t>
             </a:fld>
             <a:endParaRPr lang="en-US"/>
           </a:p>
@@ -1541,7 +1541,7 @@
           <a:p>
             <a:fld id="{ADED5D2E-4786-244E-8232-A173CA74B8F6}" type="datetimeFigureOut">
               <a:rPr lang="en-US" smtClean="0"/>
-              <a:t>7/11/23</a:t>
+              <a:t>8/22/23</a:t>
             </a:fld>
             <a:endParaRPr lang="en-US"/>
           </a:p>
@@ -1809,7 +1809,7 @@
           <a:p>
             <a:fld id="{ADED5D2E-4786-244E-8232-A173CA74B8F6}" type="datetimeFigureOut">
               <a:rPr lang="en-US" smtClean="0"/>
-              <a:t>7/11/23</a:t>
+              <a:t>8/22/23</a:t>
             </a:fld>
             <a:endParaRPr lang="en-US"/>
           </a:p>
@@ -2224,7 +2224,7 @@
           <a:p>
             <a:fld id="{ADED5D2E-4786-244E-8232-A173CA74B8F6}" type="datetimeFigureOut">
               <a:rPr lang="en-US" smtClean="0"/>
-              <a:t>7/11/23</a:t>
+              <a:t>8/22/23</a:t>
             </a:fld>
             <a:endParaRPr lang="en-US"/>
           </a:p>
@@ -2366,7 +2366,7 @@
           <a:p>
             <a:fld id="{ADED5D2E-4786-244E-8232-A173CA74B8F6}" type="datetimeFigureOut">
               <a:rPr lang="en-US" smtClean="0"/>
-              <a:t>7/11/23</a:t>
+              <a:t>8/22/23</a:t>
             </a:fld>
             <a:endParaRPr lang="en-US"/>
           </a:p>
@@ -2479,7 +2479,7 @@
           <a:p>
             <a:fld id="{ADED5D2E-4786-244E-8232-A173CA74B8F6}" type="datetimeFigureOut">
               <a:rPr lang="en-US" smtClean="0"/>
-              <a:t>7/11/23</a:t>
+              <a:t>8/22/23</a:t>
             </a:fld>
             <a:endParaRPr lang="en-US"/>
           </a:p>
@@ -2792,7 +2792,7 @@
           <a:p>
             <a:fld id="{ADED5D2E-4786-244E-8232-A173CA74B8F6}" type="datetimeFigureOut">
               <a:rPr lang="en-US" smtClean="0"/>
-              <a:t>7/11/23</a:t>
+              <a:t>8/22/23</a:t>
             </a:fld>
             <a:endParaRPr lang="en-US"/>
           </a:p>
@@ -3081,7 +3081,7 @@
           <a:p>
             <a:fld id="{ADED5D2E-4786-244E-8232-A173CA74B8F6}" type="datetimeFigureOut">
               <a:rPr lang="en-US" smtClean="0"/>
-              <a:t>7/11/23</a:t>
+              <a:t>8/22/23</a:t>
             </a:fld>
             <a:endParaRPr lang="en-US"/>
           </a:p>
@@ -3336,7 +3336,7 @@
           <a:p>
             <a:fld id="{ADED5D2E-4786-244E-8232-A173CA74B8F6}" type="datetimeFigureOut">
               <a:rPr lang="en-US" smtClean="0"/>
-              <a:t>7/11/23</a:t>
+              <a:t>8/22/23</a:t>
             </a:fld>
             <a:endParaRPr lang="en-US"/>
           </a:p>
@@ -3775,8 +3775,20 @@
           <a:lstStyle/>
           <a:p>
             <a:r>
+              <a:rPr lang="en-GB" dirty="0" err="1"/>
+              <a:t>Impostazione</a:t>
+            </a:r>
+            <a:r>
               <a:rPr lang="en-GB" dirty="0"/>
-              <a:t>Setting up the database manually </a:t>
+              <a:t> </a:t>
+            </a:r>
+            <a:r>
+              <a:rPr lang="en-GB" dirty="0" err="1"/>
+              <a:t>manuale</a:t>
+            </a:r>
+            <a:r>
+              <a:rPr lang="en-GB" dirty="0"/>
+              <a:t> del database</a:t>
             </a:r>
             <a:endParaRPr lang="en-US" dirty="0"/>
           </a:p>
@@ -4140,7 +4152,15 @@
           <a:p>
             <a:r>
               <a:rPr lang="en-GB" dirty="0"/>
-              <a:t>Secure queries with </a:t>
+              <a:t>Query </a:t>
+            </a:r>
+            <a:r>
+              <a:rPr lang="en-GB" dirty="0" err="1"/>
+              <a:t>sicure</a:t>
+            </a:r>
+            <a:r>
+              <a:rPr lang="en-GB" dirty="0"/>
+              <a:t> con </a:t>
             </a:r>
             <a:r>
               <a:rPr lang="en-GB" dirty="0" err="1"/>
@@ -4148,16 +4168,29 @@
             </a:r>
             <a:r>
               <a:rPr lang="en-GB" dirty="0"/>
-              <a:t> – new </a:t>
+              <a:t> – </a:t>
+            </a:r>
+            <a:r>
+              <a:rPr lang="en-GB" dirty="0" err="1"/>
+              <a:t>nuova</a:t>
+            </a:r>
+            <a:r>
+              <a:rPr lang="en-GB" dirty="0"/>
+              <a:t> </a:t>
+            </a:r>
+            <a:r>
+              <a:rPr lang="en-GB" dirty="0" err="1"/>
+              <a:t>implementazione</a:t>
+            </a:r>
+            <a:r>
+              <a:rPr lang="en-GB" dirty="0"/>
+              <a:t> di </a:t>
             </a:r>
             <a:r>
               <a:rPr lang="en-GB" dirty="0" err="1"/>
               <a:t>NoteRepository</a:t>
             </a:r>
-            <a:r>
-              <a:rPr lang="en-GB" dirty="0"/>
-              <a:t> implementation (3/4)</a:t>
-            </a:r>
+            <a:endParaRPr lang="en-GB" dirty="0"/>
           </a:p>
         </p:txBody>
       </p:sp>
@@ -4190,8 +4223,52 @@
           <a:lstStyle/>
           <a:p>
             <a:r>
+              <a:rPr lang="en-US" sz="1600" dirty="0" err="1"/>
+              <a:t>Aggiungere</a:t>
+            </a:r>
+            <a:r>
               <a:rPr lang="en-US" sz="1600" dirty="0"/>
-              <a:t>Add the following methods for the title and body queries to the </a:t>
+              <a:t> </a:t>
+            </a:r>
+            <a:r>
+              <a:rPr lang="en-US" sz="1600" dirty="0" err="1"/>
+              <a:t>i</a:t>
+            </a:r>
+            <a:r>
+              <a:rPr lang="en-US" sz="1600" dirty="0"/>
+              <a:t> </a:t>
+            </a:r>
+            <a:r>
+              <a:rPr lang="en-US" sz="1600" dirty="0" err="1"/>
+              <a:t>metodi</a:t>
+            </a:r>
+            <a:r>
+              <a:rPr lang="en-US" sz="1600" dirty="0"/>
+              <a:t> </a:t>
+            </a:r>
+            <a:r>
+              <a:rPr lang="en-US" sz="1600" dirty="0" err="1"/>
+              <a:t>seguenti</a:t>
+            </a:r>
+            <a:r>
+              <a:rPr lang="en-US" sz="1600" dirty="0"/>
+              <a:t> per le query title e body </a:t>
+            </a:r>
+            <a:r>
+              <a:rPr lang="en-US" sz="1600" dirty="0" err="1"/>
+              <a:t>alla</a:t>
+            </a:r>
+            <a:r>
+              <a:rPr lang="en-US" sz="1600" dirty="0"/>
+              <a:t> </a:t>
+            </a:r>
+            <a:r>
+              <a:rPr lang="en-US" sz="1600" dirty="0" err="1"/>
+              <a:t>classe</a:t>
+            </a:r>
+            <a:r>
+              <a:rPr lang="en-US" sz="1600" dirty="0"/>
+              <a:t> </a:t>
             </a:r>
             <a:r>
               <a:rPr lang="en-US" sz="1600" dirty="0" err="1"/>
@@ -4199,13 +4276,51 @@
             </a:r>
             <a:r>
               <a:rPr lang="en-US" sz="1600" dirty="0"/>
-              <a:t> class (more methods on next slide):</a:t>
-            </a:r>
-          </a:p>
-          <a:p>
-            <a:pPr marL="0" indent="0">
-              <a:buNone/>
-            </a:pPr>
+              <a:t> (</a:t>
+            </a:r>
+            <a:r>
+              <a:rPr lang="en-US" sz="1600" dirty="0" err="1"/>
+              <a:t>altri</a:t>
+            </a:r>
+            <a:r>
+              <a:rPr lang="en-US" sz="1600" dirty="0"/>
+              <a:t> </a:t>
+            </a:r>
+            <a:r>
+              <a:rPr lang="en-US" sz="1600" dirty="0" err="1"/>
+              <a:t>metodi</a:t>
+            </a:r>
+            <a:r>
+              <a:rPr lang="en-US" sz="1600" dirty="0"/>
+              <a:t> </a:t>
+            </a:r>
+            <a:r>
+              <a:rPr lang="en-US" sz="1600" dirty="0" err="1"/>
+              <a:t>nella</a:t>
+            </a:r>
+            <a:r>
+              <a:rPr lang="en-US" sz="1600" dirty="0"/>
+              <a:t> </a:t>
+            </a:r>
+            <a:r>
+              <a:rPr lang="en-US" sz="1600" dirty="0" err="1"/>
+              <a:t>diapositiva</a:t>
+            </a:r>
+            <a:r>
+              <a:rPr lang="en-US" sz="1600" dirty="0"/>
+              <a:t> </a:t>
+            </a:r>
+            <a:r>
+              <a:rPr lang="en-US" sz="1600" dirty="0" err="1"/>
+              <a:t>successiva</a:t>
+            </a:r>
+            <a:r>
+              <a:rPr lang="en-US" sz="1600" dirty="0"/>
+              <a:t>):</a:t>
+            </a:r>
+            <a:br>
+              <a:rPr lang="en-US" sz="1600" dirty="0"/>
+            </a:br>
             <a:r>
               <a:rPr lang="en-GB" sz="1600" dirty="0">
                 <a:solidFill>
@@ -4956,7 +5071,15 @@
           <a:p>
             <a:r>
               <a:rPr lang="en-GB" dirty="0"/>
-              <a:t>Secure queries with </a:t>
+              <a:t>Query </a:t>
+            </a:r>
+            <a:r>
+              <a:rPr lang="en-GB" dirty="0" err="1"/>
+              <a:t>sicure</a:t>
+            </a:r>
+            <a:r>
+              <a:rPr lang="en-GB" dirty="0"/>
+              <a:t> con </a:t>
             </a:r>
             <a:r>
               <a:rPr lang="en-GB" dirty="0" err="1"/>
@@ -4964,16 +5087,29 @@
             </a:r>
             <a:r>
               <a:rPr lang="en-GB" dirty="0"/>
-              <a:t> – new </a:t>
+              <a:t> – </a:t>
+            </a:r>
+            <a:r>
+              <a:rPr lang="en-GB" dirty="0" err="1"/>
+              <a:t>nuova</a:t>
+            </a:r>
+            <a:r>
+              <a:rPr lang="en-GB" dirty="0"/>
+              <a:t> </a:t>
+            </a:r>
+            <a:r>
+              <a:rPr lang="en-GB" dirty="0" err="1"/>
+              <a:t>implementazione</a:t>
+            </a:r>
+            <a:r>
+              <a:rPr lang="en-GB" dirty="0"/>
+              <a:t> di </a:t>
             </a:r>
             <a:r>
               <a:rPr lang="en-GB" dirty="0" err="1"/>
               <a:t>NoteRepository</a:t>
             </a:r>
-            <a:r>
-              <a:rPr lang="en-GB" dirty="0"/>
-              <a:t> implementation (4/4)</a:t>
-            </a:r>
+            <a:endParaRPr lang="en-GB" dirty="0"/>
           </a:p>
         </p:txBody>
       </p:sp>
@@ -5006,8 +5142,68 @@
           <a:lstStyle/>
           <a:p>
             <a:r>
+              <a:rPr lang="en-US" sz="1400" dirty="0" err="1"/>
+              <a:t>Aggiungere</a:t>
+            </a:r>
+            <a:r>
               <a:rPr lang="en-US" sz="1400" dirty="0"/>
-              <a:t>Add the following methods for the creation date queries to the </a:t>
+              <a:t> </a:t>
+            </a:r>
+            <a:r>
+              <a:rPr lang="en-US" sz="1400" dirty="0" err="1"/>
+              <a:t>i</a:t>
+            </a:r>
+            <a:r>
+              <a:rPr lang="en-US" sz="1400" dirty="0"/>
+              <a:t> </a:t>
+            </a:r>
+            <a:r>
+              <a:rPr lang="en-US" sz="1400" dirty="0" err="1"/>
+              <a:t>metodi</a:t>
+            </a:r>
+            <a:r>
+              <a:rPr lang="en-US" sz="1400" dirty="0"/>
+              <a:t> </a:t>
+            </a:r>
+            <a:r>
+              <a:rPr lang="en-US" sz="1400" dirty="0" err="1"/>
+              <a:t>seguenti</a:t>
+            </a:r>
+            <a:r>
+              <a:rPr lang="en-US" sz="1400" dirty="0"/>
+              <a:t> per le query </a:t>
+            </a:r>
+            <a:r>
+              <a:rPr lang="en-US" sz="1400" dirty="0" err="1"/>
+              <a:t>della</a:t>
+            </a:r>
+            <a:r>
+              <a:rPr lang="en-US" sz="1400" dirty="0"/>
+              <a:t> data di </a:t>
+            </a:r>
+            <a:r>
+              <a:rPr lang="en-US" sz="1400" dirty="0" err="1"/>
+              <a:t>creazione</a:t>
+            </a:r>
+            <a:r>
+              <a:rPr lang="en-US" sz="1400" dirty="0"/>
+              <a:t> </a:t>
+            </a:r>
+            <a:r>
+              <a:rPr lang="en-US" sz="1400" dirty="0" err="1"/>
+              <a:t>alla</a:t>
+            </a:r>
+            <a:r>
+              <a:rPr lang="en-US" sz="1400" dirty="0"/>
+              <a:t> </a:t>
+            </a:r>
+            <a:r>
+              <a:rPr lang="en-US" sz="1400" dirty="0" err="1"/>
+              <a:t>classe</a:t>
+            </a:r>
+            <a:r>
+              <a:rPr lang="en-US" sz="1400" dirty="0"/>
+              <a:t> </a:t>
             </a:r>
             <a:r>
               <a:rPr lang="en-US" sz="1400" dirty="0" err="1"/>
@@ -5015,13 +5211,11 @@
             </a:r>
             <a:r>
               <a:rPr lang="en-US" sz="1400" dirty="0"/>
-              <a:t> class:</a:t>
-            </a:r>
-          </a:p>
-          <a:p>
-            <a:pPr marL="0" indent="0">
-              <a:buNone/>
-            </a:pPr>
+              <a:t>:</a:t>
+            </a:r>
+            <a:br>
+              <a:rPr lang="en-US" sz="1400" dirty="0"/>
+            </a:br>
             <a:r>
               <a:rPr lang="en-GB" sz="1400" dirty="0">
                 <a:solidFill>
@@ -6279,7 +6473,15 @@
           <a:p>
             <a:r>
               <a:rPr lang="en-GB" dirty="0"/>
-              <a:t>Secure queries with </a:t>
+              <a:t>Query </a:t>
+            </a:r>
+            <a:r>
+              <a:rPr lang="en-GB" dirty="0" err="1"/>
+              <a:t>sicure</a:t>
+            </a:r>
+            <a:r>
+              <a:rPr lang="en-GB" dirty="0"/>
+              <a:t> con </a:t>
             </a:r>
             <a:r>
               <a:rPr lang="en-GB" dirty="0" err="1"/>
@@ -6287,16 +6489,29 @@
             </a:r>
             <a:r>
               <a:rPr lang="en-GB" dirty="0"/>
-              <a:t> – new </a:t>
+              <a:t> – </a:t>
+            </a:r>
+            <a:r>
+              <a:rPr lang="en-GB" dirty="0" err="1"/>
+              <a:t>nuova</a:t>
+            </a:r>
+            <a:r>
+              <a:rPr lang="en-GB" dirty="0"/>
+              <a:t> </a:t>
+            </a:r>
+            <a:r>
+              <a:rPr lang="en-GB" dirty="0" err="1"/>
+              <a:t>classe</a:t>
+            </a:r>
+            <a:r>
+              <a:rPr lang="en-GB" dirty="0"/>
+              <a:t> </a:t>
             </a:r>
             <a:r>
               <a:rPr lang="en-GB" dirty="0" err="1"/>
               <a:t>NoteMapper</a:t>
             </a:r>
-            <a:r>
-              <a:rPr lang="en-GB" dirty="0"/>
-              <a:t> class</a:t>
-            </a:r>
+            <a:endParaRPr lang="en-GB" dirty="0"/>
           </a:p>
         </p:txBody>
       </p:sp>
@@ -6329,8 +6544,44 @@
           <a:lstStyle/>
           <a:p>
             <a:r>
+              <a:rPr lang="en-US" sz="1600" dirty="0" err="1"/>
+              <a:t>Creare</a:t>
+            </a:r>
+            <a:r>
               <a:rPr lang="en-US" sz="1600" dirty="0"/>
-              <a:t>Create a package called “mappers” and create the </a:t>
+              <a:t> un </a:t>
+            </a:r>
+            <a:r>
+              <a:rPr lang="en-US" sz="1600" dirty="0" err="1"/>
+              <a:t>pacchetto</a:t>
+            </a:r>
+            <a:r>
+              <a:rPr lang="en-US" sz="1600" dirty="0"/>
+              <a:t> </a:t>
+            </a:r>
+            <a:r>
+              <a:rPr lang="en-US" sz="1600" dirty="0" err="1"/>
+              <a:t>denominato</a:t>
+            </a:r>
+            <a:r>
+              <a:rPr lang="en-US" sz="1600" dirty="0"/>
+              <a:t> "mappers" e </a:t>
+            </a:r>
+            <a:r>
+              <a:rPr lang="en-US" sz="1600" dirty="0" err="1"/>
+              <a:t>creare</a:t>
+            </a:r>
+            <a:r>
+              <a:rPr lang="en-US" sz="1600" dirty="0"/>
+              <a:t> la </a:t>
+            </a:r>
+            <a:r>
+              <a:rPr lang="en-US" sz="1600" dirty="0" err="1"/>
+              <a:t>classe</a:t>
+            </a:r>
+            <a:r>
+              <a:rPr lang="en-US" sz="1600" dirty="0"/>
+              <a:t> </a:t>
             </a:r>
             <a:r>
               <a:rPr lang="en-US" sz="1600" dirty="0" err="1"/>
@@ -6338,724 +6589,786 @@
             </a:r>
             <a:r>
               <a:rPr lang="en-US" sz="1600" dirty="0"/>
-              <a:t> class inside it as follows:</a:t>
+              <a:t> al </a:t>
+            </a:r>
+            <a:r>
+              <a:rPr lang="en-US" sz="1600" dirty="0" err="1"/>
+              <a:t>suo</a:t>
+            </a:r>
+            <a:r>
+              <a:rPr lang="en-US" sz="1600" dirty="0"/>
+              <a:t> </a:t>
+            </a:r>
+            <a:r>
+              <a:rPr lang="en-US" sz="1600" dirty="0" err="1"/>
+              <a:t>interno</a:t>
+            </a:r>
+            <a:r>
+              <a:rPr lang="en-US" sz="1600" dirty="0"/>
+              <a:t> come segue:</a:t>
+            </a:r>
+            <a:br>
+              <a:rPr lang="en-US" sz="1600" dirty="0"/>
+            </a:br>
+            <a:r>
+              <a:rPr lang="en-GB" sz="1600" dirty="0">
+                <a:solidFill>
+                  <a:srgbClr val="00B050"/>
+                </a:solidFill>
+                <a:highlight>
+                  <a:srgbClr val="000000"/>
+                </a:highlight>
+                <a:latin typeface="Courier" pitchFamily="2" charset="0"/>
+              </a:rPr>
+              <a:t>public class </a:t>
+            </a:r>
+            <a:r>
+              <a:rPr lang="en-GB" sz="1600" dirty="0" err="1">
+                <a:solidFill>
+                  <a:srgbClr val="00B050"/>
+                </a:solidFill>
+                <a:highlight>
+                  <a:srgbClr val="000000"/>
+                </a:highlight>
+                <a:latin typeface="Courier" pitchFamily="2" charset="0"/>
+              </a:rPr>
+              <a:t>NoteMapper</a:t>
+            </a:r>
+            <a:r>
+              <a:rPr lang="en-GB" sz="1600" dirty="0">
+                <a:solidFill>
+                  <a:srgbClr val="00B050"/>
+                </a:solidFill>
+                <a:highlight>
+                  <a:srgbClr val="000000"/>
+                </a:highlight>
+                <a:latin typeface="Courier" pitchFamily="2" charset="0"/>
+              </a:rPr>
+              <a:t> implements </a:t>
+            </a:r>
+            <a:r>
+              <a:rPr lang="en-GB" sz="1600" dirty="0" err="1">
+                <a:solidFill>
+                  <a:srgbClr val="00B050"/>
+                </a:solidFill>
+                <a:highlight>
+                  <a:srgbClr val="000000"/>
+                </a:highlight>
+                <a:latin typeface="Courier" pitchFamily="2" charset="0"/>
+              </a:rPr>
+              <a:t>RowMapper</a:t>
+            </a:r>
+            <a:r>
+              <a:rPr lang="en-GB" sz="1600" dirty="0">
+                <a:solidFill>
+                  <a:srgbClr val="00B050"/>
+                </a:solidFill>
+                <a:highlight>
+                  <a:srgbClr val="000000"/>
+                </a:highlight>
+                <a:latin typeface="Courier" pitchFamily="2" charset="0"/>
+              </a:rPr>
+              <a:t>&lt;Note&gt; {</a:t>
+            </a:r>
+            <a:br>
+              <a:rPr lang="en-GB" sz="1600" dirty="0">
+                <a:solidFill>
+                  <a:srgbClr val="00B050"/>
+                </a:solidFill>
+                <a:highlight>
+                  <a:srgbClr val="000000"/>
+                </a:highlight>
+                <a:latin typeface="Courier" pitchFamily="2" charset="0"/>
+              </a:rPr>
+            </a:br>
+            <a:r>
+              <a:rPr lang="en-GB" sz="1600" dirty="0">
+                <a:solidFill>
+                  <a:srgbClr val="00B050"/>
+                </a:solidFill>
+                <a:highlight>
+                  <a:srgbClr val="000000"/>
+                </a:highlight>
+                <a:latin typeface="Courier" pitchFamily="2" charset="0"/>
+              </a:rPr>
+              <a:t>    @Override</a:t>
+            </a:r>
+            <a:br>
+              <a:rPr lang="en-GB" sz="1600" dirty="0">
+                <a:solidFill>
+                  <a:srgbClr val="00B050"/>
+                </a:solidFill>
+                <a:highlight>
+                  <a:srgbClr val="000000"/>
+                </a:highlight>
+                <a:latin typeface="Courier" pitchFamily="2" charset="0"/>
+              </a:rPr>
+            </a:br>
+            <a:r>
+              <a:rPr lang="en-GB" sz="1600" dirty="0">
+                <a:solidFill>
+                  <a:srgbClr val="00B050"/>
+                </a:solidFill>
+                <a:highlight>
+                  <a:srgbClr val="000000"/>
+                </a:highlight>
+                <a:latin typeface="Courier" pitchFamily="2" charset="0"/>
+              </a:rPr>
+              <a:t>    public Note </a:t>
+            </a:r>
+            <a:r>
+              <a:rPr lang="en-GB" sz="1600" dirty="0" err="1">
+                <a:solidFill>
+                  <a:srgbClr val="00B050"/>
+                </a:solidFill>
+                <a:highlight>
+                  <a:srgbClr val="000000"/>
+                </a:highlight>
+                <a:latin typeface="Courier" pitchFamily="2" charset="0"/>
+              </a:rPr>
+              <a:t>mapRow</a:t>
+            </a:r>
+            <a:r>
+              <a:rPr lang="en-GB" sz="1600" dirty="0">
+                <a:solidFill>
+                  <a:srgbClr val="00B050"/>
+                </a:solidFill>
+                <a:highlight>
+                  <a:srgbClr val="000000"/>
+                </a:highlight>
+                <a:latin typeface="Courier" pitchFamily="2" charset="0"/>
+              </a:rPr>
+              <a:t>(</a:t>
+            </a:r>
+            <a:r>
+              <a:rPr lang="en-GB" sz="1600" dirty="0" err="1">
+                <a:solidFill>
+                  <a:srgbClr val="00B050"/>
+                </a:solidFill>
+                <a:highlight>
+                  <a:srgbClr val="000000"/>
+                </a:highlight>
+                <a:latin typeface="Courier" pitchFamily="2" charset="0"/>
+              </a:rPr>
+              <a:t>ResultSet</a:t>
+            </a:r>
+            <a:r>
+              <a:rPr lang="en-GB" sz="1600" dirty="0">
+                <a:solidFill>
+                  <a:srgbClr val="00B050"/>
+                </a:solidFill>
+                <a:highlight>
+                  <a:srgbClr val="000000"/>
+                </a:highlight>
+                <a:latin typeface="Courier" pitchFamily="2" charset="0"/>
+              </a:rPr>
+              <a:t> </a:t>
+            </a:r>
+            <a:r>
+              <a:rPr lang="en-GB" sz="1600" dirty="0" err="1">
+                <a:solidFill>
+                  <a:srgbClr val="00B050"/>
+                </a:solidFill>
+                <a:highlight>
+                  <a:srgbClr val="000000"/>
+                </a:highlight>
+                <a:latin typeface="Courier" pitchFamily="2" charset="0"/>
+              </a:rPr>
+              <a:t>resultSet</a:t>
+            </a:r>
+            <a:r>
+              <a:rPr lang="en-GB" sz="1600" dirty="0">
+                <a:solidFill>
+                  <a:srgbClr val="00B050"/>
+                </a:solidFill>
+                <a:highlight>
+                  <a:srgbClr val="000000"/>
+                </a:highlight>
+                <a:latin typeface="Courier" pitchFamily="2" charset="0"/>
+              </a:rPr>
+              <a:t>, int </a:t>
+            </a:r>
+            <a:r>
+              <a:rPr lang="en-GB" sz="1600" dirty="0" err="1">
+                <a:solidFill>
+                  <a:srgbClr val="00B050"/>
+                </a:solidFill>
+                <a:highlight>
+                  <a:srgbClr val="000000"/>
+                </a:highlight>
+                <a:latin typeface="Courier" pitchFamily="2" charset="0"/>
+              </a:rPr>
+              <a:t>i</a:t>
+            </a:r>
+            <a:r>
+              <a:rPr lang="en-GB" sz="1600" dirty="0">
+                <a:solidFill>
+                  <a:srgbClr val="00B050"/>
+                </a:solidFill>
+                <a:highlight>
+                  <a:srgbClr val="000000"/>
+                </a:highlight>
+                <a:latin typeface="Courier" pitchFamily="2" charset="0"/>
+              </a:rPr>
+              <a:t>) throws </a:t>
+            </a:r>
+            <a:r>
+              <a:rPr lang="en-GB" sz="1600" dirty="0" err="1">
+                <a:solidFill>
+                  <a:srgbClr val="00B050"/>
+                </a:solidFill>
+                <a:highlight>
+                  <a:srgbClr val="000000"/>
+                </a:highlight>
+                <a:latin typeface="Courier" pitchFamily="2" charset="0"/>
+              </a:rPr>
+              <a:t>SQLException</a:t>
+            </a:r>
+            <a:r>
+              <a:rPr lang="en-GB" sz="1600" dirty="0">
+                <a:solidFill>
+                  <a:srgbClr val="00B050"/>
+                </a:solidFill>
+                <a:highlight>
+                  <a:srgbClr val="000000"/>
+                </a:highlight>
+                <a:latin typeface="Courier" pitchFamily="2" charset="0"/>
+              </a:rPr>
+              <a:t> {</a:t>
+            </a:r>
+            <a:br>
+              <a:rPr lang="en-GB" sz="1600" dirty="0">
+                <a:solidFill>
+                  <a:srgbClr val="00B050"/>
+                </a:solidFill>
+                <a:highlight>
+                  <a:srgbClr val="000000"/>
+                </a:highlight>
+                <a:latin typeface="Courier" pitchFamily="2" charset="0"/>
+              </a:rPr>
+            </a:br>
+            <a:r>
+              <a:rPr lang="en-GB" sz="1600" dirty="0">
+                <a:solidFill>
+                  <a:srgbClr val="00B050"/>
+                </a:solidFill>
+                <a:highlight>
+                  <a:srgbClr val="000000"/>
+                </a:highlight>
+                <a:latin typeface="Courier" pitchFamily="2" charset="0"/>
+              </a:rPr>
+              <a:t>        Note note = new Note();</a:t>
+            </a:r>
+            <a:br>
+              <a:rPr lang="en-GB" sz="1600" dirty="0">
+                <a:solidFill>
+                  <a:srgbClr val="00B050"/>
+                </a:solidFill>
+                <a:highlight>
+                  <a:srgbClr val="000000"/>
+                </a:highlight>
+                <a:latin typeface="Courier" pitchFamily="2" charset="0"/>
+              </a:rPr>
+            </a:br>
+            <a:br>
+              <a:rPr lang="en-GB" sz="1600" dirty="0">
+                <a:solidFill>
+                  <a:srgbClr val="00B050"/>
+                </a:solidFill>
+                <a:highlight>
+                  <a:srgbClr val="000000"/>
+                </a:highlight>
+                <a:latin typeface="Courier" pitchFamily="2" charset="0"/>
+              </a:rPr>
+            </a:br>
+            <a:r>
+              <a:rPr lang="en-GB" sz="1600" dirty="0">
+                <a:solidFill>
+                  <a:srgbClr val="00B050"/>
+                </a:solidFill>
+                <a:highlight>
+                  <a:srgbClr val="000000"/>
+                </a:highlight>
+                <a:latin typeface="Courier" pitchFamily="2" charset="0"/>
+              </a:rPr>
+              <a:t>        </a:t>
+            </a:r>
+            <a:r>
+              <a:rPr lang="en-GB" sz="1600" dirty="0" err="1">
+                <a:solidFill>
+                  <a:srgbClr val="00B050"/>
+                </a:solidFill>
+                <a:highlight>
+                  <a:srgbClr val="000000"/>
+                </a:highlight>
+                <a:latin typeface="Courier" pitchFamily="2" charset="0"/>
+              </a:rPr>
+              <a:t>note.id</a:t>
+            </a:r>
+            <a:r>
+              <a:rPr lang="en-GB" sz="1600" dirty="0">
+                <a:solidFill>
+                  <a:srgbClr val="00B050"/>
+                </a:solidFill>
+                <a:highlight>
+                  <a:srgbClr val="000000"/>
+                </a:highlight>
+                <a:latin typeface="Courier" pitchFamily="2" charset="0"/>
+              </a:rPr>
+              <a:t> = </a:t>
+            </a:r>
+            <a:r>
+              <a:rPr lang="en-GB" sz="1600" dirty="0" err="1">
+                <a:solidFill>
+                  <a:srgbClr val="00B050"/>
+                </a:solidFill>
+                <a:highlight>
+                  <a:srgbClr val="000000"/>
+                </a:highlight>
+                <a:latin typeface="Courier" pitchFamily="2" charset="0"/>
+              </a:rPr>
+              <a:t>resultSet.getLong</a:t>
+            </a:r>
+            <a:r>
+              <a:rPr lang="en-GB" sz="1600" dirty="0">
+                <a:solidFill>
+                  <a:srgbClr val="00B050"/>
+                </a:solidFill>
+                <a:highlight>
+                  <a:srgbClr val="000000"/>
+                </a:highlight>
+                <a:latin typeface="Courier" pitchFamily="2" charset="0"/>
+              </a:rPr>
+              <a:t>("id");</a:t>
+            </a:r>
+            <a:br>
+              <a:rPr lang="en-GB" sz="1600" dirty="0">
+                <a:solidFill>
+                  <a:srgbClr val="00B050"/>
+                </a:solidFill>
+                <a:highlight>
+                  <a:srgbClr val="000000"/>
+                </a:highlight>
+                <a:latin typeface="Courier" pitchFamily="2" charset="0"/>
+              </a:rPr>
+            </a:br>
+            <a:br>
+              <a:rPr lang="en-GB" sz="1600" dirty="0">
+                <a:solidFill>
+                  <a:srgbClr val="00B050"/>
+                </a:solidFill>
+                <a:highlight>
+                  <a:srgbClr val="000000"/>
+                </a:highlight>
+                <a:latin typeface="Courier" pitchFamily="2" charset="0"/>
+              </a:rPr>
+            </a:br>
+            <a:r>
+              <a:rPr lang="en-GB" sz="1600" dirty="0">
+                <a:solidFill>
+                  <a:srgbClr val="00B050"/>
+                </a:solidFill>
+                <a:highlight>
+                  <a:srgbClr val="000000"/>
+                </a:highlight>
+                <a:latin typeface="Courier" pitchFamily="2" charset="0"/>
+              </a:rPr>
+              <a:t>        </a:t>
+            </a:r>
+            <a:r>
+              <a:rPr lang="en-GB" sz="1600" dirty="0" err="1">
+                <a:solidFill>
+                  <a:srgbClr val="00B050"/>
+                </a:solidFill>
+                <a:highlight>
+                  <a:srgbClr val="000000"/>
+                </a:highlight>
+                <a:latin typeface="Courier" pitchFamily="2" charset="0"/>
+              </a:rPr>
+              <a:t>note.title</a:t>
+            </a:r>
+            <a:r>
+              <a:rPr lang="en-GB" sz="1600" dirty="0">
+                <a:solidFill>
+                  <a:srgbClr val="00B050"/>
+                </a:solidFill>
+                <a:highlight>
+                  <a:srgbClr val="000000"/>
+                </a:highlight>
+                <a:latin typeface="Courier" pitchFamily="2" charset="0"/>
+              </a:rPr>
+              <a:t> = </a:t>
+            </a:r>
+            <a:r>
+              <a:rPr lang="en-GB" sz="1600" dirty="0" err="1">
+                <a:solidFill>
+                  <a:srgbClr val="00B050"/>
+                </a:solidFill>
+                <a:highlight>
+                  <a:srgbClr val="000000"/>
+                </a:highlight>
+                <a:latin typeface="Courier" pitchFamily="2" charset="0"/>
+              </a:rPr>
+              <a:t>resultSet.getString</a:t>
+            </a:r>
+            <a:r>
+              <a:rPr lang="en-GB" sz="1600" dirty="0">
+                <a:solidFill>
+                  <a:srgbClr val="00B050"/>
+                </a:solidFill>
+                <a:highlight>
+                  <a:srgbClr val="000000"/>
+                </a:highlight>
+                <a:latin typeface="Courier" pitchFamily="2" charset="0"/>
+              </a:rPr>
+              <a:t>("title");</a:t>
+            </a:r>
+            <a:br>
+              <a:rPr lang="en-GB" sz="1600" dirty="0">
+                <a:solidFill>
+                  <a:srgbClr val="00B050"/>
+                </a:solidFill>
+                <a:highlight>
+                  <a:srgbClr val="000000"/>
+                </a:highlight>
+                <a:latin typeface="Courier" pitchFamily="2" charset="0"/>
+              </a:rPr>
+            </a:br>
+            <a:r>
+              <a:rPr lang="en-GB" sz="1600" dirty="0">
+                <a:solidFill>
+                  <a:srgbClr val="00B050"/>
+                </a:solidFill>
+                <a:highlight>
+                  <a:srgbClr val="000000"/>
+                </a:highlight>
+                <a:latin typeface="Courier" pitchFamily="2" charset="0"/>
+              </a:rPr>
+              <a:t>        </a:t>
+            </a:r>
+            <a:r>
+              <a:rPr lang="en-GB" sz="1600" dirty="0" err="1">
+                <a:solidFill>
+                  <a:srgbClr val="00B050"/>
+                </a:solidFill>
+                <a:highlight>
+                  <a:srgbClr val="000000"/>
+                </a:highlight>
+                <a:latin typeface="Courier" pitchFamily="2" charset="0"/>
+              </a:rPr>
+              <a:t>note.body</a:t>
+            </a:r>
+            <a:r>
+              <a:rPr lang="en-GB" sz="1600" dirty="0">
+                <a:solidFill>
+                  <a:srgbClr val="00B050"/>
+                </a:solidFill>
+                <a:highlight>
+                  <a:srgbClr val="000000"/>
+                </a:highlight>
+                <a:latin typeface="Courier" pitchFamily="2" charset="0"/>
+              </a:rPr>
+              <a:t> = </a:t>
+            </a:r>
+            <a:r>
+              <a:rPr lang="en-GB" sz="1600" dirty="0" err="1">
+                <a:solidFill>
+                  <a:srgbClr val="00B050"/>
+                </a:solidFill>
+                <a:highlight>
+                  <a:srgbClr val="000000"/>
+                </a:highlight>
+                <a:latin typeface="Courier" pitchFamily="2" charset="0"/>
+              </a:rPr>
+              <a:t>resultSet.getString</a:t>
+            </a:r>
+            <a:r>
+              <a:rPr lang="en-GB" sz="1600" dirty="0">
+                <a:solidFill>
+                  <a:srgbClr val="00B050"/>
+                </a:solidFill>
+                <a:highlight>
+                  <a:srgbClr val="000000"/>
+                </a:highlight>
+                <a:latin typeface="Courier" pitchFamily="2" charset="0"/>
+              </a:rPr>
+              <a:t>("body");</a:t>
+            </a:r>
+            <a:br>
+              <a:rPr lang="en-GB" sz="1600" dirty="0">
+                <a:solidFill>
+                  <a:srgbClr val="00B050"/>
+                </a:solidFill>
+                <a:highlight>
+                  <a:srgbClr val="000000"/>
+                </a:highlight>
+                <a:latin typeface="Courier" pitchFamily="2" charset="0"/>
+              </a:rPr>
+            </a:br>
+            <a:r>
+              <a:rPr lang="en-GB" sz="1600" dirty="0">
+                <a:solidFill>
+                  <a:srgbClr val="00B050"/>
+                </a:solidFill>
+                <a:highlight>
+                  <a:srgbClr val="000000"/>
+                </a:highlight>
+                <a:latin typeface="Courier" pitchFamily="2" charset="0"/>
+              </a:rPr>
+              <a:t>        </a:t>
+            </a:r>
+            <a:r>
+              <a:rPr lang="en-GB" sz="1600" dirty="0" err="1">
+                <a:solidFill>
+                  <a:srgbClr val="00B050"/>
+                </a:solidFill>
+                <a:highlight>
+                  <a:srgbClr val="000000"/>
+                </a:highlight>
+                <a:latin typeface="Courier" pitchFamily="2" charset="0"/>
+              </a:rPr>
+              <a:t>note.creation</a:t>
+            </a:r>
+            <a:r>
+              <a:rPr lang="en-GB" sz="1600" dirty="0">
+                <a:solidFill>
+                  <a:srgbClr val="00B050"/>
+                </a:solidFill>
+                <a:highlight>
+                  <a:srgbClr val="000000"/>
+                </a:highlight>
+                <a:latin typeface="Courier" pitchFamily="2" charset="0"/>
+              </a:rPr>
+              <a:t> = </a:t>
+            </a:r>
+            <a:r>
+              <a:rPr lang="en-GB" sz="1600" dirty="0" err="1">
+                <a:solidFill>
+                  <a:srgbClr val="00B050"/>
+                </a:solidFill>
+                <a:highlight>
+                  <a:srgbClr val="000000"/>
+                </a:highlight>
+                <a:latin typeface="Courier" pitchFamily="2" charset="0"/>
+              </a:rPr>
+              <a:t>resultSet.getTimestamp</a:t>
+            </a:r>
+            <a:r>
+              <a:rPr lang="en-GB" sz="1600" dirty="0">
+                <a:solidFill>
+                  <a:srgbClr val="00B050"/>
+                </a:solidFill>
+                <a:highlight>
+                  <a:srgbClr val="000000"/>
+                </a:highlight>
+                <a:latin typeface="Courier" pitchFamily="2" charset="0"/>
+              </a:rPr>
+              <a:t>("creation");</a:t>
+            </a:r>
+            <a:br>
+              <a:rPr lang="en-GB" sz="1600" dirty="0">
+                <a:solidFill>
+                  <a:srgbClr val="00B050"/>
+                </a:solidFill>
+                <a:highlight>
+                  <a:srgbClr val="000000"/>
+                </a:highlight>
+                <a:latin typeface="Courier" pitchFamily="2" charset="0"/>
+              </a:rPr>
+            </a:br>
+            <a:r>
+              <a:rPr lang="en-GB" sz="1600" dirty="0">
+                <a:solidFill>
+                  <a:srgbClr val="00B050"/>
+                </a:solidFill>
+                <a:highlight>
+                  <a:srgbClr val="000000"/>
+                </a:highlight>
+                <a:latin typeface="Courier" pitchFamily="2" charset="0"/>
+              </a:rPr>
+              <a:t>        </a:t>
+            </a:r>
+            <a:r>
+              <a:rPr lang="en-GB" sz="1600" dirty="0" err="1">
+                <a:solidFill>
+                  <a:srgbClr val="00B050"/>
+                </a:solidFill>
+                <a:highlight>
+                  <a:srgbClr val="000000"/>
+                </a:highlight>
+                <a:latin typeface="Courier" pitchFamily="2" charset="0"/>
+              </a:rPr>
+              <a:t>note.modified</a:t>
+            </a:r>
+            <a:r>
+              <a:rPr lang="en-GB" sz="1600" dirty="0">
+                <a:solidFill>
+                  <a:srgbClr val="00B050"/>
+                </a:solidFill>
+                <a:highlight>
+                  <a:srgbClr val="000000"/>
+                </a:highlight>
+                <a:latin typeface="Courier" pitchFamily="2" charset="0"/>
+              </a:rPr>
+              <a:t> = </a:t>
+            </a:r>
+            <a:r>
+              <a:rPr lang="en-GB" sz="1600" dirty="0" err="1">
+                <a:solidFill>
+                  <a:srgbClr val="00B050"/>
+                </a:solidFill>
+                <a:highlight>
+                  <a:srgbClr val="000000"/>
+                </a:highlight>
+                <a:latin typeface="Courier" pitchFamily="2" charset="0"/>
+              </a:rPr>
+              <a:t>resultSet.getTimestamp</a:t>
+            </a:r>
+            <a:r>
+              <a:rPr lang="en-GB" sz="1600" dirty="0">
+                <a:solidFill>
+                  <a:srgbClr val="00B050"/>
+                </a:solidFill>
+                <a:highlight>
+                  <a:srgbClr val="000000"/>
+                </a:highlight>
+                <a:latin typeface="Courier" pitchFamily="2" charset="0"/>
+              </a:rPr>
+              <a:t>("modified");</a:t>
+            </a:r>
+            <a:br>
+              <a:rPr lang="en-GB" sz="1600" dirty="0">
+                <a:solidFill>
+                  <a:srgbClr val="00B050"/>
+                </a:solidFill>
+                <a:highlight>
+                  <a:srgbClr val="000000"/>
+                </a:highlight>
+                <a:latin typeface="Courier" pitchFamily="2" charset="0"/>
+              </a:rPr>
+            </a:br>
+            <a:br>
+              <a:rPr lang="en-GB" sz="1600" dirty="0">
+                <a:solidFill>
+                  <a:srgbClr val="00B050"/>
+                </a:solidFill>
+                <a:highlight>
+                  <a:srgbClr val="000000"/>
+                </a:highlight>
+                <a:latin typeface="Courier" pitchFamily="2" charset="0"/>
+              </a:rPr>
+            </a:br>
+            <a:r>
+              <a:rPr lang="en-GB" sz="1600" dirty="0">
+                <a:solidFill>
+                  <a:srgbClr val="00B050"/>
+                </a:solidFill>
+                <a:highlight>
+                  <a:srgbClr val="000000"/>
+                </a:highlight>
+                <a:latin typeface="Courier" pitchFamily="2" charset="0"/>
+              </a:rPr>
+              <a:t>        return note;</a:t>
+            </a:r>
+            <a:br>
+              <a:rPr lang="en-GB" sz="1600" dirty="0">
+                <a:solidFill>
+                  <a:srgbClr val="00B050"/>
+                </a:solidFill>
+                <a:highlight>
+                  <a:srgbClr val="000000"/>
+                </a:highlight>
+                <a:latin typeface="Courier" pitchFamily="2" charset="0"/>
+              </a:rPr>
+            </a:br>
+            <a:r>
+              <a:rPr lang="en-GB" sz="1600" dirty="0">
+                <a:solidFill>
+                  <a:srgbClr val="00B050"/>
+                </a:solidFill>
+                <a:highlight>
+                  <a:srgbClr val="000000"/>
+                </a:highlight>
+                <a:latin typeface="Courier" pitchFamily="2" charset="0"/>
+              </a:rPr>
+              <a:t>    }</a:t>
+            </a:r>
+            <a:br>
+              <a:rPr lang="en-GB" sz="1600" dirty="0">
+                <a:solidFill>
+                  <a:srgbClr val="00B050"/>
+                </a:solidFill>
+                <a:highlight>
+                  <a:srgbClr val="000000"/>
+                </a:highlight>
+                <a:latin typeface="Courier" pitchFamily="2" charset="0"/>
+              </a:rPr>
+            </a:br>
+            <a:r>
+              <a:rPr lang="en-GB" sz="1600" dirty="0">
+                <a:solidFill>
+                  <a:srgbClr val="00B050"/>
+                </a:solidFill>
+                <a:highlight>
+                  <a:srgbClr val="000000"/>
+                </a:highlight>
+                <a:latin typeface="Courier" pitchFamily="2" charset="0"/>
+              </a:rPr>
+              <a:t>}</a:t>
             </a:r>
           </a:p>
           <a:p>
-            <a:pPr marL="0" indent="0">
-              <a:buNone/>
-            </a:pPr>
-            <a:r>
-              <a:rPr lang="en-GB" sz="1600" dirty="0">
-                <a:solidFill>
-                  <a:srgbClr val="00B050"/>
-                </a:solidFill>
-                <a:highlight>
-                  <a:srgbClr val="000000"/>
-                </a:highlight>
-                <a:latin typeface="Courier" pitchFamily="2" charset="0"/>
-              </a:rPr>
-              <a:t>public class </a:t>
-            </a:r>
-            <a:r>
-              <a:rPr lang="en-GB" sz="1600" dirty="0" err="1">
-                <a:solidFill>
-                  <a:srgbClr val="00B050"/>
-                </a:solidFill>
-                <a:highlight>
-                  <a:srgbClr val="000000"/>
-                </a:highlight>
-                <a:latin typeface="Courier" pitchFamily="2" charset="0"/>
-              </a:rPr>
-              <a:t>NoteMapper</a:t>
-            </a:r>
-            <a:r>
-              <a:rPr lang="en-GB" sz="1600" dirty="0">
-                <a:solidFill>
-                  <a:srgbClr val="00B050"/>
-                </a:solidFill>
-                <a:highlight>
-                  <a:srgbClr val="000000"/>
-                </a:highlight>
-                <a:latin typeface="Courier" pitchFamily="2" charset="0"/>
-              </a:rPr>
-              <a:t> implements </a:t>
-            </a:r>
-            <a:r>
-              <a:rPr lang="en-GB" sz="1600" dirty="0" err="1">
-                <a:solidFill>
-                  <a:srgbClr val="00B050"/>
-                </a:solidFill>
-                <a:highlight>
-                  <a:srgbClr val="000000"/>
-                </a:highlight>
-                <a:latin typeface="Courier" pitchFamily="2" charset="0"/>
-              </a:rPr>
-              <a:t>RowMapper</a:t>
-            </a:r>
-            <a:r>
-              <a:rPr lang="en-GB" sz="1600" dirty="0">
-                <a:solidFill>
-                  <a:srgbClr val="00B050"/>
-                </a:solidFill>
-                <a:highlight>
-                  <a:srgbClr val="000000"/>
-                </a:highlight>
-                <a:latin typeface="Courier" pitchFamily="2" charset="0"/>
-              </a:rPr>
-              <a:t>&lt;Note&gt; {</a:t>
-            </a:r>
-            <a:br>
-              <a:rPr lang="en-GB" sz="1600" dirty="0">
-                <a:solidFill>
-                  <a:srgbClr val="00B050"/>
-                </a:solidFill>
-                <a:highlight>
-                  <a:srgbClr val="000000"/>
-                </a:highlight>
-                <a:latin typeface="Courier" pitchFamily="2" charset="0"/>
-              </a:rPr>
-            </a:br>
-            <a:r>
-              <a:rPr lang="en-GB" sz="1600" dirty="0">
-                <a:solidFill>
-                  <a:srgbClr val="00B050"/>
-                </a:solidFill>
-                <a:highlight>
-                  <a:srgbClr val="000000"/>
-                </a:highlight>
-                <a:latin typeface="Courier" pitchFamily="2" charset="0"/>
-              </a:rPr>
-              <a:t>    @Override</a:t>
-            </a:r>
-            <a:br>
-              <a:rPr lang="en-GB" sz="1600" dirty="0">
-                <a:solidFill>
-                  <a:srgbClr val="00B050"/>
-                </a:solidFill>
-                <a:highlight>
-                  <a:srgbClr val="000000"/>
-                </a:highlight>
-                <a:latin typeface="Courier" pitchFamily="2" charset="0"/>
-              </a:rPr>
-            </a:br>
-            <a:r>
-              <a:rPr lang="en-GB" sz="1600" dirty="0">
-                <a:solidFill>
-                  <a:srgbClr val="00B050"/>
-                </a:solidFill>
-                <a:highlight>
-                  <a:srgbClr val="000000"/>
-                </a:highlight>
-                <a:latin typeface="Courier" pitchFamily="2" charset="0"/>
-              </a:rPr>
-              <a:t>    public Note </a:t>
-            </a:r>
-            <a:r>
-              <a:rPr lang="en-GB" sz="1600" dirty="0" err="1">
-                <a:solidFill>
-                  <a:srgbClr val="00B050"/>
-                </a:solidFill>
-                <a:highlight>
-                  <a:srgbClr val="000000"/>
-                </a:highlight>
-                <a:latin typeface="Courier" pitchFamily="2" charset="0"/>
-              </a:rPr>
-              <a:t>mapRow</a:t>
-            </a:r>
-            <a:r>
-              <a:rPr lang="en-GB" sz="1600" dirty="0">
-                <a:solidFill>
-                  <a:srgbClr val="00B050"/>
-                </a:solidFill>
-                <a:highlight>
-                  <a:srgbClr val="000000"/>
-                </a:highlight>
-                <a:latin typeface="Courier" pitchFamily="2" charset="0"/>
-              </a:rPr>
-              <a:t>(</a:t>
-            </a:r>
-            <a:r>
-              <a:rPr lang="en-GB" sz="1600" dirty="0" err="1">
-                <a:solidFill>
-                  <a:srgbClr val="00B050"/>
-                </a:solidFill>
-                <a:highlight>
-                  <a:srgbClr val="000000"/>
-                </a:highlight>
-                <a:latin typeface="Courier" pitchFamily="2" charset="0"/>
-              </a:rPr>
-              <a:t>ResultSet</a:t>
-            </a:r>
-            <a:r>
-              <a:rPr lang="en-GB" sz="1600" dirty="0">
-                <a:solidFill>
-                  <a:srgbClr val="00B050"/>
-                </a:solidFill>
-                <a:highlight>
-                  <a:srgbClr val="000000"/>
-                </a:highlight>
-                <a:latin typeface="Courier" pitchFamily="2" charset="0"/>
-              </a:rPr>
+            <a:r>
+              <a:rPr lang="en-US" sz="1600" dirty="0"/>
+              <a:t>Questa </a:t>
+            </a:r>
+            <a:r>
+              <a:rPr lang="en-US" sz="1600" dirty="0" err="1"/>
+              <a:t>classe</a:t>
+            </a:r>
+            <a:r>
+              <a:rPr lang="en-US" sz="1600" dirty="0"/>
               <a:t> </a:t>
             </a:r>
             <a:r>
-              <a:rPr lang="en-GB" sz="1600" dirty="0" err="1">
-                <a:solidFill>
-                  <a:srgbClr val="00B050"/>
-                </a:solidFill>
-                <a:highlight>
-                  <a:srgbClr val="000000"/>
-                </a:highlight>
-                <a:latin typeface="Courier" pitchFamily="2" charset="0"/>
-              </a:rPr>
-              <a:t>resultSet</a:t>
-            </a:r>
-            <a:r>
-              <a:rPr lang="en-GB" sz="1600" dirty="0">
-                <a:solidFill>
-                  <a:srgbClr val="00B050"/>
-                </a:solidFill>
-                <a:highlight>
-                  <a:srgbClr val="000000"/>
-                </a:highlight>
-                <a:latin typeface="Courier" pitchFamily="2" charset="0"/>
-              </a:rPr>
-              <a:t>, int </a:t>
-            </a:r>
-            <a:r>
-              <a:rPr lang="en-GB" sz="1600" dirty="0" err="1">
-                <a:solidFill>
-                  <a:srgbClr val="00B050"/>
-                </a:solidFill>
-                <a:highlight>
-                  <a:srgbClr val="000000"/>
-                </a:highlight>
-                <a:latin typeface="Courier" pitchFamily="2" charset="0"/>
-              </a:rPr>
-              <a:t>i</a:t>
-            </a:r>
-            <a:r>
-              <a:rPr lang="en-GB" sz="1600" dirty="0">
-                <a:solidFill>
-                  <a:srgbClr val="00B050"/>
-                </a:solidFill>
-                <a:highlight>
-                  <a:srgbClr val="000000"/>
-                </a:highlight>
-                <a:latin typeface="Courier" pitchFamily="2" charset="0"/>
-              </a:rPr>
-              <a:t>) throws </a:t>
-            </a:r>
-            <a:r>
-              <a:rPr lang="en-GB" sz="1600" dirty="0" err="1">
-                <a:solidFill>
-                  <a:srgbClr val="00B050"/>
-                </a:solidFill>
-                <a:highlight>
-                  <a:srgbClr val="000000"/>
-                </a:highlight>
-                <a:latin typeface="Courier" pitchFamily="2" charset="0"/>
-              </a:rPr>
-              <a:t>SQLException</a:t>
-            </a:r>
-            <a:r>
-              <a:rPr lang="en-GB" sz="1600" dirty="0">
-                <a:solidFill>
-                  <a:srgbClr val="00B050"/>
-                </a:solidFill>
-                <a:highlight>
-                  <a:srgbClr val="000000"/>
-                </a:highlight>
-                <a:latin typeface="Courier" pitchFamily="2" charset="0"/>
-              </a:rPr>
-              <a:t> {</a:t>
-            </a:r>
-            <a:br>
-              <a:rPr lang="en-GB" sz="1600" dirty="0">
-                <a:solidFill>
-                  <a:srgbClr val="00B050"/>
-                </a:solidFill>
-                <a:highlight>
-                  <a:srgbClr val="000000"/>
-                </a:highlight>
-                <a:latin typeface="Courier" pitchFamily="2" charset="0"/>
-              </a:rPr>
-            </a:br>
-            <a:r>
-              <a:rPr lang="en-GB" sz="1600" dirty="0">
-                <a:solidFill>
-                  <a:srgbClr val="00B050"/>
-                </a:solidFill>
-                <a:highlight>
-                  <a:srgbClr val="000000"/>
-                </a:highlight>
-                <a:latin typeface="Courier" pitchFamily="2" charset="0"/>
-              </a:rPr>
-              <a:t>        Note note = new Note();</a:t>
-            </a:r>
-            <a:br>
-              <a:rPr lang="en-GB" sz="1600" dirty="0">
-                <a:solidFill>
-                  <a:srgbClr val="00B050"/>
-                </a:solidFill>
-                <a:highlight>
-                  <a:srgbClr val="000000"/>
-                </a:highlight>
-                <a:latin typeface="Courier" pitchFamily="2" charset="0"/>
-              </a:rPr>
-            </a:br>
-            <a:br>
-              <a:rPr lang="en-GB" sz="1600" dirty="0">
-                <a:solidFill>
-                  <a:srgbClr val="00B050"/>
-                </a:solidFill>
-                <a:highlight>
-                  <a:srgbClr val="000000"/>
-                </a:highlight>
-                <a:latin typeface="Courier" pitchFamily="2" charset="0"/>
-              </a:rPr>
-            </a:br>
-            <a:r>
-              <a:rPr lang="en-GB" sz="1600" dirty="0">
-                <a:solidFill>
-                  <a:srgbClr val="00B050"/>
-                </a:solidFill>
-                <a:highlight>
-                  <a:srgbClr val="000000"/>
-                </a:highlight>
-                <a:latin typeface="Courier" pitchFamily="2" charset="0"/>
-              </a:rPr>
-              <a:t>        </a:t>
-            </a:r>
-            <a:r>
-              <a:rPr lang="en-GB" sz="1600" dirty="0" err="1">
-                <a:solidFill>
-                  <a:srgbClr val="00B050"/>
-                </a:solidFill>
-                <a:highlight>
-                  <a:srgbClr val="000000"/>
-                </a:highlight>
-                <a:latin typeface="Courier" pitchFamily="2" charset="0"/>
-              </a:rPr>
-              <a:t>note.id</a:t>
-            </a:r>
-            <a:r>
-              <a:rPr lang="en-GB" sz="1600" dirty="0">
-                <a:solidFill>
-                  <a:srgbClr val="00B050"/>
-                </a:solidFill>
-                <a:highlight>
-                  <a:srgbClr val="000000"/>
-                </a:highlight>
-                <a:latin typeface="Courier" pitchFamily="2" charset="0"/>
-              </a:rPr>
-              <a:t> = </a:t>
-            </a:r>
-            <a:r>
-              <a:rPr lang="en-GB" sz="1600" dirty="0" err="1">
-                <a:solidFill>
-                  <a:srgbClr val="00B050"/>
-                </a:solidFill>
-                <a:highlight>
-                  <a:srgbClr val="000000"/>
-                </a:highlight>
-                <a:latin typeface="Courier" pitchFamily="2" charset="0"/>
-              </a:rPr>
-              <a:t>resultSet.getLong</a:t>
-            </a:r>
-            <a:r>
-              <a:rPr lang="en-GB" sz="1600" dirty="0">
-                <a:solidFill>
-                  <a:srgbClr val="00B050"/>
-                </a:solidFill>
-                <a:highlight>
-                  <a:srgbClr val="000000"/>
-                </a:highlight>
-                <a:latin typeface="Courier" pitchFamily="2" charset="0"/>
-              </a:rPr>
-              <a:t>("id");</a:t>
-            </a:r>
-            <a:br>
-              <a:rPr lang="en-GB" sz="1600" dirty="0">
-                <a:solidFill>
-                  <a:srgbClr val="00B050"/>
-                </a:solidFill>
-                <a:highlight>
-                  <a:srgbClr val="000000"/>
-                </a:highlight>
-                <a:latin typeface="Courier" pitchFamily="2" charset="0"/>
-              </a:rPr>
-            </a:br>
-            <a:br>
-              <a:rPr lang="en-GB" sz="1600" dirty="0">
-                <a:solidFill>
-                  <a:srgbClr val="00B050"/>
-                </a:solidFill>
-                <a:highlight>
-                  <a:srgbClr val="000000"/>
-                </a:highlight>
-                <a:latin typeface="Courier" pitchFamily="2" charset="0"/>
-              </a:rPr>
-            </a:br>
-            <a:r>
-              <a:rPr lang="en-GB" sz="1600" dirty="0">
-                <a:solidFill>
-                  <a:srgbClr val="00B050"/>
-                </a:solidFill>
-                <a:highlight>
-                  <a:srgbClr val="000000"/>
-                </a:highlight>
-                <a:latin typeface="Courier" pitchFamily="2" charset="0"/>
-              </a:rPr>
-              <a:t>        </a:t>
-            </a:r>
-            <a:r>
-              <a:rPr lang="en-GB" sz="1600" dirty="0" err="1">
-                <a:solidFill>
-                  <a:srgbClr val="00B050"/>
-                </a:solidFill>
-                <a:highlight>
-                  <a:srgbClr val="000000"/>
-                </a:highlight>
-                <a:latin typeface="Courier" pitchFamily="2" charset="0"/>
-              </a:rPr>
-              <a:t>note.title</a:t>
-            </a:r>
-            <a:r>
-              <a:rPr lang="en-GB" sz="1600" dirty="0">
-                <a:solidFill>
-                  <a:srgbClr val="00B050"/>
-                </a:solidFill>
-                <a:highlight>
-                  <a:srgbClr val="000000"/>
-                </a:highlight>
-                <a:latin typeface="Courier" pitchFamily="2" charset="0"/>
-              </a:rPr>
-              <a:t> = </a:t>
-            </a:r>
-            <a:r>
-              <a:rPr lang="en-GB" sz="1600" dirty="0" err="1">
-                <a:solidFill>
-                  <a:srgbClr val="00B050"/>
-                </a:solidFill>
-                <a:highlight>
-                  <a:srgbClr val="000000"/>
-                </a:highlight>
-                <a:latin typeface="Courier" pitchFamily="2" charset="0"/>
-              </a:rPr>
-              <a:t>resultSet.getString</a:t>
-            </a:r>
-            <a:r>
-              <a:rPr lang="en-GB" sz="1600" dirty="0">
-                <a:solidFill>
-                  <a:srgbClr val="00B050"/>
-                </a:solidFill>
-                <a:highlight>
-                  <a:srgbClr val="000000"/>
-                </a:highlight>
-                <a:latin typeface="Courier" pitchFamily="2" charset="0"/>
-              </a:rPr>
-              <a:t>("title");</a:t>
-            </a:r>
-            <a:br>
-              <a:rPr lang="en-GB" sz="1600" dirty="0">
-                <a:solidFill>
-                  <a:srgbClr val="00B050"/>
-                </a:solidFill>
-                <a:highlight>
-                  <a:srgbClr val="000000"/>
-                </a:highlight>
-                <a:latin typeface="Courier" pitchFamily="2" charset="0"/>
-              </a:rPr>
-            </a:br>
-            <a:r>
-              <a:rPr lang="en-GB" sz="1600" dirty="0">
-                <a:solidFill>
-                  <a:srgbClr val="00B050"/>
-                </a:solidFill>
-                <a:highlight>
-                  <a:srgbClr val="000000"/>
-                </a:highlight>
-                <a:latin typeface="Courier" pitchFamily="2" charset="0"/>
-              </a:rPr>
-              <a:t>        </a:t>
-            </a:r>
-            <a:r>
-              <a:rPr lang="en-GB" sz="1600" dirty="0" err="1">
-                <a:solidFill>
-                  <a:srgbClr val="00B050"/>
-                </a:solidFill>
-                <a:highlight>
-                  <a:srgbClr val="000000"/>
-                </a:highlight>
-                <a:latin typeface="Courier" pitchFamily="2" charset="0"/>
-              </a:rPr>
-              <a:t>note.body</a:t>
-            </a:r>
-            <a:r>
-              <a:rPr lang="en-GB" sz="1600" dirty="0">
-                <a:solidFill>
-                  <a:srgbClr val="00B050"/>
-                </a:solidFill>
-                <a:highlight>
-                  <a:srgbClr val="000000"/>
-                </a:highlight>
-                <a:latin typeface="Courier" pitchFamily="2" charset="0"/>
-              </a:rPr>
-              <a:t> = </a:t>
-            </a:r>
-            <a:r>
-              <a:rPr lang="en-GB" sz="1600" dirty="0" err="1">
-                <a:solidFill>
-                  <a:srgbClr val="00B050"/>
-                </a:solidFill>
-                <a:highlight>
-                  <a:srgbClr val="000000"/>
-                </a:highlight>
-                <a:latin typeface="Courier" pitchFamily="2" charset="0"/>
-              </a:rPr>
-              <a:t>resultSet.getString</a:t>
-            </a:r>
-            <a:r>
-              <a:rPr lang="en-GB" sz="1600" dirty="0">
-                <a:solidFill>
-                  <a:srgbClr val="00B050"/>
-                </a:solidFill>
-                <a:highlight>
-                  <a:srgbClr val="000000"/>
-                </a:highlight>
-                <a:latin typeface="Courier" pitchFamily="2" charset="0"/>
-              </a:rPr>
-              <a:t>("body");</a:t>
-            </a:r>
-            <a:br>
-              <a:rPr lang="en-GB" sz="1600" dirty="0">
-                <a:solidFill>
-                  <a:srgbClr val="00B050"/>
-                </a:solidFill>
-                <a:highlight>
-                  <a:srgbClr val="000000"/>
-                </a:highlight>
-                <a:latin typeface="Courier" pitchFamily="2" charset="0"/>
-              </a:rPr>
-            </a:br>
-            <a:r>
-              <a:rPr lang="en-GB" sz="1600" dirty="0">
-                <a:solidFill>
-                  <a:srgbClr val="00B050"/>
-                </a:solidFill>
-                <a:highlight>
-                  <a:srgbClr val="000000"/>
-                </a:highlight>
-                <a:latin typeface="Courier" pitchFamily="2" charset="0"/>
-              </a:rPr>
-              <a:t>        </a:t>
-            </a:r>
-            <a:r>
-              <a:rPr lang="en-GB" sz="1600" dirty="0" err="1">
-                <a:solidFill>
-                  <a:srgbClr val="00B050"/>
-                </a:solidFill>
-                <a:highlight>
-                  <a:srgbClr val="000000"/>
-                </a:highlight>
-                <a:latin typeface="Courier" pitchFamily="2" charset="0"/>
-              </a:rPr>
-              <a:t>note.creation</a:t>
-            </a:r>
-            <a:r>
-              <a:rPr lang="en-GB" sz="1600" dirty="0">
-                <a:solidFill>
-                  <a:srgbClr val="00B050"/>
-                </a:solidFill>
-                <a:highlight>
-                  <a:srgbClr val="000000"/>
-                </a:highlight>
-                <a:latin typeface="Courier" pitchFamily="2" charset="0"/>
-              </a:rPr>
-              <a:t> = </a:t>
-            </a:r>
-            <a:r>
-              <a:rPr lang="en-GB" sz="1600" dirty="0" err="1">
-                <a:solidFill>
-                  <a:srgbClr val="00B050"/>
-                </a:solidFill>
-                <a:highlight>
-                  <a:srgbClr val="000000"/>
-                </a:highlight>
-                <a:latin typeface="Courier" pitchFamily="2" charset="0"/>
-              </a:rPr>
-              <a:t>resultSet.getTimestamp</a:t>
-            </a:r>
-            <a:r>
-              <a:rPr lang="en-GB" sz="1600" dirty="0">
-                <a:solidFill>
-                  <a:srgbClr val="00B050"/>
-                </a:solidFill>
-                <a:highlight>
-                  <a:srgbClr val="000000"/>
-                </a:highlight>
-                <a:latin typeface="Courier" pitchFamily="2" charset="0"/>
-              </a:rPr>
-              <a:t>("creation");</a:t>
-            </a:r>
-            <a:br>
-              <a:rPr lang="en-GB" sz="1600" dirty="0">
-                <a:solidFill>
-                  <a:srgbClr val="00B050"/>
-                </a:solidFill>
-                <a:highlight>
-                  <a:srgbClr val="000000"/>
-                </a:highlight>
-                <a:latin typeface="Courier" pitchFamily="2" charset="0"/>
-              </a:rPr>
-            </a:br>
-            <a:r>
-              <a:rPr lang="en-GB" sz="1600" dirty="0">
-                <a:solidFill>
-                  <a:srgbClr val="00B050"/>
-                </a:solidFill>
-                <a:highlight>
-                  <a:srgbClr val="000000"/>
-                </a:highlight>
-                <a:latin typeface="Courier" pitchFamily="2" charset="0"/>
-              </a:rPr>
-              <a:t>        </a:t>
-            </a:r>
-            <a:r>
-              <a:rPr lang="en-GB" sz="1600" dirty="0" err="1">
-                <a:solidFill>
-                  <a:srgbClr val="00B050"/>
-                </a:solidFill>
-                <a:highlight>
-                  <a:srgbClr val="000000"/>
-                </a:highlight>
-                <a:latin typeface="Courier" pitchFamily="2" charset="0"/>
-              </a:rPr>
-              <a:t>note.modified</a:t>
-            </a:r>
-            <a:r>
-              <a:rPr lang="en-GB" sz="1600" dirty="0">
-                <a:solidFill>
-                  <a:srgbClr val="00B050"/>
-                </a:solidFill>
-                <a:highlight>
-                  <a:srgbClr val="000000"/>
-                </a:highlight>
-                <a:latin typeface="Courier" pitchFamily="2" charset="0"/>
-              </a:rPr>
-              <a:t> = </a:t>
-            </a:r>
-            <a:r>
-              <a:rPr lang="en-GB" sz="1600" dirty="0" err="1">
-                <a:solidFill>
-                  <a:srgbClr val="00B050"/>
-                </a:solidFill>
-                <a:highlight>
-                  <a:srgbClr val="000000"/>
-                </a:highlight>
-                <a:latin typeface="Courier" pitchFamily="2" charset="0"/>
-              </a:rPr>
-              <a:t>resultSet.getTimestamp</a:t>
-            </a:r>
-            <a:r>
-              <a:rPr lang="en-GB" sz="1600" dirty="0">
-                <a:solidFill>
-                  <a:srgbClr val="00B050"/>
-                </a:solidFill>
-                <a:highlight>
-                  <a:srgbClr val="000000"/>
-                </a:highlight>
-                <a:latin typeface="Courier" pitchFamily="2" charset="0"/>
-              </a:rPr>
-              <a:t>("modified");</a:t>
-            </a:r>
-            <a:br>
-              <a:rPr lang="en-GB" sz="1600" dirty="0">
-                <a:solidFill>
-                  <a:srgbClr val="00B050"/>
-                </a:solidFill>
-                <a:highlight>
-                  <a:srgbClr val="000000"/>
-                </a:highlight>
-                <a:latin typeface="Courier" pitchFamily="2" charset="0"/>
-              </a:rPr>
-            </a:br>
-            <a:br>
-              <a:rPr lang="en-GB" sz="1600" dirty="0">
-                <a:solidFill>
-                  <a:srgbClr val="00B050"/>
-                </a:solidFill>
-                <a:highlight>
-                  <a:srgbClr val="000000"/>
-                </a:highlight>
-                <a:latin typeface="Courier" pitchFamily="2" charset="0"/>
-              </a:rPr>
-            </a:br>
-            <a:r>
-              <a:rPr lang="en-GB" sz="1600" dirty="0">
-                <a:solidFill>
-                  <a:srgbClr val="00B050"/>
-                </a:solidFill>
-                <a:highlight>
-                  <a:srgbClr val="000000"/>
-                </a:highlight>
-                <a:latin typeface="Courier" pitchFamily="2" charset="0"/>
-              </a:rPr>
-              <a:t>        return note;</a:t>
-            </a:r>
-            <a:br>
-              <a:rPr lang="en-GB" sz="1600" dirty="0">
-                <a:solidFill>
-                  <a:srgbClr val="00B050"/>
-                </a:solidFill>
-                <a:highlight>
-                  <a:srgbClr val="000000"/>
-                </a:highlight>
-                <a:latin typeface="Courier" pitchFamily="2" charset="0"/>
-              </a:rPr>
-            </a:br>
-            <a:r>
-              <a:rPr lang="en-GB" sz="1600" dirty="0">
-                <a:solidFill>
-                  <a:srgbClr val="00B050"/>
-                </a:solidFill>
-                <a:highlight>
-                  <a:srgbClr val="000000"/>
-                </a:highlight>
-                <a:latin typeface="Courier" pitchFamily="2" charset="0"/>
-              </a:rPr>
-              <a:t>    }</a:t>
-            </a:r>
-            <a:br>
-              <a:rPr lang="en-GB" sz="1600" dirty="0">
-                <a:solidFill>
-                  <a:srgbClr val="00B050"/>
-                </a:solidFill>
-                <a:highlight>
-                  <a:srgbClr val="000000"/>
-                </a:highlight>
-                <a:latin typeface="Courier" pitchFamily="2" charset="0"/>
-              </a:rPr>
-            </a:br>
-            <a:r>
-              <a:rPr lang="en-GB" sz="1600" dirty="0">
-                <a:solidFill>
-                  <a:srgbClr val="00B050"/>
-                </a:solidFill>
-                <a:highlight>
-                  <a:srgbClr val="000000"/>
-                </a:highlight>
-                <a:latin typeface="Courier" pitchFamily="2" charset="0"/>
-              </a:rPr>
-              <a:t>}</a:t>
-            </a:r>
-          </a:p>
-          <a:p>
+              <a:rPr lang="en-US" sz="1600" dirty="0" err="1"/>
+              <a:t>gestisce</a:t>
+            </a:r>
             <a:r>
               <a:rPr lang="en-US" sz="1600" dirty="0"/>
-              <a:t>This class handles the translation from database data to the Note object in Java.</a:t>
+              <a:t> la </a:t>
+            </a:r>
+            <a:r>
+              <a:rPr lang="en-US" sz="1600" dirty="0" err="1"/>
+              <a:t>conversione</a:t>
+            </a:r>
+            <a:r>
+              <a:rPr lang="en-US" sz="1600" dirty="0"/>
+              <a:t> </a:t>
+            </a:r>
+            <a:r>
+              <a:rPr lang="en-US" sz="1600" dirty="0" err="1"/>
+              <a:t>dai</a:t>
+            </a:r>
+            <a:r>
+              <a:rPr lang="en-US" sz="1600" dirty="0"/>
+              <a:t> </a:t>
+            </a:r>
+            <a:r>
+              <a:rPr lang="en-US" sz="1600" dirty="0" err="1"/>
+              <a:t>dati</a:t>
+            </a:r>
+            <a:r>
+              <a:rPr lang="en-US" sz="1600" dirty="0"/>
+              <a:t> del database </a:t>
+            </a:r>
+            <a:r>
+              <a:rPr lang="en-US" sz="1600" dirty="0" err="1"/>
+              <a:t>all'oggetto</a:t>
+            </a:r>
+            <a:r>
+              <a:rPr lang="en-US" sz="1600" dirty="0"/>
+              <a:t> Note in Java.</a:t>
             </a:r>
           </a:p>
         </p:txBody>
@@ -7179,7 +7492,15 @@
           <a:p>
             <a:r>
               <a:rPr lang="en-GB" dirty="0"/>
-              <a:t>Secure queries with </a:t>
+              <a:t>Query </a:t>
+            </a:r>
+            <a:r>
+              <a:rPr lang="en-GB" dirty="0" err="1"/>
+              <a:t>sicure</a:t>
+            </a:r>
+            <a:r>
+              <a:rPr lang="en-GB" dirty="0"/>
+              <a:t> con </a:t>
             </a:r>
             <a:r>
               <a:rPr lang="en-GB" dirty="0" err="1"/>
@@ -7187,7 +7508,23 @@
             </a:r>
             <a:r>
               <a:rPr lang="en-GB" dirty="0"/>
-              <a:t> – new </a:t>
+              <a:t> – </a:t>
+            </a:r>
+            <a:r>
+              <a:rPr lang="en-GB" dirty="0" err="1"/>
+              <a:t>nuova</a:t>
+            </a:r>
+            <a:r>
+              <a:rPr lang="en-GB" dirty="0"/>
+              <a:t> </a:t>
+            </a:r>
+            <a:r>
+              <a:rPr lang="en-GB" dirty="0" err="1"/>
+              <a:t>implementazione</a:t>
+            </a:r>
+            <a:r>
+              <a:rPr lang="en-GB" dirty="0"/>
+              <a:t> </a:t>
             </a:r>
             <a:r>
               <a:rPr lang="en-GB" dirty="0" err="1"/>
@@ -7195,7 +7532,7 @@
             </a:r>
             <a:r>
               <a:rPr lang="en-GB" dirty="0"/>
-              <a:t> implementation (1/3)</a:t>
+              <a:t> </a:t>
             </a:r>
           </a:p>
         </p:txBody>
@@ -7229,8 +7566,44 @@
           <a:lstStyle/>
           <a:p>
             <a:r>
+              <a:rPr lang="en-US" sz="1600" dirty="0" err="1"/>
+              <a:t>Modificare</a:t>
+            </a:r>
+            <a:r>
               <a:rPr lang="en-US" sz="1600" dirty="0"/>
-              <a:t>Change the basic CRUD methods in the </a:t>
+              <a:t> </a:t>
+            </a:r>
+            <a:r>
+              <a:rPr lang="en-US" sz="1600" dirty="0" err="1"/>
+              <a:t>i</a:t>
+            </a:r>
+            <a:r>
+              <a:rPr lang="en-US" sz="1600" dirty="0"/>
+              <a:t> </a:t>
+            </a:r>
+            <a:r>
+              <a:rPr lang="en-US" sz="1600" dirty="0" err="1"/>
+              <a:t>metodi</a:t>
+            </a:r>
+            <a:r>
+              <a:rPr lang="en-US" sz="1600" dirty="0"/>
+              <a:t> CRUD di base </a:t>
+            </a:r>
+            <a:r>
+              <a:rPr lang="en-US" sz="1600" dirty="0" err="1"/>
+              <a:t>nella</a:t>
+            </a:r>
+            <a:r>
+              <a:rPr lang="en-US" sz="1600" dirty="0"/>
+              <a:t> </a:t>
+            </a:r>
+            <a:r>
+              <a:rPr lang="en-US" sz="1600" dirty="0" err="1"/>
+              <a:t>classe</a:t>
+            </a:r>
+            <a:r>
+              <a:rPr lang="en-US" sz="1600" dirty="0"/>
+              <a:t> </a:t>
             </a:r>
             <a:r>
               <a:rPr lang="en-US" sz="1600" dirty="0" err="1"/>
@@ -7238,13 +7611,67 @@
             </a:r>
             <a:r>
               <a:rPr lang="en-US" sz="1600" dirty="0"/>
-              <a:t> class as follows (more on next slide):</a:t>
-            </a:r>
-          </a:p>
-          <a:p>
-            <a:pPr marL="0" indent="0">
-              <a:buNone/>
-            </a:pPr>
+              <a:t> come </a:t>
+            </a:r>
+            <a:r>
+              <a:rPr lang="en-US" sz="1600" dirty="0" err="1"/>
+              <a:t>indicato</a:t>
+            </a:r>
+            <a:r>
+              <a:rPr lang="en-US" sz="1600" dirty="0"/>
+              <a:t> di </a:t>
+            </a:r>
+            <a:r>
+              <a:rPr lang="en-US" sz="1600" dirty="0" err="1"/>
+              <a:t>seguito</a:t>
+            </a:r>
+            <a:r>
+              <a:rPr lang="en-US" sz="1600" dirty="0"/>
+              <a:t> (</a:t>
+            </a:r>
+            <a:r>
+              <a:rPr lang="en-US" sz="1600" dirty="0" err="1"/>
+              <a:t>ulteriori</a:t>
+            </a:r>
+            <a:r>
+              <a:rPr lang="en-US" sz="1600" dirty="0"/>
+              <a:t> </a:t>
+            </a:r>
+            <a:r>
+              <a:rPr lang="en-US" sz="1600" dirty="0" err="1"/>
+              <a:t>informazioni</a:t>
+            </a:r>
+            <a:r>
+              <a:rPr lang="en-US" sz="1600" dirty="0"/>
+              <a:t> </a:t>
+            </a:r>
+            <a:r>
+              <a:rPr lang="en-US" sz="1600" dirty="0" err="1"/>
+              <a:t>nella</a:t>
+            </a:r>
+            <a:r>
+              <a:rPr lang="en-US" sz="1600" dirty="0"/>
+              <a:t> </a:t>
+            </a:r>
+            <a:r>
+              <a:rPr lang="en-US" sz="1600" dirty="0" err="1"/>
+              <a:t>diapositiva</a:t>
+            </a:r>
+            <a:r>
+              <a:rPr lang="en-US" sz="1600" dirty="0"/>
+              <a:t> </a:t>
+            </a:r>
+            <a:r>
+              <a:rPr lang="en-US" sz="1600" dirty="0" err="1"/>
+              <a:t>successiva</a:t>
+            </a:r>
+            <a:r>
+              <a:rPr lang="en-US" sz="1600" dirty="0"/>
+              <a:t>):</a:t>
+            </a:r>
+            <a:br>
+              <a:rPr lang="en-US" sz="1600" dirty="0"/>
+            </a:br>
             <a:r>
               <a:rPr lang="en-GB" sz="1600" dirty="0">
                 <a:solidFill>
@@ -7885,7 +8312,15 @@
           <a:p>
             <a:r>
               <a:rPr lang="en-GB" dirty="0"/>
-              <a:t>Secure queries with </a:t>
+              <a:t>Query </a:t>
+            </a:r>
+            <a:r>
+              <a:rPr lang="en-GB" dirty="0" err="1"/>
+              <a:t>sicure</a:t>
+            </a:r>
+            <a:r>
+              <a:rPr lang="en-GB" dirty="0"/>
+              <a:t> con </a:t>
             </a:r>
             <a:r>
               <a:rPr lang="en-GB" dirty="0" err="1"/>
@@ -7893,16 +8328,29 @@
             </a:r>
             <a:r>
               <a:rPr lang="en-GB" dirty="0"/>
-              <a:t> – new </a:t>
+              <a:t> – </a:t>
+            </a:r>
+            <a:r>
+              <a:rPr lang="en-GB" dirty="0" err="1"/>
+              <a:t>nuova</a:t>
+            </a:r>
+            <a:r>
+              <a:rPr lang="en-GB" dirty="0"/>
+              <a:t> </a:t>
+            </a:r>
+            <a:r>
+              <a:rPr lang="en-GB" dirty="0" err="1"/>
+              <a:t>implementazione</a:t>
+            </a:r>
+            <a:r>
+              <a:rPr lang="en-GB" dirty="0"/>
+              <a:t> di </a:t>
             </a:r>
             <a:r>
               <a:rPr lang="en-GB" dirty="0" err="1"/>
               <a:t>NoteService</a:t>
             </a:r>
-            <a:r>
-              <a:rPr lang="en-GB" dirty="0"/>
-              <a:t> implementation (2/3)</a:t>
-            </a:r>
+            <a:endParaRPr lang="en-GB" dirty="0"/>
           </a:p>
         </p:txBody>
       </p:sp>
@@ -7935,8 +8383,44 @@
           <a:lstStyle/>
           <a:p>
             <a:r>
+              <a:rPr lang="en-US" sz="1600" dirty="0" err="1"/>
+              <a:t>Modificare</a:t>
+            </a:r>
+            <a:r>
               <a:rPr lang="en-US" sz="1600" dirty="0"/>
-              <a:t>Change the basic CRUD methods in the </a:t>
+              <a:t> </a:t>
+            </a:r>
+            <a:r>
+              <a:rPr lang="en-US" sz="1600" dirty="0" err="1"/>
+              <a:t>i</a:t>
+            </a:r>
+            <a:r>
+              <a:rPr lang="en-US" sz="1600" dirty="0"/>
+              <a:t> </a:t>
+            </a:r>
+            <a:r>
+              <a:rPr lang="en-US" sz="1600" dirty="0" err="1"/>
+              <a:t>metodi</a:t>
+            </a:r>
+            <a:r>
+              <a:rPr lang="en-US" sz="1600" dirty="0"/>
+              <a:t> CRUD di base </a:t>
+            </a:r>
+            <a:r>
+              <a:rPr lang="en-US" sz="1600" dirty="0" err="1"/>
+              <a:t>nella</a:t>
+            </a:r>
+            <a:r>
+              <a:rPr lang="en-US" sz="1600" dirty="0"/>
+              <a:t> </a:t>
+            </a:r>
+            <a:r>
+              <a:rPr lang="en-US" sz="1600" dirty="0" err="1"/>
+              <a:t>classe</a:t>
+            </a:r>
+            <a:r>
+              <a:rPr lang="en-US" sz="1600" dirty="0"/>
+              <a:t> </a:t>
             </a:r>
             <a:r>
               <a:rPr lang="en-US" sz="1600" dirty="0" err="1"/>
@@ -7944,13 +8428,67 @@
             </a:r>
             <a:r>
               <a:rPr lang="en-US" sz="1600" dirty="0"/>
-              <a:t> class as follows (more on next slide):</a:t>
-            </a:r>
-          </a:p>
-          <a:p>
-            <a:pPr marL="0" indent="0">
-              <a:buNone/>
-            </a:pPr>
+              <a:t> come </a:t>
+            </a:r>
+            <a:r>
+              <a:rPr lang="en-US" sz="1600" dirty="0" err="1"/>
+              <a:t>indicato</a:t>
+            </a:r>
+            <a:r>
+              <a:rPr lang="en-US" sz="1600" dirty="0"/>
+              <a:t> di </a:t>
+            </a:r>
+            <a:r>
+              <a:rPr lang="en-US" sz="1600" dirty="0" err="1"/>
+              <a:t>seguito</a:t>
+            </a:r>
+            <a:r>
+              <a:rPr lang="en-US" sz="1600" dirty="0"/>
+              <a:t> (</a:t>
+            </a:r>
+            <a:r>
+              <a:rPr lang="en-US" sz="1600" dirty="0" err="1"/>
+              <a:t>ulteriori</a:t>
+            </a:r>
+            <a:r>
+              <a:rPr lang="en-US" sz="1600" dirty="0"/>
+              <a:t> </a:t>
+            </a:r>
+            <a:r>
+              <a:rPr lang="en-US" sz="1600" dirty="0" err="1"/>
+              <a:t>informazioni</a:t>
+            </a:r>
+            <a:r>
+              <a:rPr lang="en-US" sz="1600" dirty="0"/>
+              <a:t> </a:t>
+            </a:r>
+            <a:r>
+              <a:rPr lang="en-US" sz="1600" dirty="0" err="1"/>
+              <a:t>nella</a:t>
+            </a:r>
+            <a:r>
+              <a:rPr lang="en-US" sz="1600" dirty="0"/>
+              <a:t> </a:t>
+            </a:r>
+            <a:r>
+              <a:rPr lang="en-US" sz="1600" dirty="0" err="1"/>
+              <a:t>diapositiva</a:t>
+            </a:r>
+            <a:r>
+              <a:rPr lang="en-US" sz="1600" dirty="0"/>
+              <a:t> </a:t>
+            </a:r>
+            <a:r>
+              <a:rPr lang="en-US" sz="1600" dirty="0" err="1"/>
+              <a:t>successiva</a:t>
+            </a:r>
+            <a:r>
+              <a:rPr lang="en-US" sz="1600" dirty="0"/>
+              <a:t>):</a:t>
+            </a:r>
+            <a:br>
+              <a:rPr lang="en-US" sz="1600" dirty="0"/>
+            </a:br>
             <a:r>
               <a:rPr lang="en-GB" sz="1600" dirty="0">
                 <a:solidFill>
@@ -9085,7 +9623,15 @@
           <a:p>
             <a:r>
               <a:rPr lang="en-GB" dirty="0"/>
-              <a:t>Secure queries with </a:t>
+              <a:t>Query </a:t>
+            </a:r>
+            <a:r>
+              <a:rPr lang="en-GB" dirty="0" err="1"/>
+              <a:t>sicure</a:t>
+            </a:r>
+            <a:r>
+              <a:rPr lang="en-GB" dirty="0"/>
+              <a:t> con </a:t>
             </a:r>
             <a:r>
               <a:rPr lang="en-GB" dirty="0" err="1"/>
@@ -9093,7 +9639,23 @@
             </a:r>
             <a:r>
               <a:rPr lang="en-GB" dirty="0"/>
-              <a:t> – new </a:t>
+              <a:t> – </a:t>
+            </a:r>
+            <a:r>
+              <a:rPr lang="en-GB" dirty="0" err="1"/>
+              <a:t>nuova</a:t>
+            </a:r>
+            <a:r>
+              <a:rPr lang="en-GB" dirty="0"/>
+              <a:t> </a:t>
+            </a:r>
+            <a:r>
+              <a:rPr lang="en-GB" dirty="0" err="1"/>
+              <a:t>implementazione</a:t>
+            </a:r>
+            <a:r>
+              <a:rPr lang="en-GB" dirty="0"/>
+              <a:t> </a:t>
             </a:r>
             <a:r>
               <a:rPr lang="en-GB" dirty="0" err="1"/>
@@ -9101,7 +9663,7 @@
             </a:r>
             <a:r>
               <a:rPr lang="en-GB" dirty="0"/>
-              <a:t> implementation (3/3)</a:t>
+              <a:t> </a:t>
             </a:r>
           </a:p>
         </p:txBody>
@@ -9135,8 +9697,44 @@
           <a:lstStyle/>
           <a:p>
             <a:r>
+              <a:rPr lang="en-US" sz="1400" dirty="0" err="1"/>
+              <a:t>Modificare</a:t>
+            </a:r>
+            <a:r>
               <a:rPr lang="en-US" sz="1400" dirty="0"/>
-              <a:t>Change the title, body and creation date methods in the </a:t>
+              <a:t> </a:t>
+            </a:r>
+            <a:r>
+              <a:rPr lang="en-US" sz="1400" dirty="0" err="1"/>
+              <a:t>i</a:t>
+            </a:r>
+            <a:r>
+              <a:rPr lang="en-US" sz="1400" dirty="0"/>
+              <a:t> </a:t>
+            </a:r>
+            <a:r>
+              <a:rPr lang="en-US" sz="1400" dirty="0" err="1"/>
+              <a:t>metodi</a:t>
+            </a:r>
+            <a:r>
+              <a:rPr lang="en-US" sz="1400" dirty="0"/>
+              <a:t> title, body e creation date </a:t>
+            </a:r>
+            <a:r>
+              <a:rPr lang="en-US" sz="1400" dirty="0" err="1"/>
+              <a:t>nella</a:t>
+            </a:r>
+            <a:r>
+              <a:rPr lang="en-US" sz="1400" dirty="0"/>
+              <a:t> </a:t>
+            </a:r>
+            <a:r>
+              <a:rPr lang="en-US" sz="1400" dirty="0" err="1"/>
+              <a:t>classe</a:t>
+            </a:r>
+            <a:r>
+              <a:rPr lang="en-US" sz="1400" dirty="0"/>
+              <a:t> </a:t>
             </a:r>
             <a:r>
               <a:rPr lang="en-US" sz="1400" dirty="0" err="1"/>
@@ -9144,13 +9742,26 @@
             </a:r>
             <a:r>
               <a:rPr lang="en-US" sz="1400" dirty="0"/>
-              <a:t> class as follows:</a:t>
+              <a:t> </a:t>
+            </a:r>
+            <a:r>
+              <a:rPr lang="en-US" sz="1400" dirty="0" err="1"/>
+              <a:t>nel</a:t>
+            </a:r>
+            <a:r>
+              <a:rPr lang="en-US" sz="1400" dirty="0"/>
+              <a:t> modo </a:t>
+            </a:r>
+            <a:r>
+              <a:rPr lang="en-US" sz="1400" dirty="0" err="1"/>
+              <a:t>seguente</a:t>
+            </a:r>
+            <a:r>
+              <a:rPr lang="en-US" sz="1400" dirty="0"/>
+              <a:t>:</a:t>
             </a:r>
           </a:p>
           <a:p>
-            <a:pPr marL="0" indent="0">
-              <a:buNone/>
-            </a:pPr>
             <a:r>
               <a:rPr lang="en-GB" sz="1400" dirty="0">
                 <a:solidFill>
@@ -10323,7 +10934,15 @@
           <a:p>
             <a:r>
               <a:rPr lang="en-GB" dirty="0"/>
-              <a:t>Secure queries with </a:t>
+              <a:t>Query </a:t>
+            </a:r>
+            <a:r>
+              <a:rPr lang="en-GB" dirty="0" err="1"/>
+              <a:t>sicure</a:t>
+            </a:r>
+            <a:r>
+              <a:rPr lang="en-GB" dirty="0"/>
+              <a:t> con </a:t>
             </a:r>
             <a:r>
               <a:rPr lang="en-GB" dirty="0" err="1"/>
@@ -10331,16 +10950,29 @@
             </a:r>
             <a:r>
               <a:rPr lang="en-GB" dirty="0"/>
-              <a:t> – new </a:t>
+              <a:t> – </a:t>
+            </a:r>
+            <a:r>
+              <a:rPr lang="en-GB" dirty="0" err="1"/>
+              <a:t>nuova</a:t>
+            </a:r>
+            <a:r>
+              <a:rPr lang="en-GB" dirty="0"/>
+              <a:t> </a:t>
+            </a:r>
+            <a:r>
+              <a:rPr lang="en-GB" dirty="0" err="1"/>
+              <a:t>implementazione</a:t>
+            </a:r>
+            <a:r>
+              <a:rPr lang="en-GB" dirty="0"/>
+              <a:t> </a:t>
             </a:r>
             <a:r>
               <a:rPr lang="en-GB" dirty="0" err="1"/>
               <a:t>NoteEndpoint</a:t>
             </a:r>
-            <a:r>
-              <a:rPr lang="en-GB" dirty="0"/>
-              <a:t> implementation (1/3)</a:t>
-            </a:r>
+            <a:endParaRPr lang="en-GB" dirty="0"/>
           </a:p>
         </p:txBody>
       </p:sp>
@@ -10373,8 +11005,20 @@
           <a:lstStyle/>
           <a:p>
             <a:r>
+              <a:rPr lang="en-US" sz="1600" dirty="0" err="1"/>
+              <a:t>Modificare</a:t>
+            </a:r>
+            <a:r>
               <a:rPr lang="en-US" sz="1600" dirty="0"/>
-              <a:t>Change the </a:t>
+              <a:t> il </a:t>
+            </a:r>
+            <a:r>
+              <a:rPr lang="en-US" sz="1600" dirty="0" err="1"/>
+              <a:t>metodo</a:t>
+            </a:r>
+            <a:r>
+              <a:rPr lang="en-US" sz="1600" dirty="0"/>
+              <a:t> </a:t>
             </a:r>
             <a:r>
               <a:rPr lang="en-US" sz="1600" dirty="0" err="1"/>
@@ -10382,7 +11026,23 @@
             </a:r>
             <a:r>
               <a:rPr lang="en-US" sz="1600" dirty="0"/>
-              <a:t> method in the </a:t>
+              <a:t> </a:t>
+            </a:r>
+            <a:r>
+              <a:rPr lang="en-US" sz="1600" dirty="0" err="1"/>
+              <a:t>nella</a:t>
+            </a:r>
+            <a:r>
+              <a:rPr lang="en-US" sz="1600" dirty="0"/>
+              <a:t> </a:t>
+            </a:r>
+            <a:r>
+              <a:rPr lang="en-US" sz="1600" dirty="0" err="1"/>
+              <a:t>classe</a:t>
+            </a:r>
+            <a:r>
+              <a:rPr lang="en-US" sz="1600" dirty="0"/>
+              <a:t> </a:t>
             </a:r>
             <a:r>
               <a:rPr lang="en-US" sz="1600" dirty="0" err="1"/>
@@ -10390,13 +11050,51 @@
             </a:r>
             <a:r>
               <a:rPr lang="en-US" sz="1600" dirty="0"/>
-              <a:t> class as follows (more on next slide):</a:t>
-            </a:r>
-          </a:p>
-          <a:p>
-            <a:pPr marL="0" indent="0">
-              <a:buNone/>
-            </a:pPr>
+              <a:t> come segue (</a:t>
+            </a:r>
+            <a:r>
+              <a:rPr lang="en-US" sz="1600" dirty="0" err="1"/>
+              <a:t>ulteriori</a:t>
+            </a:r>
+            <a:r>
+              <a:rPr lang="en-US" sz="1600" dirty="0"/>
+              <a:t> </a:t>
+            </a:r>
+            <a:r>
+              <a:rPr lang="en-US" sz="1600" dirty="0" err="1"/>
+              <a:t>informazioni</a:t>
+            </a:r>
+            <a:r>
+              <a:rPr lang="en-US" sz="1600" dirty="0"/>
+              <a:t> </a:t>
+            </a:r>
+            <a:r>
+              <a:rPr lang="en-US" sz="1600" dirty="0" err="1"/>
+              <a:t>nella</a:t>
+            </a:r>
+            <a:r>
+              <a:rPr lang="en-US" sz="1600" dirty="0"/>
+              <a:t> </a:t>
+            </a:r>
+            <a:r>
+              <a:rPr lang="en-US" sz="1600" dirty="0" err="1"/>
+              <a:t>diapositiva</a:t>
+            </a:r>
+            <a:r>
+              <a:rPr lang="en-US" sz="1600" dirty="0"/>
+              <a:t> </a:t>
+            </a:r>
+            <a:r>
+              <a:rPr lang="en-US" sz="1600" dirty="0" err="1"/>
+              <a:t>successiva</a:t>
+            </a:r>
+            <a:r>
+              <a:rPr lang="en-US" sz="1600" dirty="0"/>
+              <a:t>):</a:t>
+            </a:r>
+            <a:br>
+              <a:rPr lang="en-US" sz="1600" dirty="0"/>
+            </a:br>
             <a:r>
               <a:rPr lang="en-GB" sz="1600" dirty="0">
                 <a:solidFill>
@@ -10940,8 +11638,12 @@
           <a:lstStyle/>
           <a:p>
             <a:r>
+              <a:rPr lang="en-GB" dirty="0" err="1"/>
+              <a:t>Connessione</a:t>
+            </a:r>
+            <a:r>
               <a:rPr lang="en-GB" dirty="0"/>
-              <a:t>Connecting </a:t>
+              <a:t> di </a:t>
             </a:r>
             <a:r>
               <a:rPr lang="en-GB" dirty="0" err="1"/>
@@ -10949,7 +11651,7 @@
             </a:r>
             <a:r>
               <a:rPr lang="en-GB" dirty="0"/>
-              <a:t> to </a:t>
+              <a:t> (Progetto) a </a:t>
             </a:r>
             <a:r>
               <a:rPr lang="en-GB" dirty="0" err="1"/>
@@ -10957,7 +11659,7 @@
             </a:r>
             <a:r>
               <a:rPr lang="en-GB" dirty="0"/>
-              <a:t> (1/2)</a:t>
+              <a:t> </a:t>
             </a:r>
           </a:p>
         </p:txBody>
@@ -10981,13 +11683,17 @@
         <p:spPr/>
         <p:txBody>
           <a:bodyPr>
-            <a:normAutofit lnSpcReduction="10000"/>
+            <a:normAutofit/>
           </a:bodyPr>
           <a:lstStyle/>
           <a:p>
             <a:r>
+              <a:rPr lang="en-US" dirty="0" err="1"/>
+              <a:t>Apri</a:t>
+            </a:r>
+            <a:r>
               <a:rPr lang="en-US" dirty="0"/>
-              <a:t>Open </a:t>
+              <a:t> </a:t>
             </a:r>
             <a:r>
               <a:rPr lang="en-US" dirty="0" err="1"/>
@@ -10995,7 +11701,23 @@
             </a:r>
             <a:r>
               <a:rPr lang="en-US" dirty="0"/>
-              <a:t> in IntelliJ, then open </a:t>
+              <a:t> in IntelliJ, e </a:t>
+            </a:r>
+            <a:r>
+              <a:rPr lang="en-US" dirty="0" err="1"/>
+              <a:t>successivamente</a:t>
+            </a:r>
+            <a:r>
+              <a:rPr lang="en-US" dirty="0"/>
+              <a:t> </a:t>
+            </a:r>
+            <a:r>
+              <a:rPr lang="en-US" dirty="0" err="1"/>
+              <a:t>apri</a:t>
+            </a:r>
+            <a:r>
+              <a:rPr lang="en-US" dirty="0"/>
+              <a:t> </a:t>
             </a:r>
             <a:r>
               <a:rPr lang="en-US" dirty="0" err="1"/>
@@ -11004,258 +11726,388 @@
             <a:endParaRPr lang="en-US" dirty="0"/>
           </a:p>
           <a:p>
+            <a:r>
+              <a:rPr lang="en-US" dirty="0" err="1"/>
+              <a:t>Aggiungi</a:t>
+            </a:r>
+            <a:r>
+              <a:rPr lang="en-US" dirty="0"/>
+              <a:t> la </a:t>
+            </a:r>
+            <a:r>
+              <a:rPr lang="en-US" dirty="0" err="1"/>
+              <a:t>dipendenza</a:t>
+            </a:r>
+            <a:r>
+              <a:rPr lang="en-US" dirty="0"/>
+              <a:t> </a:t>
+            </a:r>
+            <a:r>
+              <a:rPr lang="en-US" dirty="0" err="1"/>
+              <a:t>mysql</a:t>
+            </a:r>
+            <a:r>
+              <a:rPr lang="en-US" dirty="0"/>
+              <a:t>, se non </a:t>
+            </a:r>
+            <a:r>
+              <a:rPr lang="en-US" dirty="0" err="1"/>
+              <a:t>l'hai</a:t>
+            </a:r>
+            <a:r>
+              <a:rPr lang="en-US" dirty="0"/>
+              <a:t> </a:t>
+            </a:r>
+            <a:r>
+              <a:rPr lang="en-US" dirty="0" err="1"/>
+              <a:t>già</a:t>
+            </a:r>
+            <a:r>
+              <a:rPr lang="en-US" dirty="0"/>
+              <a:t> </a:t>
+            </a:r>
+            <a:r>
+              <a:rPr lang="en-US" dirty="0" err="1"/>
+              <a:t>fatto</a:t>
+            </a:r>
+            <a:r>
+              <a:rPr lang="en-US" dirty="0"/>
+              <a:t>:</a:t>
+            </a:r>
+          </a:p>
+          <a:p>
+            <a:r>
+              <a:rPr lang="it-IT" dirty="0">
+                <a:solidFill>
+                  <a:srgbClr val="E8BF6A"/>
+                </a:solidFill>
+                <a:effectLst/>
+                <a:latin typeface="JetBrains Mono"/>
+              </a:rPr>
+              <a:t>&lt;</a:t>
+            </a:r>
+            <a:r>
+              <a:rPr lang="it-IT" dirty="0" err="1">
+                <a:solidFill>
+                  <a:srgbClr val="E8BF6A"/>
+                </a:solidFill>
+                <a:effectLst/>
+                <a:latin typeface="JetBrains Mono"/>
+              </a:rPr>
+              <a:t>dependency</a:t>
+            </a:r>
+            <a:r>
+              <a:rPr lang="it-IT" dirty="0">
+                <a:solidFill>
+                  <a:srgbClr val="E8BF6A"/>
+                </a:solidFill>
+                <a:effectLst/>
+                <a:latin typeface="JetBrains Mono"/>
+              </a:rPr>
+              <a:t>&gt;</a:t>
+            </a:r>
+            <a:br>
+              <a:rPr lang="it-IT" dirty="0">
+                <a:solidFill>
+                  <a:srgbClr val="E8BF6A"/>
+                </a:solidFill>
+                <a:effectLst/>
+                <a:latin typeface="JetBrains Mono"/>
+              </a:rPr>
+            </a:br>
+            <a:r>
+              <a:rPr lang="it-IT" dirty="0">
+                <a:solidFill>
+                  <a:srgbClr val="E8BF6A"/>
+                </a:solidFill>
+                <a:effectLst/>
+                <a:latin typeface="JetBrains Mono"/>
+              </a:rPr>
+              <a:t>    &lt;</a:t>
+            </a:r>
+            <a:r>
+              <a:rPr lang="it-IT" dirty="0" err="1">
+                <a:solidFill>
+                  <a:srgbClr val="E8BF6A"/>
+                </a:solidFill>
+                <a:effectLst/>
+                <a:latin typeface="JetBrains Mono"/>
+              </a:rPr>
+              <a:t>groupId</a:t>
+            </a:r>
+            <a:r>
+              <a:rPr lang="it-IT" dirty="0">
+                <a:solidFill>
+                  <a:srgbClr val="E8BF6A"/>
+                </a:solidFill>
+                <a:effectLst/>
+                <a:latin typeface="JetBrains Mono"/>
+              </a:rPr>
+              <a:t>&gt;</a:t>
+            </a:r>
+            <a:r>
+              <a:rPr lang="it-IT" dirty="0" err="1">
+                <a:solidFill>
+                  <a:srgbClr val="A9B7C6"/>
+                </a:solidFill>
+                <a:effectLst/>
+                <a:latin typeface="JetBrains Mono"/>
+              </a:rPr>
+              <a:t>com.mysql</a:t>
+            </a:r>
+            <a:r>
+              <a:rPr lang="it-IT" dirty="0">
+                <a:solidFill>
+                  <a:srgbClr val="E8BF6A"/>
+                </a:solidFill>
+                <a:effectLst/>
+                <a:latin typeface="JetBrains Mono"/>
+              </a:rPr>
+              <a:t>&lt;/</a:t>
+            </a:r>
+            <a:r>
+              <a:rPr lang="it-IT" dirty="0" err="1">
+                <a:solidFill>
+                  <a:srgbClr val="E8BF6A"/>
+                </a:solidFill>
+                <a:effectLst/>
+                <a:latin typeface="JetBrains Mono"/>
+              </a:rPr>
+              <a:t>groupId</a:t>
+            </a:r>
+            <a:r>
+              <a:rPr lang="it-IT" dirty="0">
+                <a:solidFill>
+                  <a:srgbClr val="E8BF6A"/>
+                </a:solidFill>
+                <a:effectLst/>
+                <a:latin typeface="JetBrains Mono"/>
+              </a:rPr>
+              <a:t>&gt;</a:t>
+            </a:r>
+            <a:br>
+              <a:rPr lang="it-IT" dirty="0">
+                <a:solidFill>
+                  <a:srgbClr val="E8BF6A"/>
+                </a:solidFill>
+                <a:effectLst/>
+                <a:latin typeface="JetBrains Mono"/>
+              </a:rPr>
+            </a:br>
+            <a:r>
+              <a:rPr lang="it-IT" dirty="0">
+                <a:solidFill>
+                  <a:srgbClr val="E8BF6A"/>
+                </a:solidFill>
+                <a:effectLst/>
+                <a:latin typeface="JetBrains Mono"/>
+              </a:rPr>
+              <a:t>    &lt;</a:t>
+            </a:r>
+            <a:r>
+              <a:rPr lang="it-IT" dirty="0" err="1">
+                <a:solidFill>
+                  <a:srgbClr val="E8BF6A"/>
+                </a:solidFill>
+                <a:effectLst/>
+                <a:latin typeface="JetBrains Mono"/>
+              </a:rPr>
+              <a:t>artifactId</a:t>
+            </a:r>
+            <a:r>
+              <a:rPr lang="it-IT" dirty="0">
+                <a:solidFill>
+                  <a:srgbClr val="E8BF6A"/>
+                </a:solidFill>
+                <a:effectLst/>
+                <a:latin typeface="JetBrains Mono"/>
+              </a:rPr>
+              <a:t>&gt;</a:t>
+            </a:r>
+            <a:r>
+              <a:rPr lang="it-IT" dirty="0" err="1">
+                <a:solidFill>
+                  <a:srgbClr val="A9B7C6"/>
+                </a:solidFill>
+                <a:effectLst/>
+                <a:latin typeface="JetBrains Mono"/>
+              </a:rPr>
+              <a:t>mysql-connector-j</a:t>
+            </a:r>
+            <a:r>
+              <a:rPr lang="it-IT" dirty="0">
+                <a:solidFill>
+                  <a:srgbClr val="E8BF6A"/>
+                </a:solidFill>
+                <a:effectLst/>
+                <a:latin typeface="JetBrains Mono"/>
+              </a:rPr>
+              <a:t>&lt;/</a:t>
+            </a:r>
+            <a:r>
+              <a:rPr lang="it-IT" dirty="0" err="1">
+                <a:solidFill>
+                  <a:srgbClr val="E8BF6A"/>
+                </a:solidFill>
+                <a:effectLst/>
+                <a:latin typeface="JetBrains Mono"/>
+              </a:rPr>
+              <a:t>artifactId</a:t>
+            </a:r>
+            <a:r>
+              <a:rPr lang="it-IT" dirty="0">
+                <a:solidFill>
+                  <a:srgbClr val="E8BF6A"/>
+                </a:solidFill>
+                <a:effectLst/>
+                <a:latin typeface="JetBrains Mono"/>
+              </a:rPr>
+              <a:t>&gt;</a:t>
+            </a:r>
+            <a:br>
+              <a:rPr lang="it-IT" dirty="0">
+                <a:solidFill>
+                  <a:srgbClr val="E8BF6A"/>
+                </a:solidFill>
+                <a:effectLst/>
+                <a:latin typeface="JetBrains Mono"/>
+              </a:rPr>
+            </a:br>
+            <a:r>
+              <a:rPr lang="it-IT" dirty="0">
+                <a:solidFill>
+                  <a:srgbClr val="E8BF6A"/>
+                </a:solidFill>
+                <a:effectLst/>
+                <a:latin typeface="JetBrains Mono"/>
+              </a:rPr>
+              <a:t>    &lt;scope&gt;</a:t>
+            </a:r>
+            <a:r>
+              <a:rPr lang="it-IT" dirty="0" err="1">
+                <a:solidFill>
+                  <a:srgbClr val="A9B7C6"/>
+                </a:solidFill>
+                <a:effectLst/>
+                <a:latin typeface="JetBrains Mono"/>
+              </a:rPr>
+              <a:t>runtime</a:t>
+            </a:r>
+            <a:r>
+              <a:rPr lang="it-IT" dirty="0">
+                <a:solidFill>
+                  <a:srgbClr val="E8BF6A"/>
+                </a:solidFill>
+                <a:effectLst/>
+                <a:latin typeface="JetBrains Mono"/>
+              </a:rPr>
+              <a:t>&lt;/scope&gt;</a:t>
+            </a:r>
+            <a:br>
+              <a:rPr lang="it-IT" dirty="0">
+                <a:solidFill>
+                  <a:srgbClr val="E8BF6A"/>
+                </a:solidFill>
+                <a:effectLst/>
+                <a:latin typeface="JetBrains Mono"/>
+              </a:rPr>
+            </a:br>
+            <a:r>
+              <a:rPr lang="it-IT" dirty="0">
+                <a:solidFill>
+                  <a:srgbClr val="E8BF6A"/>
+                </a:solidFill>
+                <a:effectLst/>
+                <a:latin typeface="JetBrains Mono"/>
+              </a:rPr>
+              <a:t>&lt;/</a:t>
+            </a:r>
+            <a:r>
+              <a:rPr lang="it-IT" dirty="0" err="1">
+                <a:solidFill>
+                  <a:srgbClr val="E8BF6A"/>
+                </a:solidFill>
+                <a:effectLst/>
+                <a:latin typeface="JetBrains Mono"/>
+              </a:rPr>
+              <a:t>dependency</a:t>
+            </a:r>
+            <a:r>
+              <a:rPr lang="it-IT" dirty="0">
+                <a:solidFill>
+                  <a:srgbClr val="E8BF6A"/>
+                </a:solidFill>
+                <a:effectLst/>
+                <a:latin typeface="JetBrains Mono"/>
+              </a:rPr>
+              <a:t>&gt;</a:t>
+            </a:r>
+            <a:endParaRPr lang="it-IT" dirty="0">
+              <a:solidFill>
+                <a:srgbClr val="A9B7C6"/>
+              </a:solidFill>
+              <a:effectLst/>
+              <a:latin typeface="JetBrains Mono"/>
+            </a:endParaRPr>
+          </a:p>
+          <a:p>
+            <a:pPr marL="0" indent="0">
+              <a:buNone/>
+            </a:pPr>
             <a:endParaRPr lang="en-US" dirty="0"/>
           </a:p>
           <a:p>
             <a:r>
               <a:rPr lang="en-US" dirty="0"/>
-              <a:t>Add the </a:t>
+              <a:t>IntelliJ </a:t>
             </a:r>
             <a:r>
               <a:rPr lang="en-US" dirty="0" err="1"/>
-              <a:t>mysql</a:t>
+              <a:t>probabilmente</a:t>
             </a:r>
             <a:r>
               <a:rPr lang="en-US" dirty="0"/>
-              <a:t> dependency, if you haven’t done so already:</a:t>
-            </a:r>
-          </a:p>
-          <a:p>
-            <a:pPr marL="457200" lvl="1" indent="0">
-              <a:buNone/>
-            </a:pPr>
-            <a:r>
-              <a:rPr lang="en-US" dirty="0">
-                <a:solidFill>
-                  <a:srgbClr val="00B050"/>
-                </a:solidFill>
-                <a:highlight>
-                  <a:srgbClr val="000000"/>
-                </a:highlight>
-                <a:latin typeface="Courier" pitchFamily="2" charset="0"/>
-              </a:rPr>
-              <a:t>&lt;dependency&gt;</a:t>
-            </a:r>
-          </a:p>
-          <a:p>
-            <a:pPr marL="457200" lvl="1" indent="0">
-              <a:buNone/>
-            </a:pPr>
-            <a:r>
-              <a:rPr lang="en-US" dirty="0">
-                <a:solidFill>
-                  <a:srgbClr val="00B050"/>
-                </a:solidFill>
-                <a:highlight>
-                  <a:srgbClr val="000000"/>
-                </a:highlight>
-                <a:latin typeface="Courier" pitchFamily="2" charset="0"/>
-              </a:rPr>
-              <a:t>    &lt;</a:t>
-            </a:r>
-            <a:r>
-              <a:rPr lang="en-US" dirty="0" err="1">
-                <a:solidFill>
-                  <a:srgbClr val="00B050"/>
-                </a:solidFill>
-                <a:highlight>
-                  <a:srgbClr val="000000"/>
-                </a:highlight>
-                <a:latin typeface="Courier" pitchFamily="2" charset="0"/>
-              </a:rPr>
-              <a:t>groupId</a:t>
-            </a:r>
-            <a:r>
-              <a:rPr lang="en-US" dirty="0">
-                <a:solidFill>
-                  <a:srgbClr val="00B050"/>
-                </a:solidFill>
-                <a:highlight>
-                  <a:srgbClr val="000000"/>
-                </a:highlight>
-                <a:latin typeface="Courier" pitchFamily="2" charset="0"/>
-              </a:rPr>
-              <a:t>&gt;</a:t>
-            </a:r>
-            <a:r>
-              <a:rPr lang="en-US" dirty="0" err="1">
-                <a:solidFill>
-                  <a:srgbClr val="00B050"/>
-                </a:solidFill>
-                <a:highlight>
-                  <a:srgbClr val="000000"/>
-                </a:highlight>
-                <a:latin typeface="Courier" pitchFamily="2" charset="0"/>
-              </a:rPr>
-              <a:t>mysql</a:t>
-            </a:r>
-            <a:r>
-              <a:rPr lang="en-US" dirty="0">
-                <a:solidFill>
-                  <a:srgbClr val="00B050"/>
-                </a:solidFill>
-                <a:highlight>
-                  <a:srgbClr val="000000"/>
-                </a:highlight>
-                <a:latin typeface="Courier" pitchFamily="2" charset="0"/>
-              </a:rPr>
-              <a:t>&lt;/</a:t>
-            </a:r>
-            <a:r>
-              <a:rPr lang="en-US" dirty="0" err="1">
-                <a:solidFill>
-                  <a:srgbClr val="00B050"/>
-                </a:solidFill>
-                <a:highlight>
-                  <a:srgbClr val="000000"/>
-                </a:highlight>
-                <a:latin typeface="Courier" pitchFamily="2" charset="0"/>
-              </a:rPr>
-              <a:t>groupId</a:t>
-            </a:r>
-            <a:r>
-              <a:rPr lang="en-US" dirty="0">
-                <a:solidFill>
-                  <a:srgbClr val="00B050"/>
-                </a:solidFill>
-                <a:highlight>
-                  <a:srgbClr val="000000"/>
-                </a:highlight>
-                <a:latin typeface="Courier" pitchFamily="2" charset="0"/>
-              </a:rPr>
-              <a:t>&gt;</a:t>
-            </a:r>
-          </a:p>
-          <a:p>
-            <a:pPr marL="457200" lvl="1" indent="0">
-              <a:buNone/>
-            </a:pPr>
-            <a:r>
-              <a:rPr lang="en-US" dirty="0">
-                <a:solidFill>
-                  <a:srgbClr val="00B050"/>
-                </a:solidFill>
-                <a:highlight>
-                  <a:srgbClr val="000000"/>
-                </a:highlight>
-                <a:latin typeface="Courier" pitchFamily="2" charset="0"/>
-              </a:rPr>
-              <a:t>    &lt;</a:t>
-            </a:r>
-            <a:r>
-              <a:rPr lang="en-US" dirty="0" err="1">
-                <a:solidFill>
-                  <a:srgbClr val="00B050"/>
-                </a:solidFill>
-                <a:highlight>
-                  <a:srgbClr val="000000"/>
-                </a:highlight>
-                <a:latin typeface="Courier" pitchFamily="2" charset="0"/>
-              </a:rPr>
-              <a:t>artifactId</a:t>
-            </a:r>
-            <a:r>
-              <a:rPr lang="en-US" dirty="0">
-                <a:solidFill>
-                  <a:srgbClr val="00B050"/>
-                </a:solidFill>
-                <a:highlight>
-                  <a:srgbClr val="000000"/>
-                </a:highlight>
-                <a:latin typeface="Courier" pitchFamily="2" charset="0"/>
-              </a:rPr>
-              <a:t>&gt;</a:t>
-            </a:r>
-            <a:r>
-              <a:rPr lang="en-US" dirty="0" err="1">
-                <a:solidFill>
-                  <a:srgbClr val="00B050"/>
-                </a:solidFill>
-                <a:highlight>
-                  <a:srgbClr val="000000"/>
-                </a:highlight>
-                <a:latin typeface="Courier" pitchFamily="2" charset="0"/>
-              </a:rPr>
-              <a:t>mysql</a:t>
-            </a:r>
-            <a:r>
-              <a:rPr lang="en-US" dirty="0">
-                <a:solidFill>
-                  <a:srgbClr val="00B050"/>
-                </a:solidFill>
-                <a:highlight>
-                  <a:srgbClr val="000000"/>
-                </a:highlight>
-                <a:latin typeface="Courier" pitchFamily="2" charset="0"/>
-              </a:rPr>
-              <a:t>-connector-java&lt;/</a:t>
-            </a:r>
-            <a:r>
-              <a:rPr lang="en-US" dirty="0" err="1">
-                <a:solidFill>
-                  <a:srgbClr val="00B050"/>
-                </a:solidFill>
-                <a:highlight>
-                  <a:srgbClr val="000000"/>
-                </a:highlight>
-                <a:latin typeface="Courier" pitchFamily="2" charset="0"/>
-              </a:rPr>
-              <a:t>artifactId</a:t>
-            </a:r>
-            <a:r>
-              <a:rPr lang="en-US" dirty="0">
-                <a:solidFill>
-                  <a:srgbClr val="00B050"/>
-                </a:solidFill>
-                <a:highlight>
-                  <a:srgbClr val="000000"/>
-                </a:highlight>
-                <a:latin typeface="Courier" pitchFamily="2" charset="0"/>
-              </a:rPr>
-              <a:t>&gt;</a:t>
-            </a:r>
-          </a:p>
-          <a:p>
-            <a:pPr marL="457200" lvl="1" indent="0">
-              <a:buNone/>
-            </a:pPr>
-            <a:r>
-              <a:rPr lang="en-US" dirty="0">
-                <a:solidFill>
-                  <a:srgbClr val="00B050"/>
-                </a:solidFill>
-                <a:highlight>
-                  <a:srgbClr val="000000"/>
-                </a:highlight>
-                <a:latin typeface="Courier" pitchFamily="2" charset="0"/>
-              </a:rPr>
-              <a:t>    &lt;version&gt;8.0.22&lt;/version&gt;</a:t>
-            </a:r>
-          </a:p>
-          <a:p>
-            <a:pPr marL="457200" lvl="1" indent="0">
-              <a:buNone/>
-            </a:pPr>
-            <a:r>
-              <a:rPr lang="en-US" dirty="0">
-                <a:solidFill>
-                  <a:srgbClr val="00B050"/>
-                </a:solidFill>
-                <a:highlight>
-                  <a:srgbClr val="000000"/>
-                </a:highlight>
-                <a:latin typeface="Courier" pitchFamily="2" charset="0"/>
-              </a:rPr>
-              <a:t>&lt;/dependency&gt;</a:t>
-            </a:r>
-          </a:p>
-          <a:p>
-            <a:endParaRPr lang="en-US" dirty="0"/>
-          </a:p>
-          <a:p>
+              <a:t> </a:t>
+            </a:r>
+            <a:r>
+              <a:rPr lang="en-US" dirty="0" err="1"/>
+              <a:t>ti</a:t>
+            </a:r>
             <a:r>
               <a:rPr lang="en-US" dirty="0"/>
-              <a:t>IntelliJ will probably prompt you to Import Changes, do so.</a:t>
+              <a:t> </a:t>
+            </a:r>
+            <a:r>
+              <a:rPr lang="en-US" dirty="0" err="1"/>
+              <a:t>chiederà</a:t>
+            </a:r>
+            <a:r>
+              <a:rPr lang="en-US" dirty="0"/>
+              <a:t> di </a:t>
+            </a:r>
+            <a:r>
+              <a:rPr lang="en-US" dirty="0" err="1"/>
+              <a:t>importare</a:t>
+            </a:r>
+            <a:r>
+              <a:rPr lang="en-US" dirty="0"/>
+              <a:t> le </a:t>
+            </a:r>
+            <a:r>
+              <a:rPr lang="en-US" dirty="0" err="1"/>
+              <a:t>modifiche</a:t>
+            </a:r>
+            <a:r>
+              <a:rPr lang="en-US" dirty="0"/>
+              <a:t>, </a:t>
+            </a:r>
+            <a:r>
+              <a:rPr lang="en-US" dirty="0" err="1"/>
+              <a:t>fallo</a:t>
+            </a:r>
+            <a:r>
+              <a:rPr lang="en-US" dirty="0"/>
+              <a:t>.</a:t>
             </a:r>
           </a:p>
         </p:txBody>
@@ -11313,7 +12165,15 @@
           <a:p>
             <a:r>
               <a:rPr lang="en-GB" dirty="0"/>
-              <a:t>Secure queries with </a:t>
+              <a:t>Query </a:t>
+            </a:r>
+            <a:r>
+              <a:rPr lang="en-GB" dirty="0" err="1"/>
+              <a:t>sicure</a:t>
+            </a:r>
+            <a:r>
+              <a:rPr lang="en-GB" dirty="0"/>
+              <a:t> con </a:t>
             </a:r>
             <a:r>
               <a:rPr lang="en-GB" dirty="0" err="1"/>
@@ -11321,16 +12181,29 @@
             </a:r>
             <a:r>
               <a:rPr lang="en-GB" dirty="0"/>
-              <a:t> – new </a:t>
+              <a:t> – </a:t>
+            </a:r>
+            <a:r>
+              <a:rPr lang="en-GB" dirty="0" err="1"/>
+              <a:t>nuova</a:t>
+            </a:r>
+            <a:r>
+              <a:rPr lang="en-GB" dirty="0"/>
+              <a:t> </a:t>
+            </a:r>
+            <a:r>
+              <a:rPr lang="en-GB" dirty="0" err="1"/>
+              <a:t>implementazione</a:t>
+            </a:r>
+            <a:r>
+              <a:rPr lang="en-GB" dirty="0"/>
+              <a:t> </a:t>
             </a:r>
             <a:r>
               <a:rPr lang="en-GB" dirty="0" err="1"/>
               <a:t>NoteEndpoint</a:t>
             </a:r>
-            <a:r>
-              <a:rPr lang="en-GB" dirty="0"/>
-              <a:t> implementation (2/3)</a:t>
-            </a:r>
+            <a:endParaRPr lang="en-GB" dirty="0"/>
           </a:p>
         </p:txBody>
       </p:sp>
@@ -11363,8 +12236,20 @@
           <a:lstStyle/>
           <a:p>
             <a:r>
+              <a:rPr lang="en-US" sz="1600" dirty="0" err="1"/>
+              <a:t>Modificare</a:t>
+            </a:r>
+            <a:r>
               <a:rPr lang="en-US" sz="1600" dirty="0"/>
-              <a:t>Change the </a:t>
+              <a:t> il </a:t>
+            </a:r>
+            <a:r>
+              <a:rPr lang="en-US" sz="1600" dirty="0" err="1"/>
+              <a:t>metodo</a:t>
+            </a:r>
+            <a:r>
+              <a:rPr lang="en-US" sz="1600" dirty="0"/>
+              <a:t> </a:t>
             </a:r>
             <a:r>
               <a:rPr lang="en-US" sz="1600" dirty="0" err="1"/>
@@ -11372,7 +12257,23 @@
             </a:r>
             <a:r>
               <a:rPr lang="en-US" sz="1600" dirty="0"/>
-              <a:t> method in the </a:t>
+              <a:t> </a:t>
+            </a:r>
+            <a:r>
+              <a:rPr lang="en-US" sz="1600" dirty="0" err="1"/>
+              <a:t>nella</a:t>
+            </a:r>
+            <a:r>
+              <a:rPr lang="en-US" sz="1600" dirty="0"/>
+              <a:t> </a:t>
+            </a:r>
+            <a:r>
+              <a:rPr lang="en-US" sz="1600" dirty="0" err="1"/>
+              <a:t>classe</a:t>
+            </a:r>
+            <a:r>
+              <a:rPr lang="en-US" sz="1600" dirty="0"/>
+              <a:t> </a:t>
             </a:r>
             <a:r>
               <a:rPr lang="en-US" sz="1600" dirty="0" err="1"/>
@@ -11380,13 +12281,51 @@
             </a:r>
             <a:r>
               <a:rPr lang="en-US" sz="1600" dirty="0"/>
-              <a:t> class as follows (more on next slide):</a:t>
-            </a:r>
-          </a:p>
-          <a:p>
-            <a:pPr marL="0" indent="0">
-              <a:buNone/>
-            </a:pPr>
+              <a:t> come segue (</a:t>
+            </a:r>
+            <a:r>
+              <a:rPr lang="en-US" sz="1600" dirty="0" err="1"/>
+              <a:t>ulteriori</a:t>
+            </a:r>
+            <a:r>
+              <a:rPr lang="en-US" sz="1600" dirty="0"/>
+              <a:t> </a:t>
+            </a:r>
+            <a:r>
+              <a:rPr lang="en-US" sz="1600" dirty="0" err="1"/>
+              <a:t>informazioni</a:t>
+            </a:r>
+            <a:r>
+              <a:rPr lang="en-US" sz="1600" dirty="0"/>
+              <a:t> </a:t>
+            </a:r>
+            <a:r>
+              <a:rPr lang="en-US" sz="1600" dirty="0" err="1"/>
+              <a:t>nella</a:t>
+            </a:r>
+            <a:r>
+              <a:rPr lang="en-US" sz="1600" dirty="0"/>
+              <a:t> </a:t>
+            </a:r>
+            <a:r>
+              <a:rPr lang="en-US" sz="1600" dirty="0" err="1"/>
+              <a:t>diapositiva</a:t>
+            </a:r>
+            <a:r>
+              <a:rPr lang="en-US" sz="1600" dirty="0"/>
+              <a:t> </a:t>
+            </a:r>
+            <a:r>
+              <a:rPr lang="en-US" sz="1600" dirty="0" err="1"/>
+              <a:t>successiva</a:t>
+            </a:r>
+            <a:r>
+              <a:rPr lang="en-US" sz="1600" dirty="0"/>
+              <a:t>):</a:t>
+            </a:r>
+            <a:br>
+              <a:rPr lang="en-US" sz="1600" dirty="0"/>
+            </a:br>
             <a:r>
               <a:rPr lang="en-GB" sz="1600" dirty="0">
                 <a:solidFill>
@@ -12237,7 +13176,15 @@
           <a:p>
             <a:r>
               <a:rPr lang="en-GB" dirty="0"/>
-              <a:t>Secure queries with </a:t>
+              <a:t>Query </a:t>
+            </a:r>
+            <a:r>
+              <a:rPr lang="en-GB" dirty="0" err="1"/>
+              <a:t>sicure</a:t>
+            </a:r>
+            <a:r>
+              <a:rPr lang="en-GB" dirty="0"/>
+              <a:t> con </a:t>
             </a:r>
             <a:r>
               <a:rPr lang="en-GB" dirty="0" err="1"/>
@@ -12245,16 +13192,29 @@
             </a:r>
             <a:r>
               <a:rPr lang="en-GB" dirty="0"/>
-              <a:t> – new </a:t>
+              <a:t> – </a:t>
+            </a:r>
+            <a:r>
+              <a:rPr lang="en-GB" dirty="0" err="1"/>
+              <a:t>nuova</a:t>
+            </a:r>
+            <a:r>
+              <a:rPr lang="en-GB" dirty="0"/>
+              <a:t> </a:t>
+            </a:r>
+            <a:r>
+              <a:rPr lang="en-GB" dirty="0" err="1"/>
+              <a:t>implementazione</a:t>
+            </a:r>
+            <a:r>
+              <a:rPr lang="en-GB" dirty="0"/>
+              <a:t> </a:t>
             </a:r>
             <a:r>
               <a:rPr lang="en-GB" dirty="0" err="1"/>
               <a:t>NoteEndpoint</a:t>
             </a:r>
-            <a:r>
-              <a:rPr lang="en-GB" dirty="0"/>
-              <a:t> implementation (3/3)</a:t>
-            </a:r>
+            <a:endParaRPr lang="en-GB" dirty="0"/>
           </a:p>
         </p:txBody>
       </p:sp>
@@ -12287,8 +13247,20 @@
           <a:lstStyle/>
           <a:p>
             <a:r>
+              <a:rPr lang="en-US" sz="1600" dirty="0" err="1"/>
+              <a:t>Modificare</a:t>
+            </a:r>
+            <a:r>
               <a:rPr lang="en-US" sz="1600" dirty="0"/>
-              <a:t>Change the </a:t>
+              <a:t> il </a:t>
+            </a:r>
+            <a:r>
+              <a:rPr lang="en-US" sz="1600" dirty="0" err="1"/>
+              <a:t>metodo</a:t>
+            </a:r>
+            <a:r>
+              <a:rPr lang="en-US" sz="1600" dirty="0"/>
+              <a:t> </a:t>
             </a:r>
             <a:r>
               <a:rPr lang="en-US" sz="1600" dirty="0" err="1"/>
@@ -12296,7 +13268,23 @@
             </a:r>
             <a:r>
               <a:rPr lang="en-US" sz="1600" dirty="0"/>
-              <a:t> method in the </a:t>
+              <a:t> </a:t>
+            </a:r>
+            <a:r>
+              <a:rPr lang="en-US" sz="1600" dirty="0" err="1"/>
+              <a:t>nella</a:t>
+            </a:r>
+            <a:r>
+              <a:rPr lang="en-US" sz="1600" dirty="0"/>
+              <a:t> </a:t>
+            </a:r>
+            <a:r>
+              <a:rPr lang="en-US" sz="1600" dirty="0" err="1"/>
+              <a:t>classe</a:t>
+            </a:r>
+            <a:r>
+              <a:rPr lang="en-US" sz="1600" dirty="0"/>
+              <a:t> </a:t>
             </a:r>
             <a:r>
               <a:rPr lang="en-US" sz="1600" dirty="0" err="1"/>
@@ -12304,13 +13292,51 @@
             </a:r>
             <a:r>
               <a:rPr lang="en-US" sz="1600" dirty="0"/>
-              <a:t> class as follows (more on next slide):</a:t>
-            </a:r>
-          </a:p>
-          <a:p>
-            <a:pPr marL="0" indent="0">
-              <a:buNone/>
-            </a:pPr>
+              <a:t> come segue (</a:t>
+            </a:r>
+            <a:r>
+              <a:rPr lang="en-US" sz="1600" dirty="0" err="1"/>
+              <a:t>ulteriori</a:t>
+            </a:r>
+            <a:r>
+              <a:rPr lang="en-US" sz="1600" dirty="0"/>
+              <a:t> </a:t>
+            </a:r>
+            <a:r>
+              <a:rPr lang="en-US" sz="1600" dirty="0" err="1"/>
+              <a:t>informazioni</a:t>
+            </a:r>
+            <a:r>
+              <a:rPr lang="en-US" sz="1600" dirty="0"/>
+              <a:t> </a:t>
+            </a:r>
+            <a:r>
+              <a:rPr lang="en-US" sz="1600" dirty="0" err="1"/>
+              <a:t>nella</a:t>
+            </a:r>
+            <a:r>
+              <a:rPr lang="en-US" sz="1600" dirty="0"/>
+              <a:t> </a:t>
+            </a:r>
+            <a:r>
+              <a:rPr lang="en-US" sz="1600" dirty="0" err="1"/>
+              <a:t>diapositiva</a:t>
+            </a:r>
+            <a:r>
+              <a:rPr lang="en-US" sz="1600" dirty="0"/>
+              <a:t> </a:t>
+            </a:r>
+            <a:r>
+              <a:rPr lang="en-US" sz="1600" dirty="0" err="1"/>
+              <a:t>successiva</a:t>
+            </a:r>
+            <a:r>
+              <a:rPr lang="en-US" sz="1600" dirty="0"/>
+              <a:t>):</a:t>
+            </a:r>
+            <a:br>
+              <a:rPr lang="en-US" sz="1600" dirty="0"/>
+            </a:br>
             <a:r>
               <a:rPr lang="en-GB" sz="1600" dirty="0">
                 <a:solidFill>
@@ -13078,7 +14104,15 @@
           <a:p>
             <a:r>
               <a:rPr lang="en-GB" dirty="0"/>
-              <a:t>Secure queries with </a:t>
+              <a:t>Query </a:t>
+            </a:r>
+            <a:r>
+              <a:rPr lang="en-GB" dirty="0" err="1"/>
+              <a:t>sicure</a:t>
+            </a:r>
+            <a:r>
+              <a:rPr lang="en-GB" dirty="0"/>
+              <a:t> con </a:t>
             </a:r>
             <a:r>
               <a:rPr lang="en-GB" dirty="0" err="1"/>
@@ -13111,7 +14145,23 @@
           <a:p>
             <a:r>
               <a:rPr lang="en-GB" dirty="0"/>
-              <a:t>After (re)starting </a:t>
+              <a:t>Dopo aver (</a:t>
+            </a:r>
+            <a:r>
+              <a:rPr lang="en-GB" dirty="0" err="1"/>
+              <a:t>ri</a:t>
+            </a:r>
+            <a:r>
+              <a:rPr lang="en-GB" dirty="0"/>
+              <a:t>)</a:t>
+            </a:r>
+            <a:r>
+              <a:rPr lang="en-GB" dirty="0" err="1"/>
+              <a:t>avviato</a:t>
+            </a:r>
+            <a:r>
+              <a:rPr lang="en-GB" dirty="0"/>
+              <a:t> </a:t>
             </a:r>
             <a:r>
               <a:rPr lang="en-GB" dirty="0" err="1"/>
@@ -13119,40 +14169,274 @@
             </a:r>
             <a:r>
               <a:rPr lang="en-GB" dirty="0"/>
-              <a:t>, all the requests that we could make before should still work.</a:t>
-            </a:r>
-          </a:p>
-          <a:p>
-            <a:endParaRPr lang="en-US" dirty="0"/>
-          </a:p>
-          <a:p>
-            <a:r>
-              <a:rPr lang="en-US" dirty="0"/>
-              <a:t>The </a:t>
-            </a:r>
-            <a:r>
-              <a:rPr lang="en-US" dirty="0" err="1"/>
+              <a:t>, </a:t>
+            </a:r>
+            <a:r>
+              <a:rPr lang="en-GB" dirty="0" err="1"/>
+              <a:t>tutte</a:t>
+            </a:r>
+            <a:r>
+              <a:rPr lang="en-GB" dirty="0"/>
+              <a:t> le </a:t>
+            </a:r>
+            <a:r>
+              <a:rPr lang="en-GB" dirty="0" err="1"/>
+              <a:t>richieste</a:t>
+            </a:r>
+            <a:r>
+              <a:rPr lang="en-GB" dirty="0"/>
+              <a:t> </a:t>
+            </a:r>
+            <a:r>
+              <a:rPr lang="en-GB" dirty="0" err="1"/>
+              <a:t>che</a:t>
+            </a:r>
+            <a:r>
+              <a:rPr lang="en-GB" dirty="0"/>
+              <a:t> </a:t>
+            </a:r>
+            <a:r>
+              <a:rPr lang="en-GB" dirty="0" err="1"/>
+              <a:t>potevamo</a:t>
+            </a:r>
+            <a:r>
+              <a:rPr lang="en-GB" dirty="0"/>
+              <a:t> fare prima </a:t>
+            </a:r>
+            <a:r>
+              <a:rPr lang="en-GB" dirty="0" err="1"/>
+              <a:t>dovrebbero</a:t>
+            </a:r>
+            <a:r>
+              <a:rPr lang="en-GB" dirty="0"/>
+              <a:t> </a:t>
+            </a:r>
+            <a:r>
+              <a:rPr lang="en-GB" dirty="0" err="1"/>
+              <a:t>ancora</a:t>
+            </a:r>
+            <a:r>
+              <a:rPr lang="en-GB" dirty="0"/>
+              <a:t> </a:t>
+            </a:r>
+            <a:r>
+              <a:rPr lang="en-GB" dirty="0" err="1"/>
+              <a:t>funzionare</a:t>
+            </a:r>
+            <a:r>
+              <a:rPr lang="en-GB" dirty="0"/>
+              <a:t>.
+</a:t>
+            </a:r>
+            <a:r>
+              <a:rPr lang="en-GB" dirty="0" err="1"/>
+              <a:t>L'oggetto</a:t>
+            </a:r>
+            <a:r>
+              <a:rPr lang="en-GB" dirty="0"/>
+              <a:t> </a:t>
+            </a:r>
+            <a:r>
+              <a:rPr lang="en-GB" dirty="0" err="1"/>
               <a:t>JdbcTemplate</a:t>
             </a:r>
             <a:r>
-              <a:rPr lang="en-US" dirty="0"/>
-              <a:t> object creates prepared statements internally.</a:t>
-            </a:r>
-          </a:p>
-          <a:p>
-            <a:r>
-              <a:rPr lang="en-US" dirty="0"/>
-              <a:t>This means that the SQL query strings, like </a:t>
-            </a:r>
-            <a:r>
               <a:rPr lang="en-GB" dirty="0"/>
-              <a:t>SQL_INSERT etc., are parsed before the question marks (“?”) are filled in. </a:t>
-            </a:r>
-          </a:p>
-          <a:p>
+              <a:t> </a:t>
+            </a:r>
+            <a:r>
+              <a:rPr lang="en-GB" dirty="0" err="1"/>
+              <a:t>crea</a:t>
+            </a:r>
             <a:r>
               <a:rPr lang="en-GB" dirty="0"/>
-              <a:t>This prevents SQL injection attacks, a common vulnerability in APIs.</a:t>
+              <a:t> </a:t>
+            </a:r>
+            <a:r>
+              <a:rPr lang="en-GB" dirty="0" err="1"/>
+              <a:t>internamente</a:t>
+            </a:r>
+            <a:r>
+              <a:rPr lang="en-GB" dirty="0"/>
+              <a:t> </a:t>
+            </a:r>
+            <a:r>
+              <a:rPr lang="en-GB" dirty="0" err="1"/>
+              <a:t>istruzioni</a:t>
+            </a:r>
+            <a:r>
+              <a:rPr lang="en-GB" dirty="0"/>
+              <a:t> preparate.
+</a:t>
+            </a:r>
+            <a:r>
+              <a:rPr lang="en-GB" dirty="0" err="1"/>
+              <a:t>Ciò</a:t>
+            </a:r>
+            <a:r>
+              <a:rPr lang="en-GB" dirty="0"/>
+              <a:t> </a:t>
+            </a:r>
+            <a:r>
+              <a:rPr lang="en-GB" dirty="0" err="1"/>
+              <a:t>significa</a:t>
+            </a:r>
+            <a:r>
+              <a:rPr lang="en-GB" dirty="0"/>
+              <a:t> </a:t>
+            </a:r>
+            <a:r>
+              <a:rPr lang="en-GB" dirty="0" err="1"/>
+              <a:t>che</a:t>
+            </a:r>
+            <a:r>
+              <a:rPr lang="en-GB" dirty="0"/>
+              <a:t> le </a:t>
+            </a:r>
+            <a:r>
+              <a:rPr lang="en-GB" dirty="0" err="1"/>
+              <a:t>stringhe</a:t>
+            </a:r>
+            <a:r>
+              <a:rPr lang="en-GB" dirty="0"/>
+              <a:t> di query SQL, come SQL_INSERT </a:t>
+            </a:r>
+            <a:r>
+              <a:rPr lang="en-GB" dirty="0" err="1"/>
+              <a:t>ecc</a:t>
+            </a:r>
+            <a:r>
+              <a:rPr lang="en-GB" dirty="0"/>
+              <a:t>., </a:t>
+            </a:r>
+            <a:r>
+              <a:rPr lang="en-GB" dirty="0" err="1"/>
+              <a:t>vengono</a:t>
+            </a:r>
+            <a:r>
+              <a:rPr lang="en-GB" dirty="0"/>
+              <a:t> </a:t>
+            </a:r>
+            <a:r>
+              <a:rPr lang="en-GB" dirty="0" err="1"/>
+              <a:t>analizzate</a:t>
+            </a:r>
+            <a:r>
+              <a:rPr lang="en-GB" dirty="0"/>
+              <a:t> prima </a:t>
+            </a:r>
+            <a:r>
+              <a:rPr lang="en-GB" dirty="0" err="1"/>
+              <a:t>che</a:t>
+            </a:r>
+            <a:r>
+              <a:rPr lang="en-GB" dirty="0"/>
+              <a:t> </a:t>
+            </a:r>
+            <a:r>
+              <a:rPr lang="en-GB" dirty="0" err="1"/>
+              <a:t>i</a:t>
+            </a:r>
+            <a:r>
+              <a:rPr lang="en-GB" dirty="0"/>
+              <a:t> </a:t>
+            </a:r>
+            <a:r>
+              <a:rPr lang="en-GB" dirty="0" err="1"/>
+              <a:t>punti</a:t>
+            </a:r>
+            <a:r>
+              <a:rPr lang="en-GB" dirty="0"/>
+              <a:t> </a:t>
+            </a:r>
+            <a:r>
+              <a:rPr lang="en-GB" dirty="0" err="1"/>
+              <a:t>interrogativi</a:t>
+            </a:r>
+            <a:r>
+              <a:rPr lang="en-GB" dirty="0"/>
+              <a:t> ("?") </a:t>
+            </a:r>
+            <a:r>
+              <a:rPr lang="en-GB" dirty="0" err="1"/>
+              <a:t>vengano</a:t>
+            </a:r>
+            <a:r>
+              <a:rPr lang="en-GB" dirty="0"/>
+              <a:t> </a:t>
+            </a:r>
+            <a:r>
+              <a:rPr lang="en-GB" dirty="0" err="1"/>
+              <a:t>compilati</a:t>
+            </a:r>
+            <a:r>
+              <a:rPr lang="en-GB" dirty="0"/>
+              <a:t>. 
+</a:t>
+            </a:r>
+            <a:r>
+              <a:rPr lang="en-GB" dirty="0" err="1"/>
+              <a:t>Ciò</a:t>
+            </a:r>
+            <a:r>
+              <a:rPr lang="en-GB" dirty="0"/>
+              <a:t> </a:t>
+            </a:r>
+            <a:r>
+              <a:rPr lang="en-GB" dirty="0" err="1"/>
+              <a:t>impedisce</a:t>
+            </a:r>
+            <a:r>
+              <a:rPr lang="en-GB" dirty="0"/>
+              <a:t> </a:t>
+            </a:r>
+            <a:r>
+              <a:rPr lang="en-GB" dirty="0" err="1"/>
+              <a:t>gli</a:t>
+            </a:r>
+            <a:r>
+              <a:rPr lang="en-GB" dirty="0"/>
+              <a:t> </a:t>
+            </a:r>
+            <a:r>
+              <a:rPr lang="en-GB" dirty="0" err="1"/>
+              <a:t>attacchi</a:t>
+            </a:r>
+            <a:r>
+              <a:rPr lang="en-GB" dirty="0"/>
+              <a:t> SQL injection, </a:t>
+            </a:r>
+            <a:r>
+              <a:rPr lang="en-GB" dirty="0" err="1"/>
+              <a:t>una</a:t>
+            </a:r>
+            <a:r>
+              <a:rPr lang="en-GB" dirty="0"/>
+              <a:t> </a:t>
+            </a:r>
+            <a:r>
+              <a:rPr lang="en-GB" dirty="0" err="1"/>
+              <a:t>vulnerabilità</a:t>
+            </a:r>
+            <a:r>
+              <a:rPr lang="en-GB" dirty="0"/>
+              <a:t> </a:t>
+            </a:r>
+            <a:r>
+              <a:rPr lang="en-GB" dirty="0" err="1"/>
+              <a:t>comune</a:t>
+            </a:r>
+            <a:r>
+              <a:rPr lang="en-GB" dirty="0"/>
+              <a:t> </a:t>
+            </a:r>
+            <a:r>
+              <a:rPr lang="en-GB" dirty="0" err="1"/>
+              <a:t>nelle</a:t>
+            </a:r>
+            <a:r>
+              <a:rPr lang="en-GB" dirty="0"/>
+              <a:t> API.</a:t>
             </a:r>
             <a:endParaRPr lang="en-US" dirty="0"/>
           </a:p>
@@ -13218,8 +14502,13 @@
           <a:p>
             <a:r>
               <a:rPr lang="en-GB" dirty="0"/>
-              <a:t>Advanced SQL</a:t>
-            </a:r>
+              <a:t>SQL </a:t>
+            </a:r>
+            <a:r>
+              <a:rPr lang="en-GB" dirty="0" err="1"/>
+              <a:t>avanzato</a:t>
+            </a:r>
+            <a:endParaRPr lang="en-GB" dirty="0"/>
           </a:p>
         </p:txBody>
       </p:sp>
@@ -13275,8 +14564,28 @@
           <a:lstStyle/>
           <a:p>
             <a:r>
+              <a:rPr lang="en-US" dirty="0" err="1"/>
+              <a:t>Preparazione</a:t>
+            </a:r>
+            <a:r>
               <a:rPr lang="en-US" dirty="0"/>
-              <a:t>Preparation – Schema Creation</a:t>
+              <a:t> – </a:t>
+            </a:r>
+            <a:r>
+              <a:rPr lang="en-US" dirty="0" err="1"/>
+              <a:t>Creazione</a:t>
+            </a:r>
+            <a:r>
+              <a:rPr lang="en-US" dirty="0"/>
+              <a:t> </a:t>
+            </a:r>
+            <a:r>
+              <a:rPr lang="en-US" dirty="0" err="1"/>
+              <a:t>dello</a:t>
+            </a:r>
+            <a:r>
+              <a:rPr lang="en-US" dirty="0"/>
+              <a:t> schema</a:t>
             </a:r>
           </a:p>
         </p:txBody>
@@ -13305,8 +14614,12 @@
           <a:lstStyle/>
           <a:p>
             <a:r>
+              <a:rPr lang="en-US" sz="1600" dirty="0" err="1"/>
+              <a:t>Tornare</a:t>
+            </a:r>
+            <a:r>
               <a:rPr lang="en-US" sz="1600" dirty="0"/>
-              <a:t>Go back to </a:t>
+              <a:t> a </a:t>
             </a:r>
             <a:r>
               <a:rPr lang="en-US" sz="1600" dirty="0" err="1"/>
@@ -13314,13 +14627,27 @@
             </a:r>
             <a:r>
               <a:rPr lang="en-US" sz="1600" dirty="0"/>
-              <a:t> and execute the following SQL:</a:t>
-            </a:r>
-          </a:p>
-          <a:p>
-            <a:pPr marL="0" indent="0">
-              <a:buNone/>
-            </a:pPr>
+              <a:t> ed </a:t>
+            </a:r>
+            <a:r>
+              <a:rPr lang="en-US" sz="1600" dirty="0" err="1"/>
+              <a:t>eseguire</a:t>
+            </a:r>
+            <a:r>
+              <a:rPr lang="en-US" sz="1600" dirty="0"/>
+              <a:t> il </a:t>
+            </a:r>
+            <a:r>
+              <a:rPr lang="en-US" sz="1600" dirty="0" err="1"/>
+              <a:t>seguente</a:t>
+            </a:r>
+            <a:r>
+              <a:rPr lang="en-US" sz="1600" dirty="0"/>
+              <a:t> SQL:</a:t>
+            </a:r>
+            <a:br>
+              <a:rPr lang="en-US" sz="1600" dirty="0"/>
+            </a:br>
             <a:r>
               <a:rPr lang="en-US" sz="1600" dirty="0">
                 <a:solidFill>
@@ -13838,9 +15165,18 @@
           <a:lstStyle/>
           <a:p>
             <a:r>
+              <a:rPr lang="en-US" dirty="0" err="1"/>
+              <a:t>Preparazione</a:t>
+            </a:r>
+            <a:r>
               <a:rPr lang="en-US" dirty="0"/>
-              <a:t>Preparation – Data</a:t>
-            </a:r>
+              <a:t> – </a:t>
+            </a:r>
+            <a:r>
+              <a:rPr lang="en-US" dirty="0" err="1"/>
+              <a:t>Dati</a:t>
+            </a:r>
+            <a:endParaRPr lang="en-US" dirty="0"/>
           </a:p>
         </p:txBody>
       </p:sp>
@@ -13868,14 +15204,48 @@
           <a:lstStyle/>
           <a:p>
             <a:r>
+              <a:rPr lang="en-US" sz="1600" dirty="0" err="1"/>
+              <a:t>Eseguire</a:t>
+            </a:r>
+            <a:r>
               <a:rPr lang="en-US" sz="1600" dirty="0"/>
-              <a:t>Execute the following SQL to insert the data:</a:t>
-            </a:r>
-          </a:p>
-          <a:p>
-            <a:pPr marL="0" indent="0">
-              <a:buNone/>
-            </a:pPr>
+              <a:t> il </a:t>
+            </a:r>
+            <a:r>
+              <a:rPr lang="en-US" sz="1600" dirty="0" err="1"/>
+              <a:t>seguente</a:t>
+            </a:r>
+            <a:r>
+              <a:rPr lang="en-US" sz="1600" dirty="0"/>
+              <a:t> SQL per </a:t>
+            </a:r>
+            <a:r>
+              <a:rPr lang="en-US" sz="1600" dirty="0" err="1"/>
+              <a:t>inserire</a:t>
+            </a:r>
+            <a:r>
+              <a:rPr lang="en-US" sz="1600" dirty="0"/>
+              <a:t> </a:t>
+            </a:r>
+            <a:r>
+              <a:rPr lang="en-US" sz="1600" dirty="0" err="1"/>
+              <a:t>i</a:t>
+            </a:r>
+            <a:r>
+              <a:rPr lang="en-US" sz="1600" dirty="0"/>
+              <a:t> </a:t>
+            </a:r>
+            <a:r>
+              <a:rPr lang="en-US" sz="1600" dirty="0" err="1"/>
+              <a:t>dati</a:t>
+            </a:r>
+            <a:r>
+              <a:rPr lang="en-US" sz="1600" dirty="0"/>
+              <a:t>:</a:t>
+            </a:r>
+            <a:br>
+              <a:rPr lang="en-US" sz="1600" dirty="0"/>
+            </a:br>
             <a:r>
               <a:rPr lang="en-US" sz="1600" dirty="0">
                 <a:solidFill>
@@ -14693,25 +16063,141 @@
           <a:p>
             <a:r>
               <a:rPr lang="en-US" dirty="0"/>
-              <a:t>A join links two tables, based on something they have in common.</a:t>
-            </a:r>
-          </a:p>
-          <a:p>
+              <a:t>Un join </a:t>
+            </a:r>
+            <a:r>
+              <a:rPr lang="en-US" dirty="0" err="1"/>
+              <a:t>collega</a:t>
+            </a:r>
             <a:r>
               <a:rPr lang="en-US" dirty="0"/>
-              <a:t>Often the common thing is a foreign key relationship, but not necessarily.</a:t>
-            </a:r>
-          </a:p>
-          <a:p>
+              <a:t> due </a:t>
+            </a:r>
+            <a:r>
+              <a:rPr lang="en-US" dirty="0" err="1"/>
+              <a:t>tabelle</a:t>
+            </a:r>
             <a:r>
               <a:rPr lang="en-US" dirty="0"/>
-              <a:t>Basic join example:</a:t>
-            </a:r>
-          </a:p>
-          <a:p>
-            <a:pPr marL="0" indent="0">
-              <a:buNone/>
-            </a:pPr>
+              <a:t>, in base a </a:t>
+            </a:r>
+            <a:r>
+              <a:rPr lang="en-US" dirty="0" err="1"/>
+              <a:t>qualcosa</a:t>
+            </a:r>
+            <a:r>
+              <a:rPr lang="en-US" dirty="0"/>
+              <a:t> </a:t>
+            </a:r>
+            <a:r>
+              <a:rPr lang="en-US" dirty="0" err="1"/>
+              <a:t>che</a:t>
+            </a:r>
+            <a:r>
+              <a:rPr lang="en-US" dirty="0"/>
+              <a:t> </a:t>
+            </a:r>
+            <a:r>
+              <a:rPr lang="en-US" dirty="0" err="1"/>
+              <a:t>hanno</a:t>
+            </a:r>
+            <a:r>
+              <a:rPr lang="en-US" dirty="0"/>
+              <a:t> in </a:t>
+            </a:r>
+            <a:r>
+              <a:rPr lang="en-US" dirty="0" err="1"/>
+              <a:t>comune</a:t>
+            </a:r>
+            <a:r>
+              <a:rPr lang="en-US" dirty="0"/>
+              <a:t>.
+</a:t>
+            </a:r>
+            <a:r>
+              <a:rPr lang="en-US" dirty="0" err="1"/>
+              <a:t>Spesso</a:t>
+            </a:r>
+            <a:r>
+              <a:rPr lang="en-US" dirty="0"/>
+              <a:t> la </a:t>
+            </a:r>
+            <a:r>
+              <a:rPr lang="en-US" dirty="0" err="1"/>
+              <a:t>cosa</a:t>
+            </a:r>
+            <a:r>
+              <a:rPr lang="en-US" dirty="0"/>
+              <a:t> </a:t>
+            </a:r>
+            <a:r>
+              <a:rPr lang="en-US" dirty="0" err="1"/>
+              <a:t>comune</a:t>
+            </a:r>
+            <a:r>
+              <a:rPr lang="en-US" dirty="0"/>
+              <a:t> </a:t>
+            </a:r>
+            <a:r>
+              <a:rPr lang="en-US" dirty="0" err="1"/>
+              <a:t>è</a:t>
+            </a:r>
+            <a:r>
+              <a:rPr lang="en-US" dirty="0"/>
+              <a:t> </a:t>
+            </a:r>
+            <a:r>
+              <a:rPr lang="en-US" dirty="0" err="1"/>
+              <a:t>una</a:t>
+            </a:r>
+            <a:r>
+              <a:rPr lang="en-US" dirty="0"/>
+              <a:t> </a:t>
+            </a:r>
+            <a:r>
+              <a:rPr lang="en-US" dirty="0" err="1"/>
+              <a:t>relazione</a:t>
+            </a:r>
+            <a:r>
+              <a:rPr lang="en-US" dirty="0"/>
+              <a:t> </a:t>
+            </a:r>
+            <a:r>
+              <a:rPr lang="en-US" dirty="0" err="1"/>
+              <a:t>chiave</a:t>
+            </a:r>
+            <a:r>
+              <a:rPr lang="en-US" dirty="0"/>
+              <a:t> </a:t>
+            </a:r>
+            <a:r>
+              <a:rPr lang="en-US" dirty="0" err="1"/>
+              <a:t>esterna</a:t>
+            </a:r>
+            <a:r>
+              <a:rPr lang="en-US" dirty="0"/>
+              <a:t>, ma non </a:t>
+            </a:r>
+            <a:r>
+              <a:rPr lang="en-US" dirty="0" err="1"/>
+              <a:t>necessariamente</a:t>
+            </a:r>
+            <a:r>
+              <a:rPr lang="en-US" dirty="0"/>
+              <a:t>.
+</a:t>
+            </a:r>
+            <a:r>
+              <a:rPr lang="en-US" dirty="0" err="1"/>
+              <a:t>Esempio</a:t>
+            </a:r>
+            <a:r>
+              <a:rPr lang="en-US" dirty="0"/>
+              <a:t> di join di base:</a:t>
+            </a:r>
+            <a:br>
+              <a:rPr lang="en-US" dirty="0"/>
+            </a:br>
             <a:r>
               <a:rPr lang="en-US" dirty="0">
                 <a:solidFill>
@@ -14829,7 +16315,7 @@
           <a:p>
             <a:r>
               <a:rPr lang="en-US" dirty="0"/>
-              <a:t>Group By and Having (1/2)</a:t>
+              <a:t>Group By and Having</a:t>
             </a:r>
           </a:p>
         </p:txBody>
@@ -14859,219 +16345,472 @@
           <a:p>
             <a:r>
               <a:rPr lang="en-US" dirty="0"/>
-              <a:t>The “GROUP BY” clause allows combining data from multiple rows.</a:t>
+              <a:t>La </a:t>
+            </a:r>
+            <a:r>
+              <a:rPr lang="en-US" dirty="0" err="1"/>
+              <a:t>clausola</a:t>
+            </a:r>
+            <a:r>
+              <a:rPr lang="en-US" dirty="0"/>
+              <a:t> "GROUP BY" </a:t>
+            </a:r>
+            <a:r>
+              <a:rPr lang="en-US" dirty="0" err="1"/>
+              <a:t>consente</a:t>
+            </a:r>
+            <a:r>
+              <a:rPr lang="en-US" dirty="0"/>
+              <a:t> di </a:t>
+            </a:r>
+            <a:r>
+              <a:rPr lang="en-US" dirty="0" err="1"/>
+              <a:t>combinare</a:t>
+            </a:r>
+            <a:r>
+              <a:rPr lang="en-US" dirty="0"/>
+              <a:t> </a:t>
+            </a:r>
+            <a:r>
+              <a:rPr lang="en-US" dirty="0" err="1"/>
+              <a:t>i</a:t>
+            </a:r>
+            <a:r>
+              <a:rPr lang="en-US" dirty="0"/>
+              <a:t> </a:t>
+            </a:r>
+            <a:r>
+              <a:rPr lang="en-US" dirty="0" err="1"/>
+              <a:t>dati</a:t>
+            </a:r>
+            <a:r>
+              <a:rPr lang="en-US" dirty="0"/>
+              <a:t> di </a:t>
+            </a:r>
+            <a:r>
+              <a:rPr lang="en-US" dirty="0" err="1"/>
+              <a:t>più</a:t>
+            </a:r>
+            <a:r>
+              <a:rPr lang="en-US" dirty="0"/>
+              <a:t> </a:t>
+            </a:r>
+            <a:r>
+              <a:rPr lang="en-US" dirty="0" err="1"/>
+              <a:t>righe</a:t>
+            </a:r>
+            <a:r>
+              <a:rPr lang="en-US" dirty="0"/>
+              <a:t>.
+I </a:t>
+            </a:r>
+            <a:r>
+              <a:rPr lang="en-US" dirty="0" err="1"/>
+              <a:t>dati</a:t>
+            </a:r>
+            <a:r>
+              <a:rPr lang="en-US" dirty="0"/>
+              <a:t> </a:t>
+            </a:r>
+            <a:r>
+              <a:rPr lang="en-US" dirty="0" err="1"/>
+              <a:t>provenienti</a:t>
+            </a:r>
+            <a:r>
+              <a:rPr lang="en-US" dirty="0"/>
+              <a:t> da </a:t>
+            </a:r>
+            <a:r>
+              <a:rPr lang="en-US" dirty="0" err="1"/>
+              <a:t>più</a:t>
+            </a:r>
+            <a:r>
+              <a:rPr lang="en-US" dirty="0"/>
+              <a:t> </a:t>
+            </a:r>
+            <a:r>
+              <a:rPr lang="en-US" dirty="0" err="1"/>
+              <a:t>righe</a:t>
+            </a:r>
+            <a:r>
+              <a:rPr lang="en-US" dirty="0"/>
+              <a:t> </a:t>
+            </a:r>
+            <a:r>
+              <a:rPr lang="en-US" dirty="0" err="1"/>
+              <a:t>possono</a:t>
+            </a:r>
+            <a:r>
+              <a:rPr lang="en-US" dirty="0"/>
+              <a:t> </a:t>
+            </a:r>
+            <a:r>
+              <a:rPr lang="en-US" dirty="0" err="1"/>
+              <a:t>essere</a:t>
+            </a:r>
+            <a:r>
+              <a:rPr lang="en-US" dirty="0"/>
+              <a:t> </a:t>
+            </a:r>
+            <a:r>
+              <a:rPr lang="en-US" dirty="0" err="1"/>
+              <a:t>combinati</a:t>
+            </a:r>
+            <a:r>
+              <a:rPr lang="en-US" dirty="0"/>
+              <a:t> con </a:t>
+            </a:r>
+            <a:r>
+              <a:rPr lang="en-US" dirty="0" err="1"/>
+              <a:t>varie</a:t>
+            </a:r>
+            <a:r>
+              <a:rPr lang="en-US" dirty="0"/>
+              <a:t> "</a:t>
+            </a:r>
+            <a:r>
+              <a:rPr lang="en-US" dirty="0" err="1"/>
+              <a:t>funzioni</a:t>
+            </a:r>
+            <a:r>
+              <a:rPr lang="en-US" dirty="0"/>
+              <a:t> di </a:t>
+            </a:r>
+            <a:r>
+              <a:rPr lang="en-US" dirty="0" err="1"/>
+              <a:t>aggregazione</a:t>
+            </a:r>
+            <a:r>
+              <a:rPr lang="en-US" dirty="0"/>
+              <a:t>", ad </a:t>
+            </a:r>
+            <a:r>
+              <a:rPr lang="en-US" dirty="0" err="1"/>
+              <a:t>esempio</a:t>
+            </a:r>
+            <a:r>
+              <a:rPr lang="en-US" dirty="0"/>
+              <a:t> con SUM, COUNT, AVG e </a:t>
+            </a:r>
+            <a:r>
+              <a:rPr lang="en-US" dirty="0" err="1"/>
+              <a:t>altro</a:t>
+            </a:r>
+            <a:r>
+              <a:rPr lang="en-US" dirty="0"/>
+              <a:t>. 
+Questa query </a:t>
+            </a:r>
+            <a:r>
+              <a:rPr lang="en-US" dirty="0" err="1"/>
+              <a:t>calcola</a:t>
+            </a:r>
+            <a:r>
+              <a:rPr lang="en-US" dirty="0"/>
+              <a:t> lo </a:t>
+            </a:r>
+            <a:r>
+              <a:rPr lang="en-US" dirty="0" err="1"/>
+              <a:t>stipendio</a:t>
+            </a:r>
+            <a:r>
+              <a:rPr lang="en-US" dirty="0"/>
+              <a:t> medio per </a:t>
+            </a:r>
+            <a:r>
+              <a:rPr lang="en-US" dirty="0" err="1"/>
+              <a:t>ogni</a:t>
+            </a:r>
+            <a:r>
+              <a:rPr lang="en-US" dirty="0"/>
+              <a:t> </a:t>
+            </a:r>
+            <a:r>
+              <a:rPr lang="en-US" dirty="0" err="1"/>
+              <a:t>reparto</a:t>
+            </a:r>
+            <a:r>
+              <a:rPr lang="en-US" dirty="0"/>
+              <a:t>:</a:t>
+            </a:r>
+            <a:br>
+              <a:rPr lang="en-US" dirty="0"/>
+            </a:br>
+            <a:r>
+              <a:rPr lang="en-US" dirty="0">
+                <a:solidFill>
+                  <a:srgbClr val="00B050"/>
+                </a:solidFill>
+                <a:highlight>
+                  <a:srgbClr val="000000"/>
+                </a:highlight>
+                <a:latin typeface="Courier" pitchFamily="2" charset="0"/>
+              </a:rPr>
+              <a:t>SELECT </a:t>
+            </a:r>
+            <a:r>
+              <a:rPr lang="en-US" dirty="0" err="1">
+                <a:solidFill>
+                  <a:srgbClr val="00B050"/>
+                </a:solidFill>
+                <a:highlight>
+                  <a:srgbClr val="000000"/>
+                </a:highlight>
+                <a:latin typeface="Courier" pitchFamily="2" charset="0"/>
+              </a:rPr>
+              <a:t>dep_id</a:t>
+            </a:r>
+            <a:r>
+              <a:rPr lang="en-US" dirty="0">
+                <a:solidFill>
+                  <a:srgbClr val="00B050"/>
+                </a:solidFill>
+                <a:highlight>
+                  <a:srgbClr val="000000"/>
+                </a:highlight>
+                <a:latin typeface="Courier" pitchFamily="2" charset="0"/>
+              </a:rPr>
+              <a:t>, AVG(salary) FROM employee GROUP BY </a:t>
+            </a:r>
+            <a:r>
+              <a:rPr lang="en-US" dirty="0" err="1">
+                <a:solidFill>
+                  <a:srgbClr val="00B050"/>
+                </a:solidFill>
+                <a:highlight>
+                  <a:srgbClr val="000000"/>
+                </a:highlight>
+                <a:latin typeface="Courier" pitchFamily="2" charset="0"/>
+              </a:rPr>
+              <a:t>dep_id</a:t>
+            </a:r>
+            <a:r>
+              <a:rPr lang="en-US" dirty="0">
+                <a:solidFill>
+                  <a:srgbClr val="00B050"/>
+                </a:solidFill>
+                <a:highlight>
+                  <a:srgbClr val="000000"/>
+                </a:highlight>
+                <a:latin typeface="Courier" pitchFamily="2" charset="0"/>
+              </a:rPr>
+              <a:t>;</a:t>
             </a:r>
           </a:p>
           <a:p>
             <a:r>
               <a:rPr lang="en-US" dirty="0"/>
-              <a:t>Data from multiple rows can be combined with various “Aggregate Functions”, for example with SUM, COUNT, AVG and more. </a:t>
+              <a:t>Per </a:t>
+            </a:r>
+            <a:r>
+              <a:rPr lang="en-US" dirty="0" err="1"/>
+              <a:t>renderlo</a:t>
+            </a:r>
+            <a:r>
+              <a:rPr lang="en-US" dirty="0"/>
+              <a:t> </a:t>
+            </a:r>
+            <a:r>
+              <a:rPr lang="en-US" dirty="0" err="1"/>
+              <a:t>più</a:t>
+            </a:r>
+            <a:r>
+              <a:rPr lang="en-US" dirty="0"/>
+              <a:t> facile da </a:t>
+            </a:r>
+            <a:r>
+              <a:rPr lang="en-US" dirty="0" err="1"/>
+              <a:t>usare</a:t>
+            </a:r>
+            <a:r>
+              <a:rPr lang="en-US" dirty="0"/>
+              <a:t>, </a:t>
+            </a:r>
+            <a:r>
+              <a:rPr lang="en-US" dirty="0" err="1"/>
+              <a:t>aggiungiamo</a:t>
+            </a:r>
+            <a:r>
+              <a:rPr lang="en-US" dirty="0"/>
+              <a:t> il </a:t>
+            </a:r>
+            <a:r>
+              <a:rPr lang="en-US" dirty="0" err="1"/>
+              <a:t>nome</a:t>
+            </a:r>
+            <a:r>
+              <a:rPr lang="en-US" dirty="0"/>
+              <a:t> del </a:t>
+            </a:r>
+            <a:r>
+              <a:rPr lang="en-US" dirty="0" err="1"/>
+              <a:t>reparto</a:t>
+            </a:r>
+            <a:r>
+              <a:rPr lang="en-US" dirty="0"/>
+              <a:t>:</a:t>
+            </a:r>
+            <a:br>
+              <a:rPr lang="en-US" dirty="0"/>
+            </a:br>
+            <a:r>
+              <a:rPr lang="en-US" dirty="0">
+                <a:solidFill>
+                  <a:srgbClr val="00B050"/>
+                </a:solidFill>
+                <a:highlight>
+                  <a:srgbClr val="000000"/>
+                </a:highlight>
+                <a:latin typeface="Courier" pitchFamily="2" charset="0"/>
+              </a:rPr>
+              <a:t>SELECT </a:t>
+            </a:r>
+            <a:r>
+              <a:rPr lang="en-US" dirty="0" err="1">
+                <a:solidFill>
+                  <a:srgbClr val="00B050"/>
+                </a:solidFill>
+                <a:highlight>
+                  <a:srgbClr val="000000"/>
+                </a:highlight>
+                <a:latin typeface="Courier" pitchFamily="2" charset="0"/>
+              </a:rPr>
+              <a:t>department.name</a:t>
+            </a:r>
+            <a:r>
+              <a:rPr lang="en-US" dirty="0">
+                <a:solidFill>
+                  <a:srgbClr val="00B050"/>
+                </a:solidFill>
+                <a:highlight>
+                  <a:srgbClr val="000000"/>
+                </a:highlight>
+                <a:latin typeface="Courier" pitchFamily="2" charset="0"/>
+              </a:rPr>
+              <a:t>, AVG(salary) FROM employee JOIN department ON </a:t>
+            </a:r>
+            <a:r>
+              <a:rPr lang="en-US" dirty="0" err="1">
+                <a:solidFill>
+                  <a:srgbClr val="00B050"/>
+                </a:solidFill>
+                <a:highlight>
+                  <a:srgbClr val="000000"/>
+                </a:highlight>
+                <a:latin typeface="Courier" pitchFamily="2" charset="0"/>
+              </a:rPr>
+              <a:t>employee.dep_id</a:t>
+            </a:r>
+            <a:r>
+              <a:rPr lang="en-US" dirty="0">
+                <a:solidFill>
+                  <a:srgbClr val="00B050"/>
+                </a:solidFill>
+                <a:highlight>
+                  <a:srgbClr val="000000"/>
+                </a:highlight>
+                <a:latin typeface="Courier" pitchFamily="2" charset="0"/>
+              </a:rPr>
+              <a:t> = </a:t>
+            </a:r>
+            <a:r>
+              <a:rPr lang="en-US" dirty="0" err="1">
+                <a:solidFill>
+                  <a:srgbClr val="00B050"/>
+                </a:solidFill>
+                <a:highlight>
+                  <a:srgbClr val="000000"/>
+                </a:highlight>
+                <a:latin typeface="Courier" pitchFamily="2" charset="0"/>
+              </a:rPr>
+              <a:t>department.id</a:t>
+            </a:r>
+            <a:r>
+              <a:rPr lang="en-US" dirty="0">
+                <a:solidFill>
+                  <a:srgbClr val="00B050"/>
+                </a:solidFill>
+                <a:highlight>
+                  <a:srgbClr val="000000"/>
+                </a:highlight>
+                <a:latin typeface="Courier" pitchFamily="2" charset="0"/>
+              </a:rPr>
+              <a:t> GROUP BY </a:t>
+            </a:r>
+            <a:r>
+              <a:rPr lang="en-US" dirty="0" err="1">
+                <a:solidFill>
+                  <a:srgbClr val="00B050"/>
+                </a:solidFill>
+                <a:highlight>
+                  <a:srgbClr val="000000"/>
+                </a:highlight>
+                <a:latin typeface="Courier" pitchFamily="2" charset="0"/>
+              </a:rPr>
+              <a:t>dep_id</a:t>
+            </a:r>
+            <a:r>
+              <a:rPr lang="en-US" dirty="0">
+                <a:solidFill>
+                  <a:srgbClr val="00B050"/>
+                </a:solidFill>
+                <a:highlight>
+                  <a:srgbClr val="000000"/>
+                </a:highlight>
+                <a:latin typeface="Courier" pitchFamily="2" charset="0"/>
+              </a:rPr>
+              <a:t>;</a:t>
             </a:r>
           </a:p>
           <a:p>
             <a:r>
+              <a:rPr lang="en-US" dirty="0" err="1"/>
+              <a:t>Filtriamo</a:t>
+            </a:r>
+            <a:r>
               <a:rPr lang="en-US" dirty="0"/>
-              <a:t>This query calculates the average salary for each department:</a:t>
-            </a:r>
-          </a:p>
-          <a:p>
-            <a:pPr marL="0" indent="0">
-              <a:buNone/>
-            </a:pPr>
-            <a:r>
-              <a:rPr lang="en-US" dirty="0">
-                <a:solidFill>
-                  <a:srgbClr val="00B050"/>
-                </a:solidFill>
-                <a:highlight>
-                  <a:srgbClr val="000000"/>
-                </a:highlight>
-                <a:latin typeface="Courier" pitchFamily="2" charset="0"/>
-              </a:rPr>
-              <a:t>SELECT </a:t>
-            </a:r>
-            <a:r>
-              <a:rPr lang="en-US" dirty="0" err="1">
-                <a:solidFill>
-                  <a:srgbClr val="00B050"/>
-                </a:solidFill>
-                <a:highlight>
-                  <a:srgbClr val="000000"/>
-                </a:highlight>
-                <a:latin typeface="Courier" pitchFamily="2" charset="0"/>
-              </a:rPr>
-              <a:t>dep_id</a:t>
-            </a:r>
-            <a:r>
-              <a:rPr lang="en-US" dirty="0">
-                <a:solidFill>
-                  <a:srgbClr val="00B050"/>
-                </a:solidFill>
-                <a:highlight>
-                  <a:srgbClr val="000000"/>
-                </a:highlight>
-                <a:latin typeface="Courier" pitchFamily="2" charset="0"/>
-              </a:rPr>
-              <a:t>, AVG(salary) FROM employee GROUP BY </a:t>
-            </a:r>
-            <a:r>
-              <a:rPr lang="en-US" dirty="0" err="1">
-                <a:solidFill>
-                  <a:srgbClr val="00B050"/>
-                </a:solidFill>
-                <a:highlight>
-                  <a:srgbClr val="000000"/>
-                </a:highlight>
-                <a:latin typeface="Courier" pitchFamily="2" charset="0"/>
-              </a:rPr>
-              <a:t>dep_id</a:t>
-            </a:r>
-            <a:r>
-              <a:rPr lang="en-US" dirty="0">
-                <a:solidFill>
-                  <a:srgbClr val="00B050"/>
-                </a:solidFill>
-                <a:highlight>
-                  <a:srgbClr val="000000"/>
-                </a:highlight>
-                <a:latin typeface="Courier" pitchFamily="2" charset="0"/>
-              </a:rPr>
-              <a:t>;</a:t>
-            </a:r>
-          </a:p>
-          <a:p>
+              <a:t> </a:t>
+            </a:r>
+            <a:r>
+              <a:rPr lang="en-US" dirty="0" err="1"/>
+              <a:t>i</a:t>
+            </a:r>
             <a:r>
               <a:rPr lang="en-US" dirty="0"/>
-              <a:t>To make it more user friendly, lets add the department name:</a:t>
-            </a:r>
-          </a:p>
-          <a:p>
-            <a:pPr marL="0" indent="0">
-              <a:buNone/>
-            </a:pPr>
-            <a:r>
-              <a:rPr lang="en-US" dirty="0">
-                <a:solidFill>
-                  <a:srgbClr val="00B050"/>
-                </a:solidFill>
-                <a:highlight>
-                  <a:srgbClr val="000000"/>
-                </a:highlight>
-                <a:latin typeface="Courier" pitchFamily="2" charset="0"/>
-              </a:rPr>
-              <a:t>SELECT </a:t>
-            </a:r>
-            <a:r>
-              <a:rPr lang="en-US" dirty="0" err="1">
-                <a:solidFill>
-                  <a:srgbClr val="00B050"/>
-                </a:solidFill>
-                <a:highlight>
-                  <a:srgbClr val="000000"/>
-                </a:highlight>
-                <a:latin typeface="Courier" pitchFamily="2" charset="0"/>
-              </a:rPr>
-              <a:t>department.name</a:t>
-            </a:r>
-            <a:r>
-              <a:rPr lang="en-US" dirty="0">
-                <a:solidFill>
-                  <a:srgbClr val="00B050"/>
-                </a:solidFill>
-                <a:highlight>
-                  <a:srgbClr val="000000"/>
-                </a:highlight>
-                <a:latin typeface="Courier" pitchFamily="2" charset="0"/>
-              </a:rPr>
-              <a:t>, AVG(salary) FROM employee JOIN department ON </a:t>
-            </a:r>
-            <a:r>
-              <a:rPr lang="en-US" dirty="0" err="1">
-                <a:solidFill>
-                  <a:srgbClr val="00B050"/>
-                </a:solidFill>
-                <a:highlight>
-                  <a:srgbClr val="000000"/>
-                </a:highlight>
-                <a:latin typeface="Courier" pitchFamily="2" charset="0"/>
-              </a:rPr>
-              <a:t>employee.dep_id</a:t>
-            </a:r>
-            <a:r>
-              <a:rPr lang="en-US" dirty="0">
-                <a:solidFill>
-                  <a:srgbClr val="00B050"/>
-                </a:solidFill>
-                <a:highlight>
-                  <a:srgbClr val="000000"/>
-                </a:highlight>
-                <a:latin typeface="Courier" pitchFamily="2" charset="0"/>
-              </a:rPr>
-              <a:t> = </a:t>
-            </a:r>
-            <a:r>
-              <a:rPr lang="en-US" dirty="0" err="1">
-                <a:solidFill>
-                  <a:srgbClr val="00B050"/>
-                </a:solidFill>
-                <a:highlight>
-                  <a:srgbClr val="000000"/>
-                </a:highlight>
-                <a:latin typeface="Courier" pitchFamily="2" charset="0"/>
-              </a:rPr>
-              <a:t>department.id</a:t>
-            </a:r>
-            <a:r>
-              <a:rPr lang="en-US" dirty="0">
-                <a:solidFill>
-                  <a:srgbClr val="00B050"/>
-                </a:solidFill>
-                <a:highlight>
-                  <a:srgbClr val="000000"/>
-                </a:highlight>
-                <a:latin typeface="Courier" pitchFamily="2" charset="0"/>
-              </a:rPr>
-              <a:t> GROUP BY </a:t>
-            </a:r>
-            <a:r>
-              <a:rPr lang="en-US" dirty="0" err="1">
-                <a:solidFill>
-                  <a:srgbClr val="00B050"/>
-                </a:solidFill>
-                <a:highlight>
-                  <a:srgbClr val="000000"/>
-                </a:highlight>
-                <a:latin typeface="Courier" pitchFamily="2" charset="0"/>
-              </a:rPr>
-              <a:t>dep_id</a:t>
-            </a:r>
-            <a:r>
-              <a:rPr lang="en-US" dirty="0">
-                <a:solidFill>
-                  <a:srgbClr val="00B050"/>
-                </a:solidFill>
-                <a:highlight>
-                  <a:srgbClr val="000000"/>
-                </a:highlight>
-                <a:latin typeface="Courier" pitchFamily="2" charset="0"/>
-              </a:rPr>
-              <a:t>;</a:t>
-            </a:r>
-          </a:p>
-          <a:p>
+              <a:t> </a:t>
+            </a:r>
+            <a:r>
+              <a:rPr lang="en-US" dirty="0" err="1"/>
+              <a:t>dipartimenti</a:t>
+            </a:r>
             <a:r>
               <a:rPr lang="en-US" dirty="0"/>
-              <a:t>Let’s filter out departments with average salaries below 2600.</a:t>
-            </a:r>
-            <a:endParaRPr lang="en-US" dirty="0">
-              <a:solidFill>
-                <a:srgbClr val="00B050"/>
-              </a:solidFill>
-              <a:latin typeface="Courier" pitchFamily="2" charset="0"/>
-            </a:endParaRPr>
-          </a:p>
-          <a:p>
-            <a:endParaRPr lang="en-US" dirty="0"/>
+              <a:t> con </a:t>
+            </a:r>
+            <a:r>
+              <a:rPr lang="en-US" dirty="0" err="1"/>
+              <a:t>stipendi</a:t>
+            </a:r>
+            <a:r>
+              <a:rPr lang="en-US" dirty="0"/>
+              <a:t> </a:t>
+            </a:r>
+            <a:r>
+              <a:rPr lang="en-US" dirty="0" err="1"/>
+              <a:t>medi</a:t>
+            </a:r>
+            <a:r>
+              <a:rPr lang="en-US" dirty="0"/>
+              <a:t> </a:t>
+            </a:r>
+            <a:r>
+              <a:rPr lang="en-US" dirty="0" err="1"/>
+              <a:t>inferiori</a:t>
+            </a:r>
+            <a:r>
+              <a:rPr lang="en-US" dirty="0"/>
+              <a:t> a 2600.</a:t>
+            </a:r>
           </a:p>
         </p:txBody>
       </p:sp>
@@ -15128,7 +16867,7 @@
           <a:p>
             <a:r>
               <a:rPr lang="en-US" dirty="0"/>
-              <a:t>Group By and Having (2/2)</a:t>
+              <a:t>Group By and Having</a:t>
             </a:r>
           </a:p>
         </p:txBody>
@@ -15152,129 +16891,261 @@
         <p:spPr/>
         <p:txBody>
           <a:bodyPr>
-            <a:normAutofit fontScale="92500" lnSpcReduction="10000"/>
+            <a:normAutofit lnSpcReduction="10000"/>
           </a:bodyPr>
           <a:lstStyle/>
           <a:p>
             <a:r>
               <a:rPr lang="en-US" dirty="0"/>
-              <a:t>The following query filters out departments with average salaries below 2600.</a:t>
+              <a:t>La query </a:t>
+            </a:r>
+            <a:r>
+              <a:rPr lang="en-US" dirty="0" err="1"/>
+              <a:t>seguente</a:t>
+            </a:r>
+            <a:r>
+              <a:rPr lang="en-US" dirty="0"/>
+              <a:t> filtra </a:t>
+            </a:r>
+            <a:r>
+              <a:rPr lang="en-US" dirty="0" err="1"/>
+              <a:t>i</a:t>
+            </a:r>
+            <a:r>
+              <a:rPr lang="en-US" dirty="0"/>
+              <a:t> </a:t>
+            </a:r>
+            <a:r>
+              <a:rPr lang="en-US" dirty="0" err="1"/>
+              <a:t>reparti</a:t>
+            </a:r>
+            <a:r>
+              <a:rPr lang="en-US" dirty="0"/>
+              <a:t> con </a:t>
+            </a:r>
+            <a:r>
+              <a:rPr lang="en-US" dirty="0" err="1"/>
+              <a:t>stipendi</a:t>
+            </a:r>
+            <a:r>
+              <a:rPr lang="en-US" dirty="0"/>
+              <a:t> </a:t>
+            </a:r>
+            <a:r>
+              <a:rPr lang="en-US" dirty="0" err="1"/>
+              <a:t>medi</a:t>
+            </a:r>
+            <a:r>
+              <a:rPr lang="en-US" dirty="0"/>
+              <a:t> </a:t>
+            </a:r>
+            <a:r>
+              <a:rPr lang="en-US" dirty="0" err="1"/>
+              <a:t>inferiori</a:t>
+            </a:r>
+            <a:r>
+              <a:rPr lang="en-US" dirty="0"/>
+              <a:t> a 2600.</a:t>
+            </a:r>
+            <a:br>
+              <a:rPr lang="en-US" dirty="0"/>
+            </a:br>
+            <a:r>
+              <a:rPr lang="en-US" dirty="0">
+                <a:solidFill>
+                  <a:srgbClr val="00B050"/>
+                </a:solidFill>
+                <a:highlight>
+                  <a:srgbClr val="000000"/>
+                </a:highlight>
+              </a:rPr>
+              <a:t>SELECT </a:t>
+            </a:r>
+            <a:r>
+              <a:rPr lang="en-US" dirty="0" err="1">
+                <a:solidFill>
+                  <a:srgbClr val="00B050"/>
+                </a:solidFill>
+                <a:highlight>
+                  <a:srgbClr val="000000"/>
+                </a:highlight>
+              </a:rPr>
+              <a:t>department.name</a:t>
+            </a:r>
+            <a:r>
+              <a:rPr lang="en-US" dirty="0">
+                <a:solidFill>
+                  <a:srgbClr val="00B050"/>
+                </a:solidFill>
+                <a:highlight>
+                  <a:srgbClr val="000000"/>
+                </a:highlight>
+              </a:rPr>
+              <a:t>, AVG(salary) FROM employee JOIN department ON </a:t>
+            </a:r>
+            <a:r>
+              <a:rPr lang="en-US" dirty="0" err="1">
+                <a:solidFill>
+                  <a:srgbClr val="00B050"/>
+                </a:solidFill>
+                <a:highlight>
+                  <a:srgbClr val="000000"/>
+                </a:highlight>
+              </a:rPr>
+              <a:t>employee.dep_id</a:t>
+            </a:r>
+            <a:r>
+              <a:rPr lang="en-US" dirty="0">
+                <a:solidFill>
+                  <a:srgbClr val="00B050"/>
+                </a:solidFill>
+                <a:highlight>
+                  <a:srgbClr val="000000"/>
+                </a:highlight>
+              </a:rPr>
+              <a:t> = </a:t>
+            </a:r>
+            <a:r>
+              <a:rPr lang="en-US" dirty="0" err="1">
+                <a:solidFill>
+                  <a:srgbClr val="00B050"/>
+                </a:solidFill>
+                <a:highlight>
+                  <a:srgbClr val="000000"/>
+                </a:highlight>
+              </a:rPr>
+              <a:t>department.id</a:t>
+            </a:r>
+            <a:r>
+              <a:rPr lang="en-US" dirty="0">
+                <a:solidFill>
+                  <a:srgbClr val="00B050"/>
+                </a:solidFill>
+                <a:highlight>
+                  <a:srgbClr val="000000"/>
+                </a:highlight>
+              </a:rPr>
+              <a:t> GROUP BY </a:t>
+            </a:r>
+            <a:r>
+              <a:rPr lang="en-US" dirty="0" err="1">
+                <a:solidFill>
+                  <a:srgbClr val="00B050"/>
+                </a:solidFill>
+                <a:highlight>
+                  <a:srgbClr val="000000"/>
+                </a:highlight>
+              </a:rPr>
+              <a:t>dep_id</a:t>
+            </a:r>
+            <a:r>
+              <a:rPr lang="en-US" dirty="0">
+                <a:solidFill>
+                  <a:srgbClr val="00B050"/>
+                </a:solidFill>
+                <a:highlight>
+                  <a:srgbClr val="000000"/>
+                </a:highlight>
+              </a:rPr>
+              <a:t> HAVING AVG(salary) &gt;= 2600;</a:t>
             </a:r>
           </a:p>
           <a:p>
-            <a:pPr marL="0" indent="0">
-              <a:buNone/>
-            </a:pPr>
-            <a:r>
-              <a:rPr lang="en-US" dirty="0">
-                <a:solidFill>
-                  <a:srgbClr val="00B050"/>
-                </a:solidFill>
-                <a:highlight>
-                  <a:srgbClr val="000000"/>
-                </a:highlight>
-              </a:rPr>
-              <a:t>SELECT </a:t>
-            </a:r>
-            <a:r>
-              <a:rPr lang="en-US" dirty="0" err="1">
-                <a:solidFill>
-                  <a:srgbClr val="00B050"/>
-                </a:solidFill>
-                <a:highlight>
-                  <a:srgbClr val="000000"/>
-                </a:highlight>
-              </a:rPr>
-              <a:t>department.name</a:t>
-            </a:r>
-            <a:r>
-              <a:rPr lang="en-US" dirty="0">
-                <a:solidFill>
-                  <a:srgbClr val="00B050"/>
-                </a:solidFill>
-                <a:highlight>
-                  <a:srgbClr val="000000"/>
-                </a:highlight>
-              </a:rPr>
-              <a:t>, AVG(salary) FROM employee JOIN department ON </a:t>
-            </a:r>
-            <a:r>
-              <a:rPr lang="en-US" dirty="0" err="1">
-                <a:solidFill>
-                  <a:srgbClr val="00B050"/>
-                </a:solidFill>
-                <a:highlight>
-                  <a:srgbClr val="000000"/>
-                </a:highlight>
-              </a:rPr>
-              <a:t>employee.dep_id</a:t>
-            </a:r>
-            <a:r>
-              <a:rPr lang="en-US" dirty="0">
-                <a:solidFill>
-                  <a:srgbClr val="00B050"/>
-                </a:solidFill>
-                <a:highlight>
-                  <a:srgbClr val="000000"/>
-                </a:highlight>
-              </a:rPr>
-              <a:t> = </a:t>
-            </a:r>
-            <a:r>
-              <a:rPr lang="en-US" dirty="0" err="1">
-                <a:solidFill>
-                  <a:srgbClr val="00B050"/>
-                </a:solidFill>
-                <a:highlight>
-                  <a:srgbClr val="000000"/>
-                </a:highlight>
-              </a:rPr>
-              <a:t>department.id</a:t>
-            </a:r>
-            <a:r>
-              <a:rPr lang="en-US" dirty="0">
-                <a:solidFill>
-                  <a:srgbClr val="00B050"/>
-                </a:solidFill>
-                <a:highlight>
-                  <a:srgbClr val="000000"/>
-                </a:highlight>
-              </a:rPr>
-              <a:t> GROUP BY </a:t>
-            </a:r>
-            <a:r>
-              <a:rPr lang="en-US" dirty="0" err="1">
-                <a:solidFill>
-                  <a:srgbClr val="00B050"/>
-                </a:solidFill>
-                <a:highlight>
-                  <a:srgbClr val="000000"/>
-                </a:highlight>
-              </a:rPr>
-              <a:t>dep_id</a:t>
-            </a:r>
-            <a:r>
-              <a:rPr lang="en-US" dirty="0">
-                <a:solidFill>
-                  <a:srgbClr val="00B050"/>
-                </a:solidFill>
-                <a:highlight>
-                  <a:srgbClr val="000000"/>
-                </a:highlight>
-              </a:rPr>
-              <a:t> HAVING AVG(salary) &gt;= 2600;</a:t>
-            </a:r>
-          </a:p>
-          <a:p>
             <a:r>
               <a:rPr lang="en-US" dirty="0"/>
-              <a:t>Now remove the HAVING clause and add the number of employees and the sum of the salaries, and order the departments by name:</a:t>
-            </a:r>
-          </a:p>
-          <a:p>
-            <a:pPr marL="0" indent="0">
-              <a:buNone/>
-            </a:pPr>
+              <a:t>Ora </a:t>
+            </a:r>
+            <a:r>
+              <a:rPr lang="en-US" dirty="0" err="1"/>
+              <a:t>rimuovi</a:t>
+            </a:r>
+            <a:r>
+              <a:rPr lang="en-US" dirty="0"/>
+              <a:t> la </a:t>
+            </a:r>
+            <a:r>
+              <a:rPr lang="en-US" dirty="0" err="1"/>
+              <a:t>clausola</a:t>
+            </a:r>
+            <a:r>
+              <a:rPr lang="en-US" dirty="0"/>
+              <a:t> HAVING e </a:t>
+            </a:r>
+            <a:r>
+              <a:rPr lang="en-US" dirty="0" err="1"/>
+              <a:t>aggiungi</a:t>
+            </a:r>
+            <a:r>
+              <a:rPr lang="en-US" dirty="0"/>
+              <a:t> il </a:t>
+            </a:r>
+            <a:r>
+              <a:rPr lang="en-US" dirty="0" err="1"/>
+              <a:t>numero</a:t>
+            </a:r>
+            <a:r>
+              <a:rPr lang="en-US" dirty="0"/>
+              <a:t> di </a:t>
+            </a:r>
+            <a:r>
+              <a:rPr lang="en-US" dirty="0" err="1"/>
+              <a:t>dipendenti</a:t>
+            </a:r>
+            <a:r>
+              <a:rPr lang="en-US" dirty="0"/>
+              <a:t> e la somma </a:t>
+            </a:r>
+            <a:r>
+              <a:rPr lang="en-US" dirty="0" err="1"/>
+              <a:t>degli</a:t>
+            </a:r>
+            <a:r>
+              <a:rPr lang="en-US" dirty="0"/>
+              <a:t> </a:t>
+            </a:r>
+            <a:r>
+              <a:rPr lang="en-US" dirty="0" err="1"/>
+              <a:t>stipendi</a:t>
+            </a:r>
+            <a:r>
+              <a:rPr lang="en-US" dirty="0"/>
+              <a:t> e </a:t>
+            </a:r>
+            <a:r>
+              <a:rPr lang="en-US" dirty="0" err="1"/>
+              <a:t>ordina</a:t>
+            </a:r>
+            <a:r>
+              <a:rPr lang="en-US" dirty="0"/>
+              <a:t> </a:t>
+            </a:r>
+            <a:r>
+              <a:rPr lang="en-US" dirty="0" err="1"/>
+              <a:t>i</a:t>
+            </a:r>
+            <a:r>
+              <a:rPr lang="en-US" dirty="0"/>
+              <a:t> </a:t>
+            </a:r>
+            <a:r>
+              <a:rPr lang="en-US" dirty="0" err="1"/>
+              <a:t>dipartimenti</a:t>
+            </a:r>
+            <a:r>
+              <a:rPr lang="en-US" dirty="0"/>
+              <a:t> per </a:t>
+            </a:r>
+            <a:r>
+              <a:rPr lang="en-US" dirty="0" err="1"/>
+              <a:t>nome</a:t>
+            </a:r>
+            <a:r>
+              <a:rPr lang="en-US" dirty="0"/>
+              <a:t>:</a:t>
+            </a:r>
+            <a:br>
+              <a:rPr lang="en-US" dirty="0"/>
+            </a:br>
             <a:r>
               <a:rPr lang="en-US" dirty="0">
                 <a:solidFill>
@@ -15586,31 +17457,211 @@
         <p:spPr/>
         <p:txBody>
           <a:bodyPr>
-            <a:normAutofit/>
+            <a:normAutofit fontScale="92500"/>
           </a:bodyPr>
           <a:lstStyle/>
           <a:p>
             <a:r>
               <a:rPr lang="en-US" dirty="0"/>
-              <a:t>Sometimes it’s hard to get the results you need with a single query.</a:t>
-            </a:r>
-          </a:p>
-          <a:p>
+              <a:t>A volte </a:t>
+            </a:r>
+            <a:r>
+              <a:rPr lang="en-US" dirty="0" err="1"/>
+              <a:t>è</a:t>
+            </a:r>
             <a:r>
               <a:rPr lang="en-US" dirty="0"/>
-              <a:t>Most SQL dialects allow nested queries, allowing more complexity.</a:t>
-            </a:r>
-          </a:p>
-          <a:p>
+              <a:t> difficile </a:t>
+            </a:r>
+            <a:r>
+              <a:rPr lang="en-US" dirty="0" err="1"/>
+              <a:t>ottenere</a:t>
+            </a:r>
             <a:r>
               <a:rPr lang="en-US" dirty="0"/>
-              <a:t>Get info about all departments, including the empty one:</a:t>
-            </a:r>
-          </a:p>
-          <a:p>
-            <a:pPr marL="0" indent="0">
-              <a:buNone/>
-            </a:pPr>
+              <a:t> </a:t>
+            </a:r>
+            <a:r>
+              <a:rPr lang="en-US" dirty="0" err="1"/>
+              <a:t>i</a:t>
+            </a:r>
+            <a:r>
+              <a:rPr lang="en-US" dirty="0"/>
+              <a:t> </a:t>
+            </a:r>
+            <a:r>
+              <a:rPr lang="en-US" dirty="0" err="1"/>
+              <a:t>risultati</a:t>
+            </a:r>
+            <a:r>
+              <a:rPr lang="en-US" dirty="0"/>
+              <a:t> </a:t>
+            </a:r>
+            <a:r>
+              <a:rPr lang="en-US" dirty="0" err="1"/>
+              <a:t>necessari</a:t>
+            </a:r>
+            <a:r>
+              <a:rPr lang="en-US" dirty="0"/>
+              <a:t> con </a:t>
+            </a:r>
+            <a:r>
+              <a:rPr lang="en-US" dirty="0" err="1"/>
+              <a:t>una</a:t>
+            </a:r>
+            <a:r>
+              <a:rPr lang="en-US" dirty="0"/>
+              <a:t> </a:t>
+            </a:r>
+            <a:r>
+              <a:rPr lang="en-US" dirty="0" err="1"/>
+              <a:t>singola</a:t>
+            </a:r>
+            <a:r>
+              <a:rPr lang="en-US" dirty="0"/>
+              <a:t> query.
+La </a:t>
+            </a:r>
+            <a:r>
+              <a:rPr lang="en-US" dirty="0" err="1"/>
+              <a:t>maggior</a:t>
+            </a:r>
+            <a:r>
+              <a:rPr lang="en-US" dirty="0"/>
+              <a:t> </a:t>
+            </a:r>
+            <a:r>
+              <a:rPr lang="en-US" dirty="0" err="1"/>
+              <a:t>parte</a:t>
+            </a:r>
+            <a:r>
+              <a:rPr lang="en-US" dirty="0"/>
+              <a:t> </a:t>
+            </a:r>
+            <a:r>
+              <a:rPr lang="en-US" dirty="0" err="1"/>
+              <a:t>dei</a:t>
+            </a:r>
+            <a:r>
+              <a:rPr lang="en-US" dirty="0"/>
+              <a:t> </a:t>
+            </a:r>
+            <a:r>
+              <a:rPr lang="en-US" dirty="0" err="1"/>
+              <a:t>dialetti</a:t>
+            </a:r>
+            <a:r>
+              <a:rPr lang="en-US" dirty="0"/>
+              <a:t> SQL </a:t>
+            </a:r>
+            <a:r>
+              <a:rPr lang="en-US" dirty="0" err="1"/>
+              <a:t>consente</a:t>
+            </a:r>
+            <a:r>
+              <a:rPr lang="en-US" dirty="0"/>
+              <a:t> query nidificate, </a:t>
+            </a:r>
+            <a:r>
+              <a:rPr lang="en-US" dirty="0" err="1"/>
+              <a:t>consentendo</a:t>
+            </a:r>
+            <a:r>
+              <a:rPr lang="en-US" dirty="0"/>
+              <a:t> </a:t>
+            </a:r>
+            <a:r>
+              <a:rPr lang="en-US" dirty="0" err="1"/>
+              <a:t>una</a:t>
+            </a:r>
+            <a:r>
+              <a:rPr lang="en-US" dirty="0"/>
+              <a:t> </a:t>
+            </a:r>
+            <a:r>
+              <a:rPr lang="en-US" dirty="0" err="1"/>
+              <a:t>maggiore</a:t>
+            </a:r>
+            <a:r>
+              <a:rPr lang="en-US" dirty="0"/>
+              <a:t> </a:t>
+            </a:r>
+            <a:r>
+              <a:rPr lang="en-US" dirty="0" err="1"/>
+              <a:t>complessità</a:t>
+            </a:r>
+            <a:r>
+              <a:rPr lang="en-US" dirty="0"/>
+              <a:t>.
+</a:t>
+            </a:r>
+            <a:r>
+              <a:rPr lang="en-US" dirty="0" err="1"/>
+              <a:t>Ottieni</a:t>
+            </a:r>
+            <a:r>
+              <a:rPr lang="en-US" dirty="0"/>
+              <a:t> </a:t>
+            </a:r>
+            <a:r>
+              <a:rPr lang="en-US" dirty="0" err="1"/>
+              <a:t>informazioni</a:t>
+            </a:r>
+            <a:r>
+              <a:rPr lang="en-US" dirty="0"/>
+              <a:t> </a:t>
+            </a:r>
+            <a:r>
+              <a:rPr lang="en-US" dirty="0" err="1"/>
+              <a:t>su</a:t>
+            </a:r>
+            <a:r>
+              <a:rPr lang="en-US" dirty="0"/>
+              <a:t> tutti </a:t>
+            </a:r>
+            <a:r>
+              <a:rPr lang="en-US" dirty="0" err="1"/>
+              <a:t>i</a:t>
+            </a:r>
+            <a:r>
+              <a:rPr lang="en-US" dirty="0"/>
+              <a:t> </a:t>
+            </a:r>
+            <a:r>
+              <a:rPr lang="en-US" dirty="0" err="1"/>
+              <a:t>reparti</a:t>
+            </a:r>
+            <a:r>
+              <a:rPr lang="en-US" dirty="0"/>
+              <a:t>, </a:t>
+            </a:r>
+            <a:r>
+              <a:rPr lang="en-US" dirty="0" err="1"/>
+              <a:t>incluso</a:t>
+            </a:r>
+            <a:r>
+              <a:rPr lang="en-US" dirty="0"/>
+              <a:t> </a:t>
+            </a:r>
+            <a:r>
+              <a:rPr lang="en-US" dirty="0" err="1"/>
+              <a:t>quello</a:t>
+            </a:r>
+            <a:r>
+              <a:rPr lang="en-US" dirty="0"/>
+              <a:t> </a:t>
+            </a:r>
+            <a:r>
+              <a:rPr lang="en-US" dirty="0" err="1"/>
+              <a:t>vuoto</a:t>
+            </a:r>
+            <a:r>
+              <a:rPr lang="en-US" dirty="0"/>
+              <a:t>:</a:t>
+            </a:r>
+            <a:br>
+              <a:rPr lang="en-US" dirty="0"/>
+            </a:br>
             <a:r>
               <a:rPr lang="en-US" dirty="0">
                 <a:solidFill>
@@ -15942,8 +17993,12 @@
           <a:lstStyle/>
           <a:p>
             <a:r>
+              <a:rPr lang="en-GB" dirty="0" err="1"/>
+              <a:t>Connessione</a:t>
+            </a:r>
+            <a:r>
               <a:rPr lang="en-GB" dirty="0"/>
-              <a:t>Connecting </a:t>
+              <a:t> di </a:t>
             </a:r>
             <a:r>
               <a:rPr lang="en-GB" dirty="0" err="1"/>
@@ -15951,16 +18006,13 @@
             </a:r>
             <a:r>
               <a:rPr lang="en-GB" dirty="0"/>
-              <a:t> to </a:t>
+              <a:t> a </a:t>
             </a:r>
             <a:r>
               <a:rPr lang="en-GB" dirty="0" err="1"/>
               <a:t>NoteDB</a:t>
             </a:r>
-            <a:r>
-              <a:rPr lang="en-GB" dirty="0"/>
-              <a:t> (1/2)</a:t>
-            </a:r>
+            <a:endParaRPr lang="en-GB" dirty="0"/>
           </a:p>
         </p:txBody>
       </p:sp>
@@ -16001,287 +18053,243 @@
             </a:endParaRPr>
           </a:p>
           <a:p>
-            <a:pPr marL="457200" lvl="1" indent="0">
-              <a:buNone/>
-            </a:pPr>
             <a:r>
               <a:rPr lang="it-IT" dirty="0">
                 <a:solidFill>
-                  <a:srgbClr val="00B050"/>
-                </a:solidFill>
-                <a:highlight>
-                  <a:srgbClr val="000000"/>
-                </a:highlight>
-                <a:latin typeface="Courier" pitchFamily="2" charset="0"/>
+                  <a:srgbClr val="E8BF6A"/>
+                </a:solidFill>
+                <a:effectLst/>
+                <a:latin typeface="JetBrains Mono"/>
               </a:rPr>
               <a:t>&lt;</a:t>
             </a:r>
             <a:r>
               <a:rPr lang="it-IT" dirty="0" err="1">
                 <a:solidFill>
-                  <a:srgbClr val="00B050"/>
-                </a:solidFill>
-                <a:highlight>
-                  <a:srgbClr val="000000"/>
-                </a:highlight>
-                <a:latin typeface="Courier" pitchFamily="2" charset="0"/>
+                  <a:srgbClr val="E8BF6A"/>
+                </a:solidFill>
+                <a:effectLst/>
+                <a:latin typeface="JetBrains Mono"/>
               </a:rPr>
               <a:t>dependency</a:t>
             </a:r>
             <a:r>
               <a:rPr lang="it-IT" dirty="0">
                 <a:solidFill>
-                  <a:srgbClr val="00B050"/>
-                </a:solidFill>
-                <a:highlight>
-                  <a:srgbClr val="000000"/>
-                </a:highlight>
-                <a:latin typeface="Courier" pitchFamily="2" charset="0"/>
+                  <a:srgbClr val="E8BF6A"/>
+                </a:solidFill>
+                <a:effectLst/>
+                <a:latin typeface="JetBrains Mono"/>
               </a:rPr>
               <a:t>&gt;</a:t>
             </a:r>
             <a:br>
               <a:rPr lang="it-IT" dirty="0">
                 <a:solidFill>
-                  <a:srgbClr val="00B050"/>
-                </a:solidFill>
-                <a:highlight>
-                  <a:srgbClr val="000000"/>
-                </a:highlight>
-                <a:latin typeface="Courier" pitchFamily="2" charset="0"/>
+                  <a:srgbClr val="E8BF6A"/>
+                </a:solidFill>
+                <a:effectLst/>
+                <a:latin typeface="JetBrains Mono"/>
               </a:rPr>
             </a:br>
             <a:r>
               <a:rPr lang="it-IT" dirty="0">
                 <a:solidFill>
-                  <a:srgbClr val="00B050"/>
-                </a:solidFill>
-                <a:highlight>
-                  <a:srgbClr val="000000"/>
-                </a:highlight>
-                <a:latin typeface="Courier" pitchFamily="2" charset="0"/>
+                  <a:srgbClr val="E8BF6A"/>
+                </a:solidFill>
+                <a:effectLst/>
+                <a:latin typeface="JetBrains Mono"/>
               </a:rPr>
               <a:t>    &lt;</a:t>
             </a:r>
             <a:r>
               <a:rPr lang="it-IT" dirty="0" err="1">
                 <a:solidFill>
-                  <a:srgbClr val="00B050"/>
-                </a:solidFill>
-                <a:highlight>
-                  <a:srgbClr val="000000"/>
-                </a:highlight>
-                <a:latin typeface="Courier" pitchFamily="2" charset="0"/>
+                  <a:srgbClr val="E8BF6A"/>
+                </a:solidFill>
+                <a:effectLst/>
+                <a:latin typeface="JetBrains Mono"/>
               </a:rPr>
               <a:t>groupId</a:t>
             </a:r>
             <a:r>
               <a:rPr lang="it-IT" dirty="0">
                 <a:solidFill>
-                  <a:srgbClr val="00B050"/>
-                </a:solidFill>
-                <a:highlight>
-                  <a:srgbClr val="000000"/>
-                </a:highlight>
-                <a:latin typeface="Courier" pitchFamily="2" charset="0"/>
+                  <a:srgbClr val="E8BF6A"/>
+                </a:solidFill>
+                <a:effectLst/>
+                <a:latin typeface="JetBrains Mono"/>
               </a:rPr>
               <a:t>&gt;</a:t>
             </a:r>
             <a:r>
               <a:rPr lang="it-IT" dirty="0" err="1">
                 <a:solidFill>
-                  <a:srgbClr val="00B050"/>
-                </a:solidFill>
-                <a:highlight>
-                  <a:srgbClr val="000000"/>
-                </a:highlight>
-                <a:latin typeface="Courier" pitchFamily="2" charset="0"/>
+                  <a:srgbClr val="A9B7C6"/>
+                </a:solidFill>
+                <a:effectLst/>
+                <a:latin typeface="JetBrains Mono"/>
               </a:rPr>
               <a:t>org.springframework.boot</a:t>
             </a:r>
             <a:r>
               <a:rPr lang="it-IT" dirty="0">
                 <a:solidFill>
-                  <a:srgbClr val="00B050"/>
-                </a:solidFill>
-                <a:highlight>
-                  <a:srgbClr val="000000"/>
-                </a:highlight>
-                <a:latin typeface="Courier" pitchFamily="2" charset="0"/>
+                  <a:srgbClr val="E8BF6A"/>
+                </a:solidFill>
+                <a:effectLst/>
+                <a:latin typeface="JetBrains Mono"/>
               </a:rPr>
               <a:t>&lt;/</a:t>
             </a:r>
             <a:r>
               <a:rPr lang="it-IT" dirty="0" err="1">
                 <a:solidFill>
-                  <a:srgbClr val="00B050"/>
-                </a:solidFill>
-                <a:highlight>
-                  <a:srgbClr val="000000"/>
-                </a:highlight>
-                <a:latin typeface="Courier" pitchFamily="2" charset="0"/>
+                  <a:srgbClr val="E8BF6A"/>
+                </a:solidFill>
+                <a:effectLst/>
+                <a:latin typeface="JetBrains Mono"/>
               </a:rPr>
               <a:t>groupId</a:t>
             </a:r>
             <a:r>
               <a:rPr lang="it-IT" dirty="0">
                 <a:solidFill>
-                  <a:srgbClr val="00B050"/>
-                </a:solidFill>
-                <a:highlight>
-                  <a:srgbClr val="000000"/>
-                </a:highlight>
-                <a:latin typeface="Courier" pitchFamily="2" charset="0"/>
+                  <a:srgbClr val="E8BF6A"/>
+                </a:solidFill>
+                <a:effectLst/>
+                <a:latin typeface="JetBrains Mono"/>
               </a:rPr>
               <a:t>&gt;</a:t>
             </a:r>
             <a:br>
               <a:rPr lang="it-IT" dirty="0">
                 <a:solidFill>
-                  <a:srgbClr val="00B050"/>
-                </a:solidFill>
-                <a:highlight>
-                  <a:srgbClr val="000000"/>
-                </a:highlight>
-                <a:latin typeface="Courier" pitchFamily="2" charset="0"/>
+                  <a:srgbClr val="E8BF6A"/>
+                </a:solidFill>
+                <a:effectLst/>
+                <a:latin typeface="JetBrains Mono"/>
               </a:rPr>
             </a:br>
             <a:r>
               <a:rPr lang="it-IT" dirty="0">
                 <a:solidFill>
-                  <a:srgbClr val="00B050"/>
-                </a:solidFill>
-                <a:highlight>
-                  <a:srgbClr val="000000"/>
-                </a:highlight>
-                <a:latin typeface="Courier" pitchFamily="2" charset="0"/>
+                  <a:srgbClr val="E8BF6A"/>
+                </a:solidFill>
+                <a:effectLst/>
+                <a:latin typeface="JetBrains Mono"/>
               </a:rPr>
               <a:t>    &lt;</a:t>
             </a:r>
             <a:r>
               <a:rPr lang="it-IT" dirty="0" err="1">
                 <a:solidFill>
-                  <a:srgbClr val="00B050"/>
-                </a:solidFill>
-                <a:highlight>
-                  <a:srgbClr val="000000"/>
-                </a:highlight>
-                <a:latin typeface="Courier" pitchFamily="2" charset="0"/>
+                  <a:srgbClr val="E8BF6A"/>
+                </a:solidFill>
+                <a:effectLst/>
+                <a:latin typeface="JetBrains Mono"/>
               </a:rPr>
               <a:t>artifactId</a:t>
             </a:r>
             <a:r>
               <a:rPr lang="it-IT" dirty="0">
                 <a:solidFill>
-                  <a:srgbClr val="00B050"/>
-                </a:solidFill>
-                <a:highlight>
-                  <a:srgbClr val="000000"/>
-                </a:highlight>
-                <a:latin typeface="Courier" pitchFamily="2" charset="0"/>
-              </a:rPr>
-              <a:t>&gt;spring-boot-starter-</a:t>
+                  <a:srgbClr val="E8BF6A"/>
+                </a:solidFill>
+                <a:effectLst/>
+                <a:latin typeface="JetBrains Mono"/>
+              </a:rPr>
+              <a:t>&gt;</a:t>
+            </a:r>
+            <a:r>
+              <a:rPr lang="it-IT" dirty="0">
+                <a:solidFill>
+                  <a:srgbClr val="A9B7C6"/>
+                </a:solidFill>
+                <a:effectLst/>
+                <a:latin typeface="JetBrains Mono"/>
+              </a:rPr>
+              <a:t>spring-boot-starter-</a:t>
             </a:r>
             <a:r>
               <a:rPr lang="it-IT" dirty="0" err="1">
                 <a:solidFill>
-                  <a:srgbClr val="00B050"/>
-                </a:solidFill>
-                <a:highlight>
-                  <a:srgbClr val="000000"/>
-                </a:highlight>
-                <a:latin typeface="Courier" pitchFamily="2" charset="0"/>
+                  <a:srgbClr val="A9B7C6"/>
+                </a:solidFill>
+                <a:effectLst/>
+                <a:latin typeface="JetBrains Mono"/>
               </a:rPr>
               <a:t>jdbc</a:t>
             </a:r>
             <a:r>
               <a:rPr lang="it-IT" dirty="0">
                 <a:solidFill>
-                  <a:srgbClr val="00B050"/>
-                </a:solidFill>
-                <a:highlight>
-                  <a:srgbClr val="000000"/>
-                </a:highlight>
-                <a:latin typeface="Courier" pitchFamily="2" charset="0"/>
+                  <a:srgbClr val="E8BF6A"/>
+                </a:solidFill>
+                <a:effectLst/>
+                <a:latin typeface="JetBrains Mono"/>
               </a:rPr>
               <a:t>&lt;/</a:t>
             </a:r>
             <a:r>
               <a:rPr lang="it-IT" dirty="0" err="1">
                 <a:solidFill>
-                  <a:srgbClr val="00B050"/>
-                </a:solidFill>
-                <a:highlight>
-                  <a:srgbClr val="000000"/>
-                </a:highlight>
-                <a:latin typeface="Courier" pitchFamily="2" charset="0"/>
+                  <a:srgbClr val="E8BF6A"/>
+                </a:solidFill>
+                <a:effectLst/>
+                <a:latin typeface="JetBrains Mono"/>
               </a:rPr>
               <a:t>artifactId</a:t>
             </a:r>
             <a:r>
               <a:rPr lang="it-IT" dirty="0">
                 <a:solidFill>
-                  <a:srgbClr val="00B050"/>
-                </a:solidFill>
-                <a:highlight>
-                  <a:srgbClr val="000000"/>
-                </a:highlight>
-                <a:latin typeface="Courier" pitchFamily="2" charset="0"/>
+                  <a:srgbClr val="E8BF6A"/>
+                </a:solidFill>
+                <a:effectLst/>
+                <a:latin typeface="JetBrains Mono"/>
               </a:rPr>
               <a:t>&gt;</a:t>
             </a:r>
             <a:br>
               <a:rPr lang="it-IT" dirty="0">
                 <a:solidFill>
-                  <a:srgbClr val="00B050"/>
-                </a:solidFill>
-                <a:highlight>
-                  <a:srgbClr val="000000"/>
-                </a:highlight>
-                <a:latin typeface="Courier" pitchFamily="2" charset="0"/>
+                  <a:srgbClr val="E8BF6A"/>
+                </a:solidFill>
+                <a:effectLst/>
+                <a:latin typeface="JetBrains Mono"/>
               </a:rPr>
             </a:br>
             <a:r>
               <a:rPr lang="it-IT" dirty="0">
                 <a:solidFill>
-                  <a:srgbClr val="00B050"/>
-                </a:solidFill>
-                <a:highlight>
-                  <a:srgbClr val="000000"/>
-                </a:highlight>
-                <a:latin typeface="Courier" pitchFamily="2" charset="0"/>
+                  <a:srgbClr val="E8BF6A"/>
+                </a:solidFill>
+                <a:effectLst/>
+                <a:latin typeface="JetBrains Mono"/>
               </a:rPr>
               <a:t>&lt;/</a:t>
             </a:r>
             <a:r>
               <a:rPr lang="it-IT" dirty="0" err="1">
                 <a:solidFill>
-                  <a:srgbClr val="00B050"/>
-                </a:solidFill>
-                <a:highlight>
-                  <a:srgbClr val="000000"/>
-                </a:highlight>
-                <a:latin typeface="Courier" pitchFamily="2" charset="0"/>
+                  <a:srgbClr val="E8BF6A"/>
+                </a:solidFill>
+                <a:effectLst/>
+                <a:latin typeface="JetBrains Mono"/>
               </a:rPr>
               <a:t>dependency</a:t>
             </a:r>
             <a:r>
               <a:rPr lang="it-IT" dirty="0">
                 <a:solidFill>
-                  <a:srgbClr val="00B050"/>
-                </a:solidFill>
-                <a:highlight>
-                  <a:srgbClr val="000000"/>
-                </a:highlight>
-                <a:latin typeface="Courier" pitchFamily="2" charset="0"/>
+                  <a:srgbClr val="E8BF6A"/>
+                </a:solidFill>
+                <a:effectLst/>
+                <a:latin typeface="JetBrains Mono"/>
               </a:rPr>
               <a:t>&gt;</a:t>
             </a:r>
-          </a:p>
-          <a:p>
-            <a:pPr marL="457200" lvl="1" indent="0">
-              <a:buNone/>
-            </a:pPr>
             <a:endParaRPr lang="en-US" dirty="0">
               <a:solidFill>
                 <a:srgbClr val="00B050"/>
@@ -16374,25 +18382,281 @@
         <p:spPr/>
         <p:txBody>
           <a:bodyPr>
-            <a:normAutofit fontScale="92500" lnSpcReduction="20000"/>
+            <a:normAutofit fontScale="70000" lnSpcReduction="20000"/>
           </a:bodyPr>
           <a:lstStyle/>
           <a:p>
             <a:r>
               <a:rPr lang="en-US" dirty="0"/>
-              <a:t>Constraints are various properties that can be assigned to columns or combinations of columns.</a:t>
+              <a:t>I </a:t>
+            </a:r>
+            <a:r>
+              <a:rPr lang="en-US" dirty="0" err="1"/>
+              <a:t>vincoli</a:t>
+            </a:r>
+            <a:r>
+              <a:rPr lang="en-US" dirty="0"/>
+              <a:t> </a:t>
+            </a:r>
+            <a:r>
+              <a:rPr lang="en-US" dirty="0" err="1"/>
+              <a:t>sono</a:t>
+            </a:r>
+            <a:r>
+              <a:rPr lang="en-US" dirty="0"/>
+              <a:t> </a:t>
+            </a:r>
+            <a:r>
+              <a:rPr lang="en-US" dirty="0" err="1"/>
+              <a:t>varie</a:t>
+            </a:r>
+            <a:r>
+              <a:rPr lang="en-US" dirty="0"/>
+              <a:t> </a:t>
+            </a:r>
+            <a:r>
+              <a:rPr lang="en-US" dirty="0" err="1"/>
+              <a:t>proprietà</a:t>
+            </a:r>
+            <a:r>
+              <a:rPr lang="en-US" dirty="0"/>
+              <a:t> </a:t>
+            </a:r>
+            <a:r>
+              <a:rPr lang="en-US" dirty="0" err="1"/>
+              <a:t>che</a:t>
+            </a:r>
+            <a:r>
+              <a:rPr lang="en-US" dirty="0"/>
+              <a:t> </a:t>
+            </a:r>
+            <a:r>
+              <a:rPr lang="en-US" dirty="0" err="1"/>
+              <a:t>possono</a:t>
+            </a:r>
+            <a:r>
+              <a:rPr lang="en-US" dirty="0"/>
+              <a:t> </a:t>
+            </a:r>
+            <a:r>
+              <a:rPr lang="en-US" dirty="0" err="1"/>
+              <a:t>essere</a:t>
+            </a:r>
+            <a:r>
+              <a:rPr lang="en-US" dirty="0"/>
+              <a:t> </a:t>
+            </a:r>
+            <a:r>
+              <a:rPr lang="en-US" dirty="0" err="1"/>
+              <a:t>assegnate</a:t>
+            </a:r>
+            <a:r>
+              <a:rPr lang="en-US" dirty="0"/>
+              <a:t> a </a:t>
+            </a:r>
+            <a:r>
+              <a:rPr lang="en-US" dirty="0" err="1"/>
+              <a:t>colonne</a:t>
+            </a:r>
+            <a:r>
+              <a:rPr lang="en-US" dirty="0"/>
+              <a:t> o </a:t>
+            </a:r>
+            <a:r>
+              <a:rPr lang="en-US" dirty="0" err="1"/>
+              <a:t>combinazioni</a:t>
+            </a:r>
+            <a:r>
+              <a:rPr lang="en-US" dirty="0"/>
+              <a:t> di </a:t>
+            </a:r>
+            <a:r>
+              <a:rPr lang="en-US" dirty="0" err="1"/>
+              <a:t>colonne</a:t>
+            </a:r>
+            <a:r>
+              <a:rPr lang="en-US" dirty="0"/>
+              <a:t>.
+</a:t>
+            </a:r>
+            <a:r>
+              <a:rPr lang="en-US" dirty="0" err="1"/>
+              <a:t>Abbiamo</a:t>
+            </a:r>
+            <a:r>
+              <a:rPr lang="en-US" dirty="0"/>
+              <a:t> </a:t>
+            </a:r>
+            <a:r>
+              <a:rPr lang="en-US" dirty="0" err="1"/>
+              <a:t>già</a:t>
+            </a:r>
+            <a:r>
+              <a:rPr lang="en-US" dirty="0"/>
+              <a:t> visto </a:t>
+            </a:r>
+            <a:r>
+              <a:rPr lang="en-US" dirty="0" err="1"/>
+              <a:t>alcuni</a:t>
+            </a:r>
+            <a:r>
+              <a:rPr lang="en-US" dirty="0"/>
+              <a:t> </a:t>
+            </a:r>
+            <a:r>
+              <a:rPr lang="en-US" dirty="0" err="1"/>
+              <a:t>vincoli</a:t>
+            </a:r>
+            <a:r>
+              <a:rPr lang="en-US" dirty="0"/>
+              <a:t> in </a:t>
+            </a:r>
+            <a:r>
+              <a:rPr lang="en-US" dirty="0" err="1"/>
+              <a:t>precedenza</a:t>
+            </a:r>
+            <a:r>
+              <a:rPr lang="en-US" dirty="0"/>
+              <a:t>:</a:t>
+            </a:r>
+            <a:br>
+              <a:rPr lang="en-US" dirty="0"/>
+            </a:br>
+            <a:r>
+              <a:rPr lang="en-US" dirty="0"/>
+              <a:t>I </a:t>
+            </a:r>
+            <a:r>
+              <a:rPr lang="en-US" dirty="0" err="1"/>
+              <a:t>vincoli</a:t>
+            </a:r>
+            <a:r>
+              <a:rPr lang="en-US" dirty="0"/>
+              <a:t> </a:t>
+            </a:r>
+            <a:r>
+              <a:rPr lang="en-US" dirty="0" err="1"/>
+              <a:t>sono</a:t>
+            </a:r>
+            <a:r>
+              <a:rPr lang="en-US" dirty="0"/>
+              <a:t> </a:t>
+            </a:r>
+            <a:r>
+              <a:rPr lang="en-US" dirty="0" err="1"/>
+              <a:t>varie</a:t>
+            </a:r>
+            <a:r>
+              <a:rPr lang="en-US" dirty="0"/>
+              <a:t> </a:t>
+            </a:r>
+            <a:r>
+              <a:rPr lang="en-US" dirty="0" err="1"/>
+              <a:t>proprietà</a:t>
+            </a:r>
+            <a:r>
+              <a:rPr lang="en-US" dirty="0"/>
+              <a:t> </a:t>
+            </a:r>
+            <a:r>
+              <a:rPr lang="en-US" dirty="0" err="1"/>
+              <a:t>che</a:t>
+            </a:r>
+            <a:r>
+              <a:rPr lang="en-US" dirty="0"/>
+              <a:t> </a:t>
+            </a:r>
+            <a:r>
+              <a:rPr lang="en-US" dirty="0" err="1"/>
+              <a:t>possono</a:t>
+            </a:r>
+            <a:r>
+              <a:rPr lang="en-US" dirty="0"/>
+              <a:t> </a:t>
+            </a:r>
+            <a:r>
+              <a:rPr lang="en-US" dirty="0" err="1"/>
+              <a:t>essere</a:t>
+            </a:r>
+            <a:r>
+              <a:rPr lang="en-US" dirty="0"/>
+              <a:t> </a:t>
+            </a:r>
+            <a:r>
+              <a:rPr lang="en-US" dirty="0" err="1"/>
+              <a:t>assegnate</a:t>
+            </a:r>
+            <a:r>
+              <a:rPr lang="en-US" dirty="0"/>
+              <a:t> a </a:t>
+            </a:r>
+            <a:r>
+              <a:rPr lang="en-US" dirty="0" err="1"/>
+              <a:t>colonne</a:t>
+            </a:r>
+            <a:r>
+              <a:rPr lang="en-US" dirty="0"/>
+              <a:t> o </a:t>
+            </a:r>
+            <a:r>
+              <a:rPr lang="en-US" dirty="0" err="1"/>
+              <a:t>combinazioni</a:t>
+            </a:r>
+            <a:r>
+              <a:rPr lang="en-US" dirty="0"/>
+              <a:t> di </a:t>
+            </a:r>
+            <a:r>
+              <a:rPr lang="en-US" dirty="0" err="1"/>
+              <a:t>colonne</a:t>
+            </a:r>
+            <a:r>
+              <a:rPr lang="en-US" dirty="0"/>
+              <a:t>.
+</a:t>
+            </a:r>
+            <a:r>
+              <a:rPr lang="en-US" dirty="0" err="1"/>
+              <a:t>Abbiamo</a:t>
+            </a:r>
+            <a:r>
+              <a:rPr lang="en-US" dirty="0"/>
+              <a:t> </a:t>
+            </a:r>
+            <a:r>
+              <a:rPr lang="en-US" dirty="0" err="1"/>
+              <a:t>già</a:t>
+            </a:r>
+            <a:r>
+              <a:rPr lang="en-US" dirty="0"/>
+              <a:t> visto </a:t>
+            </a:r>
+            <a:r>
+              <a:rPr lang="en-US" dirty="0" err="1"/>
+              <a:t>alcuni</a:t>
+            </a:r>
+            <a:r>
+              <a:rPr lang="en-US" dirty="0"/>
+              <a:t> </a:t>
+            </a:r>
+            <a:r>
+              <a:rPr lang="en-US" dirty="0" err="1"/>
+              <a:t>vincoli</a:t>
+            </a:r>
+            <a:r>
+              <a:rPr lang="en-US" dirty="0"/>
+              <a:t> in </a:t>
+            </a:r>
+            <a:r>
+              <a:rPr lang="en-US" dirty="0" err="1"/>
+              <a:t>precedenza</a:t>
+            </a:r>
+            <a:r>
+              <a:rPr lang="en-US" dirty="0"/>
+              <a:t>:</a:t>
             </a:r>
           </a:p>
           <a:p>
-            <a:r>
-              <a:rPr lang="en-US" dirty="0"/>
-              <a:t>We already saw some constraints previously:</a:t>
-            </a:r>
-          </a:p>
-          <a:p>
-            <a:pPr marL="0" indent="0">
-              <a:buNone/>
-            </a:pPr>
             <a:r>
               <a:rPr lang="en-US" dirty="0">
                 <a:solidFill>
@@ -17673,8 +19937,12 @@
           <a:lstStyle/>
           <a:p>
             <a:r>
+              <a:rPr lang="en-GB" dirty="0" err="1"/>
+              <a:t>Connessione</a:t>
+            </a:r>
+            <a:r>
               <a:rPr lang="en-GB" dirty="0"/>
-              <a:t>Connecting </a:t>
+              <a:t> di </a:t>
             </a:r>
             <a:r>
               <a:rPr lang="en-GB" dirty="0" err="1"/>
@@ -17682,16 +19950,13 @@
             </a:r>
             <a:r>
               <a:rPr lang="en-GB" dirty="0"/>
-              <a:t> to </a:t>
+              <a:t> a </a:t>
             </a:r>
             <a:r>
               <a:rPr lang="en-GB" dirty="0" err="1"/>
               <a:t>NoteDB</a:t>
             </a:r>
-            <a:r>
-              <a:rPr lang="en-GB" dirty="0"/>
-              <a:t> (2/2)</a:t>
-            </a:r>
+            <a:endParaRPr lang="en-GB" dirty="0"/>
           </a:p>
         </p:txBody>
       </p:sp>
@@ -17719,19 +19984,58 @@
           <a:lstStyle/>
           <a:p>
             <a:r>
+              <a:rPr lang="en-GB" sz="2000" dirty="0" err="1">
+                <a:solidFill>
+                  <a:srgbClr val="00B050"/>
+                </a:solidFill>
+                <a:latin typeface="Courier" pitchFamily="2" charset="0"/>
+              </a:rPr>
+              <a:t>Creare</a:t>
+            </a:r>
+            <a:r>
               <a:rPr lang="en-GB" sz="2000" dirty="0">
                 <a:solidFill>
                   <a:srgbClr val="00B050"/>
                 </a:solidFill>
-                <a:highlight>
-                  <a:srgbClr val="000000"/>
-                </a:highlight>
-                <a:latin typeface="Courier" pitchFamily="2" charset="0"/>
-              </a:rPr>
-              <a:t>Create a configuration</a:t>
-            </a:r>
-          </a:p>
-          <a:p>
+                <a:latin typeface="Courier" pitchFamily="2" charset="0"/>
+              </a:rPr>
+              <a:t> </a:t>
+            </a:r>
+            <a:r>
+              <a:rPr lang="en-GB" sz="2000" dirty="0" err="1">
+                <a:solidFill>
+                  <a:srgbClr val="00B050"/>
+                </a:solidFill>
+                <a:latin typeface="Courier" pitchFamily="2" charset="0"/>
+              </a:rPr>
+              <a:t>una</a:t>
+            </a:r>
+            <a:r>
+              <a:rPr lang="en-GB" sz="2000" dirty="0">
+                <a:solidFill>
+                  <a:srgbClr val="00B050"/>
+                </a:solidFill>
+                <a:latin typeface="Courier" pitchFamily="2" charset="0"/>
+              </a:rPr>
+              <a:t> </a:t>
+            </a:r>
+            <a:r>
+              <a:rPr lang="en-GB" sz="2000" dirty="0" err="1">
+                <a:solidFill>
+                  <a:srgbClr val="00B050"/>
+                </a:solidFill>
+                <a:latin typeface="Courier" pitchFamily="2" charset="0"/>
+              </a:rPr>
+              <a:t>configurazione</a:t>
+            </a:r>
+            <a:br>
+              <a:rPr lang="en-GB" sz="2000" dirty="0">
+                <a:solidFill>
+                  <a:srgbClr val="00B050"/>
+                </a:solidFill>
+                <a:latin typeface="Courier" pitchFamily="2" charset="0"/>
+              </a:rPr>
+            </a:br>
             <a:r>
               <a:rPr lang="it-IT" sz="2400" dirty="0">
                 <a:solidFill>
@@ -18367,7 +20671,15 @@
           <a:p>
             <a:r>
               <a:rPr lang="en-GB" dirty="0"/>
-              <a:t>Secure queries with </a:t>
+              <a:t>Query </a:t>
+            </a:r>
+            <a:r>
+              <a:rPr lang="en-GB" dirty="0" err="1"/>
+              <a:t>sicure</a:t>
+            </a:r>
+            <a:r>
+              <a:rPr lang="en-GB" dirty="0"/>
+              <a:t> con </a:t>
             </a:r>
             <a:r>
               <a:rPr lang="en-GB" dirty="0" err="1"/>
@@ -18375,7 +20687,39 @@
             </a:r>
             <a:r>
               <a:rPr lang="en-GB" dirty="0"/>
-              <a:t> – new Note class implementation</a:t>
+              <a:t> – </a:t>
+            </a:r>
+            <a:r>
+              <a:rPr lang="en-GB" dirty="0" err="1"/>
+              <a:t>nuova</a:t>
+            </a:r>
+            <a:r>
+              <a:rPr lang="en-GB" dirty="0"/>
+              <a:t> </a:t>
+            </a:r>
+            <a:r>
+              <a:rPr lang="en-GB" dirty="0" err="1"/>
+              <a:t>implementazione</a:t>
+            </a:r>
+            <a:r>
+              <a:rPr lang="en-GB" dirty="0"/>
+              <a:t> </a:t>
+            </a:r>
+            <a:r>
+              <a:rPr lang="en-GB" dirty="0" err="1"/>
+              <a:t>della</a:t>
+            </a:r>
+            <a:r>
+              <a:rPr lang="en-GB" dirty="0"/>
+              <a:t> </a:t>
+            </a:r>
+            <a:r>
+              <a:rPr lang="en-GB" dirty="0" err="1"/>
+              <a:t>classe</a:t>
+            </a:r>
+            <a:r>
+              <a:rPr lang="en-GB" dirty="0"/>
+              <a:t> Note</a:t>
             </a:r>
           </a:p>
         </p:txBody>
@@ -18409,8 +20753,199 @@
           <a:lstStyle/>
           <a:p>
             <a:r>
+              <a:rPr lang="en-US" dirty="0" err="1"/>
+              <a:t>Modificare</a:t>
+            </a:r>
+            <a:r>
               <a:rPr lang="en-US" dirty="0"/>
-              <a:t>Change the Note class to the following:</a:t>
+              <a:t> la </a:t>
+            </a:r>
+            <a:r>
+              <a:rPr lang="en-US" dirty="0" err="1"/>
+              <a:t>classe</a:t>
+            </a:r>
+            <a:r>
+              <a:rPr lang="en-US" dirty="0"/>
+              <a:t> Note </a:t>
+            </a:r>
+            <a:r>
+              <a:rPr lang="en-US" dirty="0" err="1"/>
+              <a:t>nel</a:t>
+            </a:r>
+            <a:r>
+              <a:rPr lang="en-US" dirty="0"/>
+              <a:t> modo </a:t>
+            </a:r>
+            <a:r>
+              <a:rPr lang="en-US" dirty="0" err="1"/>
+              <a:t>seguente</a:t>
+            </a:r>
+            <a:r>
+              <a:rPr lang="en-US" dirty="0"/>
+              <a:t>:</a:t>
+            </a:r>
+          </a:p>
+          <a:p>
+            <a:r>
+              <a:rPr lang="en-GB" dirty="0">
+                <a:solidFill>
+                  <a:srgbClr val="00B050"/>
+                </a:solidFill>
+                <a:highlight>
+                  <a:srgbClr val="000000"/>
+                </a:highlight>
+                <a:latin typeface="Courier" pitchFamily="2" charset="0"/>
+              </a:rPr>
+              <a:t>public class Note {</a:t>
+            </a:r>
+            <a:br>
+              <a:rPr lang="en-GB" dirty="0">
+                <a:solidFill>
+                  <a:srgbClr val="00B050"/>
+                </a:solidFill>
+                <a:highlight>
+                  <a:srgbClr val="000000"/>
+                </a:highlight>
+                <a:latin typeface="Courier" pitchFamily="2" charset="0"/>
+              </a:rPr>
+            </a:br>
+            <a:r>
+              <a:rPr lang="en-GB" dirty="0">
+                <a:solidFill>
+                  <a:srgbClr val="00B050"/>
+                </a:solidFill>
+                <a:highlight>
+                  <a:srgbClr val="000000"/>
+                </a:highlight>
+                <a:latin typeface="Courier" pitchFamily="2" charset="0"/>
+              </a:rPr>
+              <a:t>    public long id;</a:t>
+            </a:r>
+            <a:br>
+              <a:rPr lang="en-GB" dirty="0">
+                <a:solidFill>
+                  <a:srgbClr val="00B050"/>
+                </a:solidFill>
+                <a:highlight>
+                  <a:srgbClr val="000000"/>
+                </a:highlight>
+                <a:latin typeface="Courier" pitchFamily="2" charset="0"/>
+              </a:rPr>
+            </a:br>
+            <a:br>
+              <a:rPr lang="en-GB" dirty="0">
+                <a:solidFill>
+                  <a:srgbClr val="00B050"/>
+                </a:solidFill>
+                <a:highlight>
+                  <a:srgbClr val="000000"/>
+                </a:highlight>
+                <a:latin typeface="Courier" pitchFamily="2" charset="0"/>
+              </a:rPr>
+            </a:br>
+            <a:r>
+              <a:rPr lang="en-GB" dirty="0">
+                <a:solidFill>
+                  <a:srgbClr val="00B050"/>
+                </a:solidFill>
+                <a:highlight>
+                  <a:srgbClr val="000000"/>
+                </a:highlight>
+                <a:latin typeface="Courier" pitchFamily="2" charset="0"/>
+              </a:rPr>
+              <a:t>    public String title;</a:t>
+            </a:r>
+            <a:br>
+              <a:rPr lang="en-GB" dirty="0">
+                <a:solidFill>
+                  <a:srgbClr val="00B050"/>
+                </a:solidFill>
+                <a:highlight>
+                  <a:srgbClr val="000000"/>
+                </a:highlight>
+                <a:latin typeface="Courier" pitchFamily="2" charset="0"/>
+              </a:rPr>
+            </a:br>
+            <a:r>
+              <a:rPr lang="en-GB" dirty="0">
+                <a:solidFill>
+                  <a:srgbClr val="00B050"/>
+                </a:solidFill>
+                <a:highlight>
+                  <a:srgbClr val="000000"/>
+                </a:highlight>
+                <a:latin typeface="Courier" pitchFamily="2" charset="0"/>
+              </a:rPr>
+              <a:t>    public String body;</a:t>
+            </a:r>
+            <a:br>
+              <a:rPr lang="en-GB" dirty="0">
+                <a:solidFill>
+                  <a:srgbClr val="00B050"/>
+                </a:solidFill>
+                <a:highlight>
+                  <a:srgbClr val="000000"/>
+                </a:highlight>
+                <a:latin typeface="Courier" pitchFamily="2" charset="0"/>
+              </a:rPr>
+            </a:br>
+            <a:r>
+              <a:rPr lang="en-GB" dirty="0">
+                <a:solidFill>
+                  <a:srgbClr val="00B050"/>
+                </a:solidFill>
+                <a:highlight>
+                  <a:srgbClr val="000000"/>
+                </a:highlight>
+                <a:latin typeface="Courier" pitchFamily="2" charset="0"/>
+              </a:rPr>
+              <a:t>    public Timestamp creation;</a:t>
+            </a:r>
+            <a:br>
+              <a:rPr lang="en-GB" dirty="0">
+                <a:solidFill>
+                  <a:srgbClr val="00B050"/>
+                </a:solidFill>
+                <a:highlight>
+                  <a:srgbClr val="000000"/>
+                </a:highlight>
+                <a:latin typeface="Courier" pitchFamily="2" charset="0"/>
+              </a:rPr>
+            </a:br>
+            <a:r>
+              <a:rPr lang="en-GB" dirty="0">
+                <a:solidFill>
+                  <a:srgbClr val="00B050"/>
+                </a:solidFill>
+                <a:highlight>
+                  <a:srgbClr val="000000"/>
+                </a:highlight>
+                <a:latin typeface="Courier" pitchFamily="2" charset="0"/>
+              </a:rPr>
+              <a:t>    public Timestamp modified;</a:t>
+            </a:r>
+            <a:br>
+              <a:rPr lang="en-GB" dirty="0">
+                <a:solidFill>
+                  <a:srgbClr val="00B050"/>
+                </a:solidFill>
+                <a:highlight>
+                  <a:srgbClr val="000000"/>
+                </a:highlight>
+                <a:latin typeface="Courier" pitchFamily="2" charset="0"/>
+              </a:rPr>
+            </a:br>
+            <a:r>
+              <a:rPr lang="en-GB" dirty="0">
+                <a:solidFill>
+                  <a:srgbClr val="00B050"/>
+                </a:solidFill>
+                <a:highlight>
+                  <a:srgbClr val="000000"/>
+                </a:highlight>
+                <a:latin typeface="Courier" pitchFamily="2" charset="0"/>
+              </a:rPr>
+              <a:t>}</a:t>
             </a:r>
           </a:p>
           <a:p>
@@ -18418,174 +20953,32 @@
               <a:buNone/>
             </a:pPr>
             <a:r>
-              <a:rPr lang="en-GB" dirty="0">
-                <a:solidFill>
-                  <a:srgbClr val="00B050"/>
-                </a:solidFill>
-                <a:highlight>
-                  <a:srgbClr val="000000"/>
-                </a:highlight>
-                <a:latin typeface="Courier" pitchFamily="2" charset="0"/>
-              </a:rPr>
-              <a:t>public class Note {</a:t>
-            </a:r>
-            <a:br>
-              <a:rPr lang="en-GB" dirty="0">
-                <a:solidFill>
-                  <a:srgbClr val="00B050"/>
-                </a:solidFill>
-                <a:highlight>
-                  <a:srgbClr val="000000"/>
-                </a:highlight>
-                <a:latin typeface="Courier" pitchFamily="2" charset="0"/>
-              </a:rPr>
-            </a:br>
-            <a:r>
-              <a:rPr lang="en-GB" dirty="0">
-                <a:solidFill>
-                  <a:srgbClr val="00B050"/>
-                </a:solidFill>
-                <a:highlight>
-                  <a:srgbClr val="000000"/>
-                </a:highlight>
-                <a:latin typeface="Courier" pitchFamily="2" charset="0"/>
-              </a:rPr>
-              <a:t>    public long id;</a:t>
-            </a:r>
-            <a:br>
-              <a:rPr lang="en-GB" dirty="0">
-                <a:solidFill>
-                  <a:srgbClr val="00B050"/>
-                </a:solidFill>
-                <a:highlight>
-                  <a:srgbClr val="000000"/>
-                </a:highlight>
-                <a:latin typeface="Courier" pitchFamily="2" charset="0"/>
-              </a:rPr>
-            </a:br>
-            <a:br>
-              <a:rPr lang="en-GB" dirty="0">
-                <a:solidFill>
-                  <a:srgbClr val="00B050"/>
-                </a:solidFill>
-                <a:highlight>
-                  <a:srgbClr val="000000"/>
-                </a:highlight>
-                <a:latin typeface="Courier" pitchFamily="2" charset="0"/>
-              </a:rPr>
-            </a:br>
-            <a:r>
-              <a:rPr lang="en-GB" dirty="0">
-                <a:solidFill>
-                  <a:srgbClr val="00B050"/>
-                </a:solidFill>
-                <a:highlight>
-                  <a:srgbClr val="000000"/>
-                </a:highlight>
-                <a:latin typeface="Courier" pitchFamily="2" charset="0"/>
-              </a:rPr>
-              <a:t>    public String title;</a:t>
-            </a:r>
-            <a:br>
-              <a:rPr lang="en-GB" dirty="0">
-                <a:solidFill>
-                  <a:srgbClr val="00B050"/>
-                </a:solidFill>
-                <a:highlight>
-                  <a:srgbClr val="000000"/>
-                </a:highlight>
-                <a:latin typeface="Courier" pitchFamily="2" charset="0"/>
-              </a:rPr>
-            </a:br>
-            <a:r>
-              <a:rPr lang="en-GB" dirty="0">
-                <a:solidFill>
-                  <a:srgbClr val="00B050"/>
-                </a:solidFill>
-                <a:highlight>
-                  <a:srgbClr val="000000"/>
-                </a:highlight>
-                <a:latin typeface="Courier" pitchFamily="2" charset="0"/>
-              </a:rPr>
-              <a:t>    public String body;</a:t>
-            </a:r>
-            <a:br>
-              <a:rPr lang="en-GB" dirty="0">
-                <a:solidFill>
-                  <a:srgbClr val="00B050"/>
-                </a:solidFill>
-                <a:highlight>
-                  <a:srgbClr val="000000"/>
-                </a:highlight>
-                <a:latin typeface="Courier" pitchFamily="2" charset="0"/>
-              </a:rPr>
-            </a:br>
-            <a:r>
-              <a:rPr lang="en-GB" dirty="0">
-                <a:solidFill>
-                  <a:srgbClr val="00B050"/>
-                </a:solidFill>
-                <a:highlight>
-                  <a:srgbClr val="000000"/>
-                </a:highlight>
-                <a:latin typeface="Courier" pitchFamily="2" charset="0"/>
-              </a:rPr>
-              <a:t>    public Timestamp creation;</a:t>
-            </a:r>
-            <a:br>
-              <a:rPr lang="en-GB" dirty="0">
-                <a:solidFill>
-                  <a:srgbClr val="00B050"/>
-                </a:solidFill>
-                <a:highlight>
-                  <a:srgbClr val="000000"/>
-                </a:highlight>
-                <a:latin typeface="Courier" pitchFamily="2" charset="0"/>
-              </a:rPr>
-            </a:br>
-            <a:r>
-              <a:rPr lang="en-GB" dirty="0">
-                <a:solidFill>
-                  <a:srgbClr val="00B050"/>
-                </a:solidFill>
-                <a:highlight>
-                  <a:srgbClr val="000000"/>
-                </a:highlight>
-                <a:latin typeface="Courier" pitchFamily="2" charset="0"/>
-              </a:rPr>
-              <a:t>    public Timestamp modified;</a:t>
-            </a:r>
-            <a:br>
-              <a:rPr lang="en-GB" dirty="0">
-                <a:solidFill>
-                  <a:srgbClr val="00B050"/>
-                </a:solidFill>
-                <a:highlight>
-                  <a:srgbClr val="000000"/>
-                </a:highlight>
-                <a:latin typeface="Courier" pitchFamily="2" charset="0"/>
-              </a:rPr>
-            </a:br>
-            <a:r>
-              <a:rPr lang="en-GB" dirty="0">
-                <a:solidFill>
-                  <a:srgbClr val="00B050"/>
-                </a:solidFill>
-                <a:highlight>
-                  <a:srgbClr val="000000"/>
-                </a:highlight>
-                <a:latin typeface="Courier" pitchFamily="2" charset="0"/>
-              </a:rPr>
-              <a:t>}</a:t>
-            </a:r>
-          </a:p>
-          <a:p>
-            <a:pPr marL="0" indent="0">
-              <a:buNone/>
-            </a:pPr>
-            <a:r>
               <a:rPr lang="en-US" dirty="0"/>
-              <a:t>Note the lack of annotations.</a:t>
+              <a:t>Si </a:t>
+            </a:r>
+            <a:r>
+              <a:rPr lang="en-US" dirty="0" err="1"/>
+              <a:t>noti</a:t>
+            </a:r>
+            <a:r>
+              <a:rPr lang="en-US" dirty="0"/>
+              <a:t> la </a:t>
+            </a:r>
+            <a:r>
+              <a:rPr lang="en-US" dirty="0" err="1"/>
+              <a:t>mancanza</a:t>
+            </a:r>
+            <a:r>
+              <a:rPr lang="en-US" dirty="0"/>
+              <a:t> di </a:t>
+            </a:r>
+            <a:r>
+              <a:rPr lang="en-US" dirty="0" err="1"/>
+              <a:t>annotazioni</a:t>
+            </a:r>
+            <a:r>
+              <a:rPr lang="en-US" dirty="0"/>
+              <a:t>.</a:t>
             </a:r>
           </a:p>
         </p:txBody>
@@ -18709,7 +21102,15 @@
           <a:p>
             <a:r>
               <a:rPr lang="en-GB" dirty="0"/>
-              <a:t>Secure queries with </a:t>
+              <a:t>Query </a:t>
+            </a:r>
+            <a:r>
+              <a:rPr lang="en-GB" dirty="0" err="1"/>
+              <a:t>sicure</a:t>
+            </a:r>
+            <a:r>
+              <a:rPr lang="en-GB" dirty="0"/>
+              <a:t> con </a:t>
             </a:r>
             <a:r>
               <a:rPr lang="en-GB" dirty="0" err="1"/>
@@ -18717,16 +21118,29 @@
             </a:r>
             <a:r>
               <a:rPr lang="en-GB" dirty="0"/>
-              <a:t> – new </a:t>
+              <a:t> – </a:t>
+            </a:r>
+            <a:r>
+              <a:rPr lang="en-GB" dirty="0" err="1"/>
+              <a:t>nuova</a:t>
+            </a:r>
+            <a:r>
+              <a:rPr lang="en-GB" dirty="0"/>
+              <a:t> </a:t>
+            </a:r>
+            <a:r>
+              <a:rPr lang="en-GB" dirty="0" err="1"/>
+              <a:t>implementazione</a:t>
+            </a:r>
+            <a:r>
+              <a:rPr lang="en-GB" dirty="0"/>
+              <a:t> di </a:t>
             </a:r>
             <a:r>
               <a:rPr lang="en-GB" dirty="0" err="1"/>
               <a:t>NoteRepository</a:t>
             </a:r>
-            <a:r>
-              <a:rPr lang="en-GB" dirty="0"/>
-              <a:t> implementation (1/4)</a:t>
-            </a:r>
+            <a:endParaRPr lang="en-GB" dirty="0"/>
           </a:p>
         </p:txBody>
       </p:sp>
@@ -18759,8 +21173,20 @@
           <a:lstStyle/>
           <a:p>
             <a:r>
+              <a:rPr lang="en-US" sz="1600" dirty="0" err="1"/>
+              <a:t>Modificare</a:t>
+            </a:r>
+            <a:r>
               <a:rPr lang="en-US" sz="1600" dirty="0"/>
-              <a:t>Change the </a:t>
+              <a:t> </a:t>
+            </a:r>
+            <a:r>
+              <a:rPr lang="en-US" sz="1600" dirty="0" err="1"/>
+              <a:t>l'interfaccia</a:t>
+            </a:r>
+            <a:r>
+              <a:rPr lang="en-US" sz="1600" dirty="0"/>
+              <a:t> </a:t>
             </a:r>
             <a:r>
               <a:rPr lang="en-US" sz="1600" dirty="0" err="1"/>
@@ -18768,13 +21194,27 @@
             </a:r>
             <a:r>
               <a:rPr lang="en-US" sz="1600" dirty="0"/>
-              <a:t> interface to a class as follows:</a:t>
-            </a:r>
-          </a:p>
-          <a:p>
-            <a:pPr marL="0" indent="0">
-              <a:buNone/>
-            </a:pPr>
+              <a:t> in </a:t>
+            </a:r>
+            <a:r>
+              <a:rPr lang="en-US" sz="1600" dirty="0" err="1"/>
+              <a:t>una</a:t>
+            </a:r>
+            <a:r>
+              <a:rPr lang="en-US" sz="1600" dirty="0"/>
+              <a:t> </a:t>
+            </a:r>
+            <a:r>
+              <a:rPr lang="en-US" sz="1600" dirty="0" err="1"/>
+              <a:t>classe</a:t>
+            </a:r>
+            <a:r>
+              <a:rPr lang="en-US" sz="1600" dirty="0"/>
+              <a:t> come segue:</a:t>
+            </a:r>
+            <a:br>
+              <a:rPr lang="en-US" sz="1600" dirty="0"/>
+            </a:br>
             <a:r>
               <a:rPr lang="en-GB" sz="1600" dirty="0">
                 <a:solidFill>
@@ -19409,7 +21849,15 @@
           <a:p>
             <a:r>
               <a:rPr lang="en-GB" dirty="0"/>
-              <a:t>Secure queries with </a:t>
+              <a:t>Query </a:t>
+            </a:r>
+            <a:r>
+              <a:rPr lang="en-GB" dirty="0" err="1"/>
+              <a:t>sicure</a:t>
+            </a:r>
+            <a:r>
+              <a:rPr lang="en-GB" dirty="0"/>
+              <a:t> con </a:t>
             </a:r>
             <a:r>
               <a:rPr lang="en-GB" dirty="0" err="1"/>
@@ -19417,16 +21865,29 @@
             </a:r>
             <a:r>
               <a:rPr lang="en-GB" dirty="0"/>
-              <a:t> – new </a:t>
+              <a:t> – </a:t>
+            </a:r>
+            <a:r>
+              <a:rPr lang="en-GB" dirty="0" err="1"/>
+              <a:t>nuova</a:t>
+            </a:r>
+            <a:r>
+              <a:rPr lang="en-GB" dirty="0"/>
+              <a:t> </a:t>
+            </a:r>
+            <a:r>
+              <a:rPr lang="en-GB" dirty="0" err="1"/>
+              <a:t>implementazione</a:t>
+            </a:r>
+            <a:r>
+              <a:rPr lang="en-GB" dirty="0"/>
+              <a:t> </a:t>
             </a:r>
             <a:r>
               <a:rPr lang="en-GB" dirty="0" err="1"/>
               <a:t>NoteRepository</a:t>
             </a:r>
-            <a:r>
-              <a:rPr lang="en-GB" dirty="0"/>
-              <a:t> implementation (2/4)</a:t>
-            </a:r>
+            <a:endParaRPr lang="en-GB" dirty="0"/>
           </a:p>
         </p:txBody>
       </p:sp>
@@ -19459,8 +21920,52 @@
           <a:lstStyle/>
           <a:p>
             <a:r>
+              <a:rPr lang="en-US" sz="1400" dirty="0" err="1"/>
+              <a:t>Aggiungere</a:t>
+            </a:r>
+            <a:r>
               <a:rPr lang="en-US" sz="1400" dirty="0"/>
-              <a:t>Add the following basic CRUD methods to the </a:t>
+              <a:t> </a:t>
+            </a:r>
+            <a:r>
+              <a:rPr lang="en-US" sz="1400" dirty="0" err="1"/>
+              <a:t>i</a:t>
+            </a:r>
+            <a:r>
+              <a:rPr lang="en-US" sz="1400" dirty="0"/>
+              <a:t> </a:t>
+            </a:r>
+            <a:r>
+              <a:rPr lang="en-US" sz="1400" dirty="0" err="1"/>
+              <a:t>seguenti</a:t>
+            </a:r>
+            <a:r>
+              <a:rPr lang="en-US" sz="1400" dirty="0"/>
+              <a:t> </a:t>
+            </a:r>
+            <a:r>
+              <a:rPr lang="en-US" sz="1400" dirty="0" err="1"/>
+              <a:t>metodi</a:t>
+            </a:r>
+            <a:r>
+              <a:rPr lang="en-US" sz="1400" dirty="0"/>
+              <a:t> CRUD di base </a:t>
+            </a:r>
+            <a:r>
+              <a:rPr lang="en-US" sz="1400" dirty="0" err="1"/>
+              <a:t>alla</a:t>
+            </a:r>
+            <a:r>
+              <a:rPr lang="en-US" sz="1400" dirty="0"/>
+              <a:t> </a:t>
+            </a:r>
+            <a:r>
+              <a:rPr lang="en-US" sz="1400" dirty="0" err="1"/>
+              <a:t>classe</a:t>
+            </a:r>
+            <a:r>
+              <a:rPr lang="en-US" sz="1400" dirty="0"/>
+              <a:t> </a:t>
             </a:r>
             <a:r>
               <a:rPr lang="en-US" sz="1400" dirty="0" err="1"/>
@@ -19468,13 +21973,51 @@
             </a:r>
             <a:r>
               <a:rPr lang="en-US" sz="1400" dirty="0"/>
-              <a:t> class (more methods on next slide):</a:t>
-            </a:r>
-          </a:p>
-          <a:p>
-            <a:pPr marL="0" indent="0">
-              <a:buNone/>
-            </a:pPr>
+              <a:t> (</a:t>
+            </a:r>
+            <a:r>
+              <a:rPr lang="en-US" sz="1400" dirty="0" err="1"/>
+              <a:t>altri</a:t>
+            </a:r>
+            <a:r>
+              <a:rPr lang="en-US" sz="1400" dirty="0"/>
+              <a:t> </a:t>
+            </a:r>
+            <a:r>
+              <a:rPr lang="en-US" sz="1400" dirty="0" err="1"/>
+              <a:t>metodi</a:t>
+            </a:r>
+            <a:r>
+              <a:rPr lang="en-US" sz="1400" dirty="0"/>
+              <a:t> </a:t>
+            </a:r>
+            <a:r>
+              <a:rPr lang="en-US" sz="1400" dirty="0" err="1"/>
+              <a:t>nella</a:t>
+            </a:r>
+            <a:r>
+              <a:rPr lang="en-US" sz="1400" dirty="0"/>
+              <a:t> </a:t>
+            </a:r>
+            <a:r>
+              <a:rPr lang="en-US" sz="1400" dirty="0" err="1"/>
+              <a:t>diapositiva</a:t>
+            </a:r>
+            <a:r>
+              <a:rPr lang="en-US" sz="1400" dirty="0"/>
+              <a:t> </a:t>
+            </a:r>
+            <a:r>
+              <a:rPr lang="en-US" sz="1400" dirty="0" err="1"/>
+              <a:t>successiva</a:t>
+            </a:r>
+            <a:r>
+              <a:rPr lang="en-US" sz="1400" dirty="0"/>
+              <a:t>):</a:t>
+            </a:r>
+            <a:br>
+              <a:rPr lang="en-US" sz="1400" dirty="0"/>
+            </a:br>
             <a:r>
               <a:rPr lang="en-GB" sz="1400" dirty="0">
                 <a:solidFill>
